--- a/documentation/Old_documentation/design_forV4/FilebasedObjects&GenProjection.pptx
+++ b/documentation/Old_documentation/design_forV4/FilebasedObjects&GenProjection.pptx
@@ -15,6 +15,7 @@
     <p:sldId id="264" r:id="rId9"/>
     <p:sldId id="263" r:id="rId10"/>
     <p:sldId id="265" r:id="rId11"/>
+    <p:sldId id="266" r:id="rId12"/>
   </p:sldIdLst>
   <p:sldSz cx="12192000" cy="6858000"/>
   <p:notesSz cx="6858000" cy="9144000"/>
@@ -5385,6 +5386,13 @@
   <p:clrMapOvr>
     <a:masterClrMapping/>
   </p:clrMapOvr>
+  <p:timing>
+    <p:tnLst>
+      <p:par>
+        <p:cTn id="1" dur="indefinite" restart="never" nodeType="tmRoot"/>
+      </p:par>
+    </p:tnLst>
+  </p:timing>
 </p:sld>
 </file>
 
@@ -5836,6 +5844,146 @@
     <p:extLst>
       <p:ext uri="{BB962C8B-B14F-4D97-AF65-F5344CB8AC3E}">
         <p14:creationId xmlns:p14="http://schemas.microsoft.com/office/powerpoint/2010/main" val="1295912666"/>
+      </p:ext>
+    </p:extLst>
+  </p:cSld>
+  <p:clrMapOvr>
+    <a:masterClrMapping/>
+  </p:clrMapOvr>
+  <p:timing>
+    <p:tnLst>
+      <p:par>
+        <p:cTn id="1" dur="indefinite" restart="never" nodeType="tmRoot"/>
+      </p:par>
+    </p:tnLst>
+  </p:timing>
+</p:sld>
+</file>
+
+<file path=ppt/slides/slide11.xml><?xml version="1.0" encoding="utf-8"?>
+<p:sld xmlns:a="http://schemas.openxmlformats.org/drawingml/2006/main" xmlns:r="http://schemas.openxmlformats.org/officeDocument/2006/relationships" xmlns:p="http://schemas.openxmlformats.org/presentationml/2006/main">
+  <p:cSld>
+    <p:spTree>
+      <p:nvGrpSpPr>
+        <p:cNvPr id="1" name=""/>
+        <p:cNvGrpSpPr/>
+        <p:nvPr/>
+      </p:nvGrpSpPr>
+      <p:grpSpPr>
+        <a:xfrm>
+          <a:off x="0" y="0"/>
+          <a:ext cx="0" cy="0"/>
+          <a:chOff x="0" y="0"/>
+          <a:chExt cx="0" cy="0"/>
+        </a:xfrm>
+      </p:grpSpPr>
+      <p:sp>
+        <p:nvSpPr>
+          <p:cNvPr id="2" name="Title 1"/>
+          <p:cNvSpPr>
+            <a:spLocks noGrp="1"/>
+          </p:cNvSpPr>
+          <p:nvPr>
+            <p:ph type="title"/>
+          </p:nvPr>
+        </p:nvSpPr>
+        <p:spPr/>
+        <p:txBody>
+          <a:bodyPr/>
+          <a:lstStyle/>
+          <a:p>
+            <a:endParaRPr lang="en-GB"/>
+          </a:p>
+        </p:txBody>
+      </p:sp>
+      <p:sp>
+        <p:nvSpPr>
+          <p:cNvPr id="4" name="Rectangle 3"/>
+          <p:cNvSpPr/>
+          <p:nvPr/>
+        </p:nvSpPr>
+        <p:spPr>
+          <a:xfrm>
+            <a:off x="2846717" y="2950234"/>
+            <a:ext cx="4761781" cy="836762"/>
+          </a:xfrm>
+          <a:prstGeom prst="rect">
+            <a:avLst/>
+          </a:prstGeom>
+        </p:spPr>
+        <p:style>
+          <a:lnRef idx="2">
+            <a:schemeClr val="accent1">
+              <a:shade val="50000"/>
+            </a:schemeClr>
+          </a:lnRef>
+          <a:fillRef idx="1">
+            <a:schemeClr val="accent1"/>
+          </a:fillRef>
+          <a:effectRef idx="0">
+            <a:schemeClr val="accent1"/>
+          </a:effectRef>
+          <a:fontRef idx="minor">
+            <a:schemeClr val="lt1"/>
+          </a:fontRef>
+        </p:style>
+        <p:txBody>
+          <a:bodyPr rtlCol="0" anchor="ctr"/>
+          <a:lstStyle/>
+          <a:p>
+            <a:pPr algn="ctr"/>
+            <a:endParaRPr lang="en-GB"/>
+          </a:p>
+        </p:txBody>
+      </p:sp>
+      <p:sp>
+        <p:nvSpPr>
+          <p:cNvPr id="5" name="Donut 4"/>
+          <p:cNvSpPr/>
+          <p:nvPr/>
+        </p:nvSpPr>
+        <p:spPr>
+          <a:xfrm>
+            <a:off x="4632385" y="3096972"/>
+            <a:ext cx="1923691" cy="1932317"/>
+          </a:xfrm>
+          <a:prstGeom prst="donut">
+            <a:avLst/>
+          </a:prstGeom>
+        </p:spPr>
+        <p:style>
+          <a:lnRef idx="2">
+            <a:schemeClr val="accent1">
+              <a:shade val="50000"/>
+            </a:schemeClr>
+          </a:lnRef>
+          <a:fillRef idx="1">
+            <a:schemeClr val="accent1"/>
+          </a:fillRef>
+          <a:effectRef idx="0">
+            <a:schemeClr val="accent1"/>
+          </a:effectRef>
+          <a:fontRef idx="minor">
+            <a:schemeClr val="lt1"/>
+          </a:fontRef>
+        </p:style>
+        <p:txBody>
+          <a:bodyPr rtlCol="0" anchor="ctr"/>
+          <a:lstStyle/>
+          <a:p>
+            <a:pPr algn="ctr"/>
+            <a:endParaRPr lang="en-GB">
+              <a:solidFill>
+                <a:schemeClr val="tx1"/>
+              </a:solidFill>
+            </a:endParaRPr>
+          </a:p>
+        </p:txBody>
+      </p:sp>
+    </p:spTree>
+    <p:extLst>
+      <p:ext uri="{BB962C8B-B14F-4D97-AF65-F5344CB8AC3E}">
+        <p14:creationId xmlns:p14="http://schemas.microsoft.com/office/powerpoint/2010/main" val="2377110048"/>
       </p:ext>
     </p:extLst>
   </p:cSld>
@@ -9677,6 +9825,13 @@
   <p:clrMapOvr>
     <a:masterClrMapping/>
   </p:clrMapOvr>
+  <p:timing>
+    <p:tnLst>
+      <p:par>
+        <p:cTn id="1" dur="indefinite" restart="never" nodeType="tmRoot"/>
+      </p:par>
+    </p:tnLst>
+  </p:timing>
 </p:sld>
 </file>
 
@@ -13173,6 +13328,13 @@
   <p:clrMapOvr>
     <a:masterClrMapping/>
   </p:clrMapOvr>
+  <p:timing>
+    <p:tnLst>
+      <p:par>
+        <p:cTn id="1" dur="indefinite" restart="never" nodeType="tmRoot"/>
+      </p:par>
+    </p:tnLst>
+  </p:timing>
 </p:sld>
 </file>
 
@@ -13295,6 +13457,13 @@
   <p:clrMapOvr>
     <a:masterClrMapping/>
   </p:clrMapOvr>
+  <p:timing>
+    <p:tnLst>
+      <p:par>
+        <p:cTn id="1" dur="indefinite" restart="never" nodeType="tmRoot"/>
+      </p:par>
+    </p:tnLst>
+  </p:timing>
 </p:sld>
 </file>
 
@@ -13332,11 +13501,7 @@
           <a:p>
             <a:r>
               <a:rPr lang="en-GB" dirty="0" smtClean="0"/>
-              <a:t>Parts of new SQW </a:t>
-            </a:r>
-            <a:r>
-              <a:rPr lang="en-GB" dirty="0" smtClean="0"/>
-              <a:t>object (</a:t>
+              <a:t>Parts of new SQW object (</a:t>
             </a:r>
             <a:r>
               <a:rPr lang="en-GB" dirty="0" err="1" smtClean="0"/>
@@ -13366,7 +13531,7 @@
         </p:blipFill>
         <p:spPr>
           <a:xfrm>
-            <a:off x="653143" y="1962149"/>
+            <a:off x="687648" y="1953523"/>
             <a:ext cx="10248686" cy="4580165"/>
           </a:xfrm>
           <a:prstGeom prst="rect">
@@ -13440,6 +13605,13 @@
   <p:clrMapOvr>
     <a:masterClrMapping/>
   </p:clrMapOvr>
+  <p:timing>
+    <p:tnLst>
+      <p:par>
+        <p:cTn id="1" dur="indefinite" restart="never" nodeType="tmRoot"/>
+      </p:par>
+    </p:tnLst>
+  </p:timing>
 </p:sld>
 </file>
 
@@ -13517,6 +13689,13 @@
   <p:clrMapOvr>
     <a:masterClrMapping/>
   </p:clrMapOvr>
+  <p:timing>
+    <p:tnLst>
+      <p:par>
+        <p:cTn id="1" dur="indefinite" restart="never" nodeType="tmRoot"/>
+      </p:par>
+    </p:tnLst>
+  </p:timing>
 </p:sld>
 </file>
 
@@ -13673,12 +13852,13 @@
           <a:p>
             <a:r>
               <a:rPr lang="en-GB" b="1" dirty="0"/>
-              <a:t>projection</a:t>
-            </a:r>
-            <a:r>
-              <a:rPr lang="en-GB" dirty="0"/>
+              <a:t>projection </a:t>
+            </a:r>
+            <a:r>
+              <a:rPr lang="en-GB" dirty="0" smtClean="0"/>
               <a:t>:</a:t>
             </a:r>
+            <a:endParaRPr lang="en-GB" dirty="0"/>
           </a:p>
           <a:p>
             <a:r>
@@ -13694,17 +13874,10 @@
               <a:t>(axis_block0</a:t>
             </a:r>
             <a:r>
-              <a:rPr lang="en-GB" dirty="0"/>
-              <a:t>,                   </a:t>
-            </a:r>
-            <a:r>
-              <a:rPr lang="en-GB" dirty="0" err="1"/>
-              <a:t>Input_parameters</a:t>
-            </a:r>
-            <a:r>
               <a:rPr lang="en-GB" dirty="0" smtClean="0"/>
-              <a:t>)</a:t>
-            </a:r>
+              <a:t>,[1:10],[])</a:t>
+            </a:r>
+            <a:endParaRPr lang="en-GB" dirty="0" smtClean="0"/>
           </a:p>
           <a:p>
             <a:endParaRPr lang="en-GB" dirty="0" smtClean="0"/>
@@ -13716,8 +13889,25 @@
             </a:r>
             <a:r>
               <a:rPr lang="en-GB" dirty="0" smtClean="0"/>
-              <a:t> = axis_block1.get_grid()</a:t>
-            </a:r>
+              <a:t> = </a:t>
+            </a:r>
+            <a:r>
+              <a:rPr lang="en-GB" dirty="0" smtClean="0"/>
+              <a:t>axis_block1.get_grid(</a:t>
+            </a:r>
+            <a:r>
+              <a:rPr lang="en-GB" b="1" dirty="0"/>
+              <a:t>projection</a:t>
+            </a:r>
+            <a:r>
+              <a:rPr lang="en-GB" dirty="0" smtClean="0"/>
+              <a:t>,axis_block0</a:t>
+            </a:r>
+            <a:r>
+              <a:rPr lang="en-GB" dirty="0"/>
+              <a:t>)</a:t>
+            </a:r>
+            <a:endParaRPr lang="en-GB" dirty="0" smtClean="0"/>
           </a:p>
           <a:p>
             <a:endParaRPr lang="en-GB" dirty="0"/>
@@ -14152,6 +14342,13 @@
   <p:clrMapOvr>
     <a:masterClrMapping/>
   </p:clrMapOvr>
+  <p:timing>
+    <p:tnLst>
+      <p:par>
+        <p:cTn id="1" dur="indefinite" restart="never" nodeType="tmRoot"/>
+      </p:par>
+    </p:tnLst>
+  </p:timing>
 </p:sld>
 </file>
 
@@ -14251,9 +14448,14 @@
           <a:lstStyle/>
           <a:p>
             <a:r>
-              <a:rPr lang="en-GB" dirty="0"/>
-              <a:t>projection:</a:t>
-            </a:r>
+              <a:rPr lang="en-GB" dirty="0" err="1" smtClean="0"/>
+              <a:t>Proj_spherical</a:t>
+            </a:r>
+            <a:r>
+              <a:rPr lang="en-GB" dirty="0" smtClean="0"/>
+              <a:t>:</a:t>
+            </a:r>
+            <a:endParaRPr lang="en-GB" dirty="0"/>
           </a:p>
           <a:p>
             <a:r>
@@ -14603,6 +14805,66 @@
           </a:p>
         </p:txBody>
       </p:sp>
+      <p:cxnSp>
+        <p:nvCxnSpPr>
+          <p:cNvPr id="6" name="Straight Connector 5"/>
+          <p:cNvCxnSpPr/>
+          <p:nvPr/>
+        </p:nvCxnSpPr>
+        <p:spPr>
+          <a:xfrm>
+            <a:off x="1595887" y="3907766"/>
+            <a:ext cx="1115309" cy="672860"/>
+          </a:xfrm>
+          <a:prstGeom prst="line">
+            <a:avLst/>
+          </a:prstGeom>
+        </p:spPr>
+        <p:style>
+          <a:lnRef idx="1">
+            <a:schemeClr val="accent1"/>
+          </a:lnRef>
+          <a:fillRef idx="0">
+            <a:schemeClr val="accent1"/>
+          </a:fillRef>
+          <a:effectRef idx="0">
+            <a:schemeClr val="accent1"/>
+          </a:effectRef>
+          <a:fontRef idx="minor">
+            <a:schemeClr val="tx1"/>
+          </a:fontRef>
+        </p:style>
+      </p:cxnSp>
+      <p:cxnSp>
+        <p:nvCxnSpPr>
+          <p:cNvPr id="10" name="Straight Connector 9"/>
+          <p:cNvCxnSpPr/>
+          <p:nvPr/>
+        </p:nvCxnSpPr>
+        <p:spPr>
+          <a:xfrm flipH="1" flipV="1">
+            <a:off x="2518913" y="3485072"/>
+            <a:ext cx="192283" cy="1112808"/>
+          </a:xfrm>
+          <a:prstGeom prst="line">
+            <a:avLst/>
+          </a:prstGeom>
+        </p:spPr>
+        <p:style>
+          <a:lnRef idx="1">
+            <a:schemeClr val="accent1"/>
+          </a:lnRef>
+          <a:fillRef idx="0">
+            <a:schemeClr val="accent1"/>
+          </a:fillRef>
+          <a:effectRef idx="0">
+            <a:schemeClr val="accent1"/>
+          </a:effectRef>
+          <a:fontRef idx="minor">
+            <a:schemeClr val="tx1"/>
+          </a:fontRef>
+        </p:style>
+      </p:cxnSp>
     </p:spTree>
     <p:extLst>
       <p:ext uri="{BB962C8B-B14F-4D97-AF65-F5344CB8AC3E}">
@@ -14613,6 +14875,13 @@
   <p:clrMapOvr>
     <a:masterClrMapping/>
   </p:clrMapOvr>
+  <p:timing>
+    <p:tnLst>
+      <p:par>
+        <p:cTn id="1" dur="indefinite" restart="never" nodeType="tmRoot"/>
+      </p:par>
+    </p:tnLst>
+  </p:timing>
 </p:sld>
 </file>
 
@@ -15240,6 +15509,13 @@
   <p:clrMapOvr>
     <a:masterClrMapping/>
   </p:clrMapOvr>
+  <p:timing>
+    <p:tnLst>
+      <p:par>
+        <p:cTn id="1" dur="indefinite" restart="never" nodeType="tmRoot"/>
+      </p:par>
+    </p:tnLst>
+  </p:timing>
 </p:sld>
 </file>
 

--- a/documentation/Old_documentation/design_forV4/FilebasedObjects&GenProjection.pptx
+++ b/documentation/Old_documentation/design_forV4/FilebasedObjects&GenProjection.pptx
@@ -253,7 +253,7 @@
           <a:p>
             <a:fld id="{3F5A1AD9-98D0-4926-A662-690A33481C0C}" type="datetimeFigureOut">
               <a:rPr lang="en-GB" smtClean="0"/>
-              <a:t>14/12/2020</a:t>
+              <a:t>15/12/2020</a:t>
             </a:fld>
             <a:endParaRPr lang="en-GB"/>
           </a:p>
@@ -423,7 +423,7 @@
           <a:p>
             <a:fld id="{3F5A1AD9-98D0-4926-A662-690A33481C0C}" type="datetimeFigureOut">
               <a:rPr lang="en-GB" smtClean="0"/>
-              <a:t>14/12/2020</a:t>
+              <a:t>15/12/2020</a:t>
             </a:fld>
             <a:endParaRPr lang="en-GB"/>
           </a:p>
@@ -603,7 +603,7 @@
           <a:p>
             <a:fld id="{3F5A1AD9-98D0-4926-A662-690A33481C0C}" type="datetimeFigureOut">
               <a:rPr lang="en-GB" smtClean="0"/>
-              <a:t>14/12/2020</a:t>
+              <a:t>15/12/2020</a:t>
             </a:fld>
             <a:endParaRPr lang="en-GB"/>
           </a:p>
@@ -773,7 +773,7 @@
           <a:p>
             <a:fld id="{3F5A1AD9-98D0-4926-A662-690A33481C0C}" type="datetimeFigureOut">
               <a:rPr lang="en-GB" smtClean="0"/>
-              <a:t>14/12/2020</a:t>
+              <a:t>15/12/2020</a:t>
             </a:fld>
             <a:endParaRPr lang="en-GB"/>
           </a:p>
@@ -1019,7 +1019,7 @@
           <a:p>
             <a:fld id="{3F5A1AD9-98D0-4926-A662-690A33481C0C}" type="datetimeFigureOut">
               <a:rPr lang="en-GB" smtClean="0"/>
-              <a:t>14/12/2020</a:t>
+              <a:t>15/12/2020</a:t>
             </a:fld>
             <a:endParaRPr lang="en-GB"/>
           </a:p>
@@ -1251,7 +1251,7 @@
           <a:p>
             <a:fld id="{3F5A1AD9-98D0-4926-A662-690A33481C0C}" type="datetimeFigureOut">
               <a:rPr lang="en-GB" smtClean="0"/>
-              <a:t>14/12/2020</a:t>
+              <a:t>15/12/2020</a:t>
             </a:fld>
             <a:endParaRPr lang="en-GB"/>
           </a:p>
@@ -1618,7 +1618,7 @@
           <a:p>
             <a:fld id="{3F5A1AD9-98D0-4926-A662-690A33481C0C}" type="datetimeFigureOut">
               <a:rPr lang="en-GB" smtClean="0"/>
-              <a:t>14/12/2020</a:t>
+              <a:t>15/12/2020</a:t>
             </a:fld>
             <a:endParaRPr lang="en-GB"/>
           </a:p>
@@ -1736,7 +1736,7 @@
           <a:p>
             <a:fld id="{3F5A1AD9-98D0-4926-A662-690A33481C0C}" type="datetimeFigureOut">
               <a:rPr lang="en-GB" smtClean="0"/>
-              <a:t>14/12/2020</a:t>
+              <a:t>15/12/2020</a:t>
             </a:fld>
             <a:endParaRPr lang="en-GB"/>
           </a:p>
@@ -1831,7 +1831,7 @@
           <a:p>
             <a:fld id="{3F5A1AD9-98D0-4926-A662-690A33481C0C}" type="datetimeFigureOut">
               <a:rPr lang="en-GB" smtClean="0"/>
-              <a:t>14/12/2020</a:t>
+              <a:t>15/12/2020</a:t>
             </a:fld>
             <a:endParaRPr lang="en-GB"/>
           </a:p>
@@ -2108,7 +2108,7 @@
           <a:p>
             <a:fld id="{3F5A1AD9-98D0-4926-A662-690A33481C0C}" type="datetimeFigureOut">
               <a:rPr lang="en-GB" smtClean="0"/>
-              <a:t>14/12/2020</a:t>
+              <a:t>15/12/2020</a:t>
             </a:fld>
             <a:endParaRPr lang="en-GB"/>
           </a:p>
@@ -2361,7 +2361,7 @@
           <a:p>
             <a:fld id="{3F5A1AD9-98D0-4926-A662-690A33481C0C}" type="datetimeFigureOut">
               <a:rPr lang="en-GB" smtClean="0"/>
-              <a:t>14/12/2020</a:t>
+              <a:t>15/12/2020</a:t>
             </a:fld>
             <a:endParaRPr lang="en-GB"/>
           </a:p>
@@ -2574,7 +2574,7 @@
           <a:p>
             <a:fld id="{3F5A1AD9-98D0-4926-A662-690A33481C0C}" type="datetimeFigureOut">
               <a:rPr lang="en-GB" smtClean="0"/>
-              <a:t>14/12/2020</a:t>
+              <a:t>15/12/2020</a:t>
             </a:fld>
             <a:endParaRPr lang="en-GB"/>
           </a:p>
@@ -13580,12 +13580,20 @@
           <a:p>
             <a:pPr algn="ctr"/>
             <a:r>
+              <a:rPr lang="en-GB" dirty="0" err="1">
+                <a:solidFill>
+                  <a:schemeClr val="tx1"/>
+                </a:solidFill>
+              </a:rPr>
+              <a:t>n</a:t>
+            </a:r>
+            <a:r>
               <a:rPr lang="en-GB" dirty="0" err="1" smtClean="0">
                 <a:solidFill>
                   <a:schemeClr val="tx1"/>
                 </a:solidFill>
               </a:rPr>
-              <a:t>Npix_to_pix_positions</a:t>
+              <a:t>pix_to_pix_positions</a:t>
             </a:r>
             <a:endParaRPr lang="en-GB" dirty="0">
               <a:solidFill>
@@ -13831,8 +13839,8 @@
         </p:nvSpPr>
         <p:spPr>
           <a:xfrm>
-            <a:off x="6059425" y="1321356"/>
-            <a:ext cx="5851316" cy="3693319"/>
+            <a:off x="5016524" y="1321356"/>
+            <a:ext cx="6894217" cy="4801314"/>
           </a:xfrm>
           <a:prstGeom prst="rect">
             <a:avLst/>
@@ -13851,8 +13859,12 @@
           <a:lstStyle/>
           <a:p>
             <a:r>
-              <a:rPr lang="en-GB" b="1" dirty="0"/>
-              <a:t>projection </a:t>
+              <a:rPr lang="en-GB" b="1" dirty="0" err="1" smtClean="0"/>
+              <a:t>proj_</a:t>
+            </a:r>
+            <a:r>
+              <a:rPr lang="en-GB" b="1" dirty="0" err="1" smtClean="0"/>
+              <a:t>rec</a:t>
             </a:r>
             <a:r>
               <a:rPr lang="en-GB" dirty="0" smtClean="0"/>
@@ -13871,42 +13883,87 @@
             </a:r>
             <a:r>
               <a:rPr lang="en-GB" dirty="0" smtClean="0"/>
-              <a:t>(axis_block0</a:t>
+              <a:t>(axis_block0,[1:10],[])</a:t>
+            </a:r>
+          </a:p>
+          <a:p>
+            <a:endParaRPr lang="en-GB" dirty="0" smtClean="0"/>
+          </a:p>
+          <a:p>
+            <a:r>
+              <a:rPr lang="en-GB" dirty="0" err="1" smtClean="0"/>
+              <a:t>old_bins_in_new_coord_system</a:t>
             </a:r>
             <a:r>
               <a:rPr lang="en-GB" dirty="0" smtClean="0"/>
-              <a:t>,[1:10],[])</a:t>
+              <a:t> </a:t>
+            </a:r>
+            <a:r>
+              <a:rPr lang="en-GB" dirty="0" smtClean="0"/>
+              <a:t>= </a:t>
+            </a:r>
+            <a:r>
+              <a:rPr lang="en-GB" dirty="0" smtClean="0"/>
+              <a:t>axis_block0.bin_grid(</a:t>
+            </a:r>
+            <a:r>
+              <a:rPr lang="en-GB" b="1" dirty="0"/>
+              <a:t>proj_rec</a:t>
+            </a:r>
+            <a:r>
+              <a:rPr lang="en-GB" dirty="0" smtClean="0"/>
+              <a:t>,axis_block1)</a:t>
+            </a:r>
+          </a:p>
+          <a:p>
+            <a:r>
+              <a:rPr lang="en-GB" dirty="0"/>
+              <a:t> </a:t>
+            </a:r>
+            <a:r>
+              <a:rPr lang="en-GB" dirty="0" smtClean="0"/>
+              <a:t>                 ---------------------------------------</a:t>
             </a:r>
             <a:endParaRPr lang="en-GB" dirty="0" smtClean="0"/>
           </a:p>
           <a:p>
+            <a:r>
+              <a:rPr lang="en-GB" dirty="0" smtClean="0"/>
+              <a:t>	grid0 </a:t>
+            </a:r>
+            <a:r>
+              <a:rPr lang="en-GB" smtClean="0"/>
+              <a:t>= axis_block0.get_grid(proj0);</a:t>
+            </a:r>
             <a:endParaRPr lang="en-GB" dirty="0" smtClean="0"/>
           </a:p>
           <a:p>
             <a:r>
+              <a:rPr lang="en-GB" b="1" dirty="0" smtClean="0"/>
+              <a:t>          	</a:t>
+            </a:r>
+            <a:r>
+              <a:rPr lang="en-GB" dirty="0" smtClean="0"/>
+              <a:t>grid0_conv=</a:t>
+            </a:r>
+            <a:r>
+              <a:rPr lang="en-GB" b="1" dirty="0" smtClean="0"/>
+              <a:t> </a:t>
+            </a:r>
+            <a:r>
+              <a:rPr lang="en-GB" b="1" dirty="0" err="1" smtClean="0"/>
+              <a:t>proj_rec</a:t>
+            </a:r>
+            <a:r>
               <a:rPr lang="en-GB" dirty="0" err="1" smtClean="0"/>
-              <a:t>new_bin_coord_in_old</a:t>
+              <a:t>.convert_to_new_coord</a:t>
             </a:r>
             <a:r>
               <a:rPr lang="en-GB" dirty="0" smtClean="0"/>
-              <a:t> = </a:t>
-            </a:r>
-            <a:r>
-              <a:rPr lang="en-GB" dirty="0" smtClean="0"/>
-              <a:t>axis_block1.get_grid(</a:t>
-            </a:r>
-            <a:r>
-              <a:rPr lang="en-GB" b="1" dirty="0"/>
-              <a:t>projection</a:t>
-            </a:r>
-            <a:r>
-              <a:rPr lang="en-GB" dirty="0" smtClean="0"/>
-              <a:t>,axis_block0</a:t>
-            </a:r>
-            <a:r>
-              <a:rPr lang="en-GB" dirty="0"/>
-              <a:t>)</a:t>
-            </a:r>
+              <a:t>(grid0)</a:t>
+            </a:r>
+          </a:p>
+          <a:p>
             <a:endParaRPr lang="en-GB" dirty="0" smtClean="0"/>
           </a:p>
           <a:p>
@@ -13994,11 +14051,13 @@
         </p:nvCxnSpPr>
         <p:spPr>
           <a:xfrm rot="5400000" flipH="1" flipV="1">
-            <a:off x="3369588" y="1139366"/>
-            <a:ext cx="2293011" cy="3086664"/>
+            <a:off x="2846660" y="1659338"/>
+            <a:ext cx="2295967" cy="2043765"/>
           </a:xfrm>
-          <a:prstGeom prst="bentConnector2">
-            <a:avLst/>
+          <a:prstGeom prst="bentConnector3">
+            <a:avLst>
+              <a:gd name="adj1" fmla="val 99884"/>
+            </a:avLst>
           </a:prstGeom>
           <a:ln>
             <a:solidFill>

--- a/documentation/Old_documentation/design_forV4/FilebasedObjects&GenProjection.pptx
+++ b/documentation/Old_documentation/design_forV4/FilebasedObjects&GenProjection.pptx
@@ -253,7 +253,7 @@
           <a:p>
             <a:fld id="{3F5A1AD9-98D0-4926-A662-690A33481C0C}" type="datetimeFigureOut">
               <a:rPr lang="en-GB" smtClean="0"/>
-              <a:t>15/12/2020</a:t>
+              <a:t>17/01/2021</a:t>
             </a:fld>
             <a:endParaRPr lang="en-GB"/>
           </a:p>
@@ -423,7 +423,7 @@
           <a:p>
             <a:fld id="{3F5A1AD9-98D0-4926-A662-690A33481C0C}" type="datetimeFigureOut">
               <a:rPr lang="en-GB" smtClean="0"/>
-              <a:t>15/12/2020</a:t>
+              <a:t>17/01/2021</a:t>
             </a:fld>
             <a:endParaRPr lang="en-GB"/>
           </a:p>
@@ -603,7 +603,7 @@
           <a:p>
             <a:fld id="{3F5A1AD9-98D0-4926-A662-690A33481C0C}" type="datetimeFigureOut">
               <a:rPr lang="en-GB" smtClean="0"/>
-              <a:t>15/12/2020</a:t>
+              <a:t>17/01/2021</a:t>
             </a:fld>
             <a:endParaRPr lang="en-GB"/>
           </a:p>
@@ -773,7 +773,7 @@
           <a:p>
             <a:fld id="{3F5A1AD9-98D0-4926-A662-690A33481C0C}" type="datetimeFigureOut">
               <a:rPr lang="en-GB" smtClean="0"/>
-              <a:t>15/12/2020</a:t>
+              <a:t>17/01/2021</a:t>
             </a:fld>
             <a:endParaRPr lang="en-GB"/>
           </a:p>
@@ -1019,7 +1019,7 @@
           <a:p>
             <a:fld id="{3F5A1AD9-98D0-4926-A662-690A33481C0C}" type="datetimeFigureOut">
               <a:rPr lang="en-GB" smtClean="0"/>
-              <a:t>15/12/2020</a:t>
+              <a:t>17/01/2021</a:t>
             </a:fld>
             <a:endParaRPr lang="en-GB"/>
           </a:p>
@@ -1251,7 +1251,7 @@
           <a:p>
             <a:fld id="{3F5A1AD9-98D0-4926-A662-690A33481C0C}" type="datetimeFigureOut">
               <a:rPr lang="en-GB" smtClean="0"/>
-              <a:t>15/12/2020</a:t>
+              <a:t>17/01/2021</a:t>
             </a:fld>
             <a:endParaRPr lang="en-GB"/>
           </a:p>
@@ -1618,7 +1618,7 @@
           <a:p>
             <a:fld id="{3F5A1AD9-98D0-4926-A662-690A33481C0C}" type="datetimeFigureOut">
               <a:rPr lang="en-GB" smtClean="0"/>
-              <a:t>15/12/2020</a:t>
+              <a:t>17/01/2021</a:t>
             </a:fld>
             <a:endParaRPr lang="en-GB"/>
           </a:p>
@@ -1736,7 +1736,7 @@
           <a:p>
             <a:fld id="{3F5A1AD9-98D0-4926-A662-690A33481C0C}" type="datetimeFigureOut">
               <a:rPr lang="en-GB" smtClean="0"/>
-              <a:t>15/12/2020</a:t>
+              <a:t>17/01/2021</a:t>
             </a:fld>
             <a:endParaRPr lang="en-GB"/>
           </a:p>
@@ -1831,7 +1831,7 @@
           <a:p>
             <a:fld id="{3F5A1AD9-98D0-4926-A662-690A33481C0C}" type="datetimeFigureOut">
               <a:rPr lang="en-GB" smtClean="0"/>
-              <a:t>15/12/2020</a:t>
+              <a:t>17/01/2021</a:t>
             </a:fld>
             <a:endParaRPr lang="en-GB"/>
           </a:p>
@@ -2108,7 +2108,7 @@
           <a:p>
             <a:fld id="{3F5A1AD9-98D0-4926-A662-690A33481C0C}" type="datetimeFigureOut">
               <a:rPr lang="en-GB" smtClean="0"/>
-              <a:t>15/12/2020</a:t>
+              <a:t>17/01/2021</a:t>
             </a:fld>
             <a:endParaRPr lang="en-GB"/>
           </a:p>
@@ -2361,7 +2361,7 @@
           <a:p>
             <a:fld id="{3F5A1AD9-98D0-4926-A662-690A33481C0C}" type="datetimeFigureOut">
               <a:rPr lang="en-GB" smtClean="0"/>
-              <a:t>15/12/2020</a:t>
+              <a:t>17/01/2021</a:t>
             </a:fld>
             <a:endParaRPr lang="en-GB"/>
           </a:p>
@@ -2574,7 +2574,7 @@
           <a:p>
             <a:fld id="{3F5A1AD9-98D0-4926-A662-690A33481C0C}" type="datetimeFigureOut">
               <a:rPr lang="en-GB" smtClean="0"/>
-              <a:t>15/12/2020</a:t>
+              <a:t>17/01/2021</a:t>
             </a:fld>
             <a:endParaRPr lang="en-GB"/>
           </a:p>
@@ -13484,40 +13484,9 @@
           <a:chExt cx="0" cy="0"/>
         </a:xfrm>
       </p:grpSpPr>
-      <p:sp>
-        <p:nvSpPr>
-          <p:cNvPr id="2" name="Title 1"/>
-          <p:cNvSpPr>
-            <a:spLocks noGrp="1"/>
-          </p:cNvSpPr>
-          <p:nvPr>
-            <p:ph type="title"/>
-          </p:nvPr>
-        </p:nvSpPr>
-        <p:spPr/>
-        <p:txBody>
-          <a:bodyPr/>
-          <a:lstStyle/>
-          <a:p>
-            <a:r>
-              <a:rPr lang="en-GB" dirty="0" smtClean="0"/>
-              <a:t>Parts of new SQW object (</a:t>
-            </a:r>
-            <a:r>
-              <a:rPr lang="en-GB" dirty="0" err="1" smtClean="0"/>
-              <a:t>DND+pixels</a:t>
-            </a:r>
-            <a:r>
-              <a:rPr lang="en-GB" dirty="0" smtClean="0"/>
-              <a:t>):</a:t>
-            </a:r>
-            <a:endParaRPr lang="en-GB" dirty="0"/>
-          </a:p>
-        </p:txBody>
-      </p:sp>
       <p:pic>
         <p:nvPicPr>
-          <p:cNvPr id="5" name="Picture 4"/>
+          <p:cNvPr id="7" name="Picture 6"/>
           <p:cNvPicPr>
             <a:picLocks noChangeAspect="1"/>
           </p:cNvPicPr>
@@ -13531,8 +13500,68 @@
         </p:blipFill>
         <p:spPr>
           <a:xfrm>
-            <a:off x="687648" y="1953523"/>
-            <a:ext cx="10248686" cy="4580165"/>
+            <a:off x="1825096" y="1912934"/>
+            <a:ext cx="10353675" cy="4962525"/>
+          </a:xfrm>
+          <a:prstGeom prst="rect">
+            <a:avLst/>
+          </a:prstGeom>
+        </p:spPr>
+      </p:pic>
+      <p:sp>
+        <p:nvSpPr>
+          <p:cNvPr id="2" name="Title 1"/>
+          <p:cNvSpPr>
+            <a:spLocks noGrp="1"/>
+          </p:cNvSpPr>
+          <p:nvPr>
+            <p:ph type="title"/>
+          </p:nvPr>
+        </p:nvSpPr>
+        <p:spPr>
+          <a:xfrm>
+            <a:off x="838200" y="365125"/>
+            <a:ext cx="10515600" cy="904875"/>
+          </a:xfrm>
+        </p:spPr>
+        <p:txBody>
+          <a:bodyPr/>
+          <a:lstStyle/>
+          <a:p>
+            <a:r>
+              <a:rPr lang="en-GB" dirty="0" smtClean="0"/>
+              <a:t>Parts of new SQW object (</a:t>
+            </a:r>
+            <a:r>
+              <a:rPr lang="en-GB" dirty="0" err="1" smtClean="0"/>
+              <a:t>DND+pixels</a:t>
+            </a:r>
+            <a:r>
+              <a:rPr lang="en-GB" dirty="0" smtClean="0"/>
+              <a:t>):</a:t>
+            </a:r>
+            <a:endParaRPr lang="en-GB" dirty="0"/>
+          </a:p>
+        </p:txBody>
+      </p:sp>
+      <p:pic>
+        <p:nvPicPr>
+          <p:cNvPr id="4" name="Picture 3"/>
+          <p:cNvPicPr>
+            <a:picLocks noChangeAspect="1"/>
+          </p:cNvPicPr>
+          <p:nvPr/>
+        </p:nvPicPr>
+        <p:blipFill>
+          <a:blip r:embed="rId3"/>
+          <a:stretch>
+            <a:fillRect/>
+          </a:stretch>
+        </p:blipFill>
+        <p:spPr>
+          <a:xfrm>
+            <a:off x="504296" y="1193800"/>
+            <a:ext cx="1647032" cy="1193799"/>
           </a:xfrm>
           <a:prstGeom prst="rect">
             <a:avLst/>
@@ -13547,7 +13576,7 @@
         </p:nvSpPr>
         <p:spPr>
           <a:xfrm>
-            <a:off x="7977051" y="3126377"/>
+            <a:off x="7301971" y="3426356"/>
             <a:ext cx="3069771" cy="870857"/>
           </a:xfrm>
           <a:prstGeom prst="rect">
@@ -13580,20 +13609,12 @@
           <a:p>
             <a:pPr algn="ctr"/>
             <a:r>
-              <a:rPr lang="en-GB" dirty="0" err="1">
-                <a:solidFill>
-                  <a:schemeClr val="tx1"/>
-                </a:solidFill>
-              </a:rPr>
-              <a:t>n</a:t>
-            </a:r>
-            <a:r>
               <a:rPr lang="en-GB" dirty="0" err="1" smtClean="0">
                 <a:solidFill>
                   <a:schemeClr val="tx1"/>
                 </a:solidFill>
               </a:rPr>
-              <a:t>pix_to_pix_positions</a:t>
+              <a:t>npix_to_pix_transformation</a:t>
             </a:r>
             <a:endParaRPr lang="en-GB" dirty="0">
               <a:solidFill>
@@ -13860,11 +13881,7 @@
           <a:p>
             <a:r>
               <a:rPr lang="en-GB" b="1" dirty="0" err="1" smtClean="0"/>
-              <a:t>proj_</a:t>
-            </a:r>
-            <a:r>
-              <a:rPr lang="en-GB" b="1" dirty="0" err="1" smtClean="0"/>
-              <a:t>rec</a:t>
+              <a:t>proj_requested</a:t>
             </a:r>
             <a:r>
               <a:rPr lang="en-GB" dirty="0" smtClean="0"/>
@@ -13896,11 +13913,7 @@
             </a:r>
             <a:r>
               <a:rPr lang="en-GB" dirty="0" smtClean="0"/>
-              <a:t> </a:t>
-            </a:r>
-            <a:r>
-              <a:rPr lang="en-GB" dirty="0" smtClean="0"/>
-              <a:t>= </a:t>
+              <a:t> = </a:t>
             </a:r>
             <a:r>
               <a:rPr lang="en-GB" dirty="0" smtClean="0"/>
@@ -13908,11 +13921,15 @@
             </a:r>
             <a:r>
               <a:rPr lang="en-GB" b="1" dirty="0"/>
-              <a:t>proj_rec</a:t>
+              <a:t>proj_requested</a:t>
             </a:r>
             <a:r>
               <a:rPr lang="en-GB" dirty="0" smtClean="0"/>
-              <a:t>,axis_block1)</a:t>
+              <a:t>,axis_block1</a:t>
+            </a:r>
+            <a:r>
+              <a:rPr lang="en-GB" dirty="0" smtClean="0"/>
+              <a:t>)</a:t>
             </a:r>
           </a:p>
           <a:p>
@@ -13924,18 +13941,12 @@
               <a:rPr lang="en-GB" dirty="0" smtClean="0"/>
               <a:t>                 ---------------------------------------</a:t>
             </a:r>
-            <a:endParaRPr lang="en-GB" dirty="0" smtClean="0"/>
           </a:p>
           <a:p>
             <a:r>
               <a:rPr lang="en-GB" dirty="0" smtClean="0"/>
-              <a:t>	grid0 </a:t>
-            </a:r>
-            <a:r>
-              <a:rPr lang="en-GB" smtClean="0"/>
-              <a:t>= axis_block0.get_grid(proj0);</a:t>
-            </a:r>
-            <a:endParaRPr lang="en-GB" dirty="0" smtClean="0"/>
+              <a:t>	grid0 = axis_block0.get_grid(proj0);</a:t>
+            </a:r>
           </a:p>
           <a:p>
             <a:r>
@@ -13951,16 +13962,20 @@
               <a:t> </a:t>
             </a:r>
             <a:r>
-              <a:rPr lang="en-GB" b="1" dirty="0" err="1" smtClean="0"/>
-              <a:t>proj_rec</a:t>
-            </a:r>
-            <a:r>
-              <a:rPr lang="en-GB" dirty="0" err="1" smtClean="0"/>
+              <a:rPr lang="en-GB" b="1"/>
+              <a:t>proj_requested</a:t>
+            </a:r>
+            <a:r>
+              <a:rPr lang="en-GB" smtClean="0"/>
               <a:t>.convert_to_new_coord</a:t>
             </a:r>
             <a:r>
               <a:rPr lang="en-GB" dirty="0" smtClean="0"/>
-              <a:t>(grid0)</a:t>
+              <a:t>(grid0</a:t>
+            </a:r>
+            <a:r>
+              <a:rPr lang="en-GB" dirty="0" smtClean="0"/>
+              <a:t>)</a:t>
             </a:r>
           </a:p>
           <a:p>

--- a/documentation/Old_documentation/design_forV4/FilebasedObjects&GenProjection.pptx
+++ b/documentation/Old_documentation/design_forV4/FilebasedObjects&GenProjection.pptx
@@ -9,17 +9,18 @@
     <p:sldId id="257" r:id="rId3"/>
     <p:sldId id="258" r:id="rId4"/>
     <p:sldId id="259" r:id="rId5"/>
-    <p:sldId id="260" r:id="rId6"/>
-    <p:sldId id="261" r:id="rId7"/>
-    <p:sldId id="262" r:id="rId8"/>
-    <p:sldId id="264" r:id="rId9"/>
-    <p:sldId id="267" r:id="rId10"/>
-    <p:sldId id="269" r:id="rId11"/>
-    <p:sldId id="268" r:id="rId12"/>
-    <p:sldId id="270" r:id="rId13"/>
-    <p:sldId id="263" r:id="rId14"/>
-    <p:sldId id="265" r:id="rId15"/>
-    <p:sldId id="271" r:id="rId16"/>
+    <p:sldId id="272" r:id="rId6"/>
+    <p:sldId id="260" r:id="rId7"/>
+    <p:sldId id="261" r:id="rId8"/>
+    <p:sldId id="262" r:id="rId9"/>
+    <p:sldId id="264" r:id="rId10"/>
+    <p:sldId id="267" r:id="rId11"/>
+    <p:sldId id="269" r:id="rId12"/>
+    <p:sldId id="268" r:id="rId13"/>
+    <p:sldId id="270" r:id="rId14"/>
+    <p:sldId id="263" r:id="rId15"/>
+    <p:sldId id="265" r:id="rId16"/>
+    <p:sldId id="271" r:id="rId17"/>
   </p:sldIdLst>
   <p:sldSz cx="12192000" cy="6858000"/>
   <p:notesSz cx="6858000" cy="9144000"/>
@@ -257,7 +258,7 @@
           <a:p>
             <a:fld id="{3F5A1AD9-98D0-4926-A662-690A33481C0C}" type="datetimeFigureOut">
               <a:rPr lang="en-GB" smtClean="0"/>
-              <a:t>20/01/2021</a:t>
+              <a:t>22/01/2021</a:t>
             </a:fld>
             <a:endParaRPr lang="en-GB"/>
           </a:p>
@@ -427,7 +428,7 @@
           <a:p>
             <a:fld id="{3F5A1AD9-98D0-4926-A662-690A33481C0C}" type="datetimeFigureOut">
               <a:rPr lang="en-GB" smtClean="0"/>
-              <a:t>20/01/2021</a:t>
+              <a:t>22/01/2021</a:t>
             </a:fld>
             <a:endParaRPr lang="en-GB"/>
           </a:p>
@@ -607,7 +608,7 @@
           <a:p>
             <a:fld id="{3F5A1AD9-98D0-4926-A662-690A33481C0C}" type="datetimeFigureOut">
               <a:rPr lang="en-GB" smtClean="0"/>
-              <a:t>20/01/2021</a:t>
+              <a:t>22/01/2021</a:t>
             </a:fld>
             <a:endParaRPr lang="en-GB"/>
           </a:p>
@@ -777,7 +778,7 @@
           <a:p>
             <a:fld id="{3F5A1AD9-98D0-4926-A662-690A33481C0C}" type="datetimeFigureOut">
               <a:rPr lang="en-GB" smtClean="0"/>
-              <a:t>20/01/2021</a:t>
+              <a:t>22/01/2021</a:t>
             </a:fld>
             <a:endParaRPr lang="en-GB"/>
           </a:p>
@@ -1023,7 +1024,7 @@
           <a:p>
             <a:fld id="{3F5A1AD9-98D0-4926-A662-690A33481C0C}" type="datetimeFigureOut">
               <a:rPr lang="en-GB" smtClean="0"/>
-              <a:t>20/01/2021</a:t>
+              <a:t>22/01/2021</a:t>
             </a:fld>
             <a:endParaRPr lang="en-GB"/>
           </a:p>
@@ -1255,7 +1256,7 @@
           <a:p>
             <a:fld id="{3F5A1AD9-98D0-4926-A662-690A33481C0C}" type="datetimeFigureOut">
               <a:rPr lang="en-GB" smtClean="0"/>
-              <a:t>20/01/2021</a:t>
+              <a:t>22/01/2021</a:t>
             </a:fld>
             <a:endParaRPr lang="en-GB"/>
           </a:p>
@@ -1622,7 +1623,7 @@
           <a:p>
             <a:fld id="{3F5A1AD9-98D0-4926-A662-690A33481C0C}" type="datetimeFigureOut">
               <a:rPr lang="en-GB" smtClean="0"/>
-              <a:t>20/01/2021</a:t>
+              <a:t>22/01/2021</a:t>
             </a:fld>
             <a:endParaRPr lang="en-GB"/>
           </a:p>
@@ -1740,7 +1741,7 @@
           <a:p>
             <a:fld id="{3F5A1AD9-98D0-4926-A662-690A33481C0C}" type="datetimeFigureOut">
               <a:rPr lang="en-GB" smtClean="0"/>
-              <a:t>20/01/2021</a:t>
+              <a:t>22/01/2021</a:t>
             </a:fld>
             <a:endParaRPr lang="en-GB"/>
           </a:p>
@@ -1835,7 +1836,7 @@
           <a:p>
             <a:fld id="{3F5A1AD9-98D0-4926-A662-690A33481C0C}" type="datetimeFigureOut">
               <a:rPr lang="en-GB" smtClean="0"/>
-              <a:t>20/01/2021</a:t>
+              <a:t>22/01/2021</a:t>
             </a:fld>
             <a:endParaRPr lang="en-GB"/>
           </a:p>
@@ -2112,7 +2113,7 @@
           <a:p>
             <a:fld id="{3F5A1AD9-98D0-4926-A662-690A33481C0C}" type="datetimeFigureOut">
               <a:rPr lang="en-GB" smtClean="0"/>
-              <a:t>20/01/2021</a:t>
+              <a:t>22/01/2021</a:t>
             </a:fld>
             <a:endParaRPr lang="en-GB"/>
           </a:p>
@@ -2365,7 +2366,7 @@
           <a:p>
             <a:fld id="{3F5A1AD9-98D0-4926-A662-690A33481C0C}" type="datetimeFigureOut">
               <a:rPr lang="en-GB" smtClean="0"/>
-              <a:t>20/01/2021</a:t>
+              <a:t>22/01/2021</a:t>
             </a:fld>
             <a:endParaRPr lang="en-GB"/>
           </a:p>
@@ -2578,7 +2579,7 @@
           <a:p>
             <a:fld id="{3F5A1AD9-98D0-4926-A662-690A33481C0C}" type="datetimeFigureOut">
               <a:rPr lang="en-GB" smtClean="0"/>
-              <a:t>20/01/2021</a:t>
+              <a:t>22/01/2021</a:t>
             </a:fld>
             <a:endParaRPr lang="en-GB"/>
           </a:p>
@@ -5427,6 +5428,2306 @@
             <p:ph type="title"/>
           </p:nvPr>
         </p:nvSpPr>
+        <p:spPr/>
+        <p:txBody>
+          <a:bodyPr>
+            <a:normAutofit/>
+          </a:bodyPr>
+          <a:lstStyle/>
+          <a:p>
+            <a:r>
+              <a:rPr lang="en-GB" dirty="0" smtClean="0"/>
+              <a:t>1) Generic operation – convert both grids into Crystal Cartesian</a:t>
+            </a:r>
+            <a:endParaRPr lang="en-GB" dirty="0"/>
+          </a:p>
+        </p:txBody>
+      </p:sp>
+      <p:grpSp>
+        <p:nvGrpSpPr>
+          <p:cNvPr id="101" name="Group 100"/>
+          <p:cNvGrpSpPr/>
+          <p:nvPr/>
+        </p:nvGrpSpPr>
+        <p:grpSpPr>
+          <a:xfrm>
+            <a:off x="2318657" y="1919667"/>
+            <a:ext cx="5442858" cy="1369634"/>
+            <a:chOff x="2318657" y="2294317"/>
+            <a:chExt cx="5442858" cy="1369634"/>
+          </a:xfrm>
+        </p:grpSpPr>
+        <p:sp>
+          <p:nvSpPr>
+            <p:cNvPr id="6" name="Rectangle 5"/>
+            <p:cNvSpPr/>
+            <p:nvPr/>
+          </p:nvSpPr>
+          <p:spPr>
+            <a:xfrm>
+              <a:off x="2318657" y="2294317"/>
+              <a:ext cx="5442858" cy="1369633"/>
+            </a:xfrm>
+            <a:prstGeom prst="rect">
+              <a:avLst/>
+            </a:prstGeom>
+            <a:noFill/>
+            <a:ln>
+              <a:solidFill>
+                <a:schemeClr val="tx1"/>
+              </a:solidFill>
+            </a:ln>
+          </p:spPr>
+          <p:style>
+            <a:lnRef idx="2">
+              <a:schemeClr val="accent1">
+                <a:shade val="50000"/>
+              </a:schemeClr>
+            </a:lnRef>
+            <a:fillRef idx="1">
+              <a:schemeClr val="accent1"/>
+            </a:fillRef>
+            <a:effectRef idx="0">
+              <a:schemeClr val="accent1"/>
+            </a:effectRef>
+            <a:fontRef idx="minor">
+              <a:schemeClr val="lt1"/>
+            </a:fontRef>
+          </p:style>
+          <p:txBody>
+            <a:bodyPr rtlCol="0" anchor="ctr"/>
+            <a:lstStyle/>
+            <a:p>
+              <a:pPr algn="ctr"/>
+              <a:endParaRPr lang="en-GB"/>
+            </a:p>
+          </p:txBody>
+        </p:sp>
+        <p:cxnSp>
+          <p:nvCxnSpPr>
+            <p:cNvPr id="8" name="Straight Connector 7"/>
+            <p:cNvCxnSpPr/>
+            <p:nvPr/>
+          </p:nvCxnSpPr>
+          <p:spPr>
+            <a:xfrm>
+              <a:off x="2318657" y="2447925"/>
+              <a:ext cx="5442858" cy="4763"/>
+            </a:xfrm>
+            <a:prstGeom prst="line">
+              <a:avLst/>
+            </a:prstGeom>
+          </p:spPr>
+          <p:style>
+            <a:lnRef idx="1">
+              <a:schemeClr val="accent1"/>
+            </a:lnRef>
+            <a:fillRef idx="0">
+              <a:schemeClr val="accent1"/>
+            </a:fillRef>
+            <a:effectRef idx="0">
+              <a:schemeClr val="accent1"/>
+            </a:effectRef>
+            <a:fontRef idx="minor">
+              <a:schemeClr val="tx1"/>
+            </a:fontRef>
+          </p:style>
+        </p:cxnSp>
+        <p:cxnSp>
+          <p:nvCxnSpPr>
+            <p:cNvPr id="11" name="Straight Connector 10"/>
+            <p:cNvCxnSpPr/>
+            <p:nvPr/>
+          </p:nvCxnSpPr>
+          <p:spPr>
+            <a:xfrm>
+              <a:off x="2318657" y="2600325"/>
+              <a:ext cx="5442858" cy="4763"/>
+            </a:xfrm>
+            <a:prstGeom prst="line">
+              <a:avLst/>
+            </a:prstGeom>
+          </p:spPr>
+          <p:style>
+            <a:lnRef idx="1">
+              <a:schemeClr val="accent1"/>
+            </a:lnRef>
+            <a:fillRef idx="0">
+              <a:schemeClr val="accent1"/>
+            </a:fillRef>
+            <a:effectRef idx="0">
+              <a:schemeClr val="accent1"/>
+            </a:effectRef>
+            <a:fontRef idx="minor">
+              <a:schemeClr val="tx1"/>
+            </a:fontRef>
+          </p:style>
+        </p:cxnSp>
+        <p:cxnSp>
+          <p:nvCxnSpPr>
+            <p:cNvPr id="12" name="Straight Connector 11"/>
+            <p:cNvCxnSpPr/>
+            <p:nvPr/>
+          </p:nvCxnSpPr>
+          <p:spPr>
+            <a:xfrm>
+              <a:off x="2318657" y="2752725"/>
+              <a:ext cx="5442858" cy="4763"/>
+            </a:xfrm>
+            <a:prstGeom prst="line">
+              <a:avLst/>
+            </a:prstGeom>
+          </p:spPr>
+          <p:style>
+            <a:lnRef idx="1">
+              <a:schemeClr val="accent1"/>
+            </a:lnRef>
+            <a:fillRef idx="0">
+              <a:schemeClr val="accent1"/>
+            </a:fillRef>
+            <a:effectRef idx="0">
+              <a:schemeClr val="accent1"/>
+            </a:effectRef>
+            <a:fontRef idx="minor">
+              <a:schemeClr val="tx1"/>
+            </a:fontRef>
+          </p:style>
+        </p:cxnSp>
+        <p:cxnSp>
+          <p:nvCxnSpPr>
+            <p:cNvPr id="13" name="Straight Connector 12"/>
+            <p:cNvCxnSpPr/>
+            <p:nvPr/>
+          </p:nvCxnSpPr>
+          <p:spPr>
+            <a:xfrm>
+              <a:off x="2318657" y="2905125"/>
+              <a:ext cx="5442858" cy="4763"/>
+            </a:xfrm>
+            <a:prstGeom prst="line">
+              <a:avLst/>
+            </a:prstGeom>
+          </p:spPr>
+          <p:style>
+            <a:lnRef idx="1">
+              <a:schemeClr val="accent1"/>
+            </a:lnRef>
+            <a:fillRef idx="0">
+              <a:schemeClr val="accent1"/>
+            </a:fillRef>
+            <a:effectRef idx="0">
+              <a:schemeClr val="accent1"/>
+            </a:effectRef>
+            <a:fontRef idx="minor">
+              <a:schemeClr val="tx1"/>
+            </a:fontRef>
+          </p:style>
+        </p:cxnSp>
+        <p:cxnSp>
+          <p:nvCxnSpPr>
+            <p:cNvPr id="14" name="Straight Connector 13"/>
+            <p:cNvCxnSpPr/>
+            <p:nvPr/>
+          </p:nvCxnSpPr>
+          <p:spPr>
+            <a:xfrm>
+              <a:off x="2318657" y="3057525"/>
+              <a:ext cx="5442858" cy="4763"/>
+            </a:xfrm>
+            <a:prstGeom prst="line">
+              <a:avLst/>
+            </a:prstGeom>
+          </p:spPr>
+          <p:style>
+            <a:lnRef idx="1">
+              <a:schemeClr val="accent1"/>
+            </a:lnRef>
+            <a:fillRef idx="0">
+              <a:schemeClr val="accent1"/>
+            </a:fillRef>
+            <a:effectRef idx="0">
+              <a:schemeClr val="accent1"/>
+            </a:effectRef>
+            <a:fontRef idx="minor">
+              <a:schemeClr val="tx1"/>
+            </a:fontRef>
+          </p:style>
+        </p:cxnSp>
+        <p:cxnSp>
+          <p:nvCxnSpPr>
+            <p:cNvPr id="15" name="Straight Connector 14"/>
+            <p:cNvCxnSpPr/>
+            <p:nvPr/>
+          </p:nvCxnSpPr>
+          <p:spPr>
+            <a:xfrm>
+              <a:off x="2318657" y="3209925"/>
+              <a:ext cx="5442858" cy="4763"/>
+            </a:xfrm>
+            <a:prstGeom prst="line">
+              <a:avLst/>
+            </a:prstGeom>
+          </p:spPr>
+          <p:style>
+            <a:lnRef idx="1">
+              <a:schemeClr val="accent1"/>
+            </a:lnRef>
+            <a:fillRef idx="0">
+              <a:schemeClr val="accent1"/>
+            </a:fillRef>
+            <a:effectRef idx="0">
+              <a:schemeClr val="accent1"/>
+            </a:effectRef>
+            <a:fontRef idx="minor">
+              <a:schemeClr val="tx1"/>
+            </a:fontRef>
+          </p:style>
+        </p:cxnSp>
+        <p:cxnSp>
+          <p:nvCxnSpPr>
+            <p:cNvPr id="16" name="Straight Connector 15"/>
+            <p:cNvCxnSpPr/>
+            <p:nvPr/>
+          </p:nvCxnSpPr>
+          <p:spPr>
+            <a:xfrm>
+              <a:off x="2318657" y="3362325"/>
+              <a:ext cx="5442858" cy="4763"/>
+            </a:xfrm>
+            <a:prstGeom prst="line">
+              <a:avLst/>
+            </a:prstGeom>
+          </p:spPr>
+          <p:style>
+            <a:lnRef idx="1">
+              <a:schemeClr val="accent1"/>
+            </a:lnRef>
+            <a:fillRef idx="0">
+              <a:schemeClr val="accent1"/>
+            </a:fillRef>
+            <a:effectRef idx="0">
+              <a:schemeClr val="accent1"/>
+            </a:effectRef>
+            <a:fontRef idx="minor">
+              <a:schemeClr val="tx1"/>
+            </a:fontRef>
+          </p:style>
+        </p:cxnSp>
+        <p:cxnSp>
+          <p:nvCxnSpPr>
+            <p:cNvPr id="17" name="Straight Connector 16"/>
+            <p:cNvCxnSpPr/>
+            <p:nvPr/>
+          </p:nvCxnSpPr>
+          <p:spPr>
+            <a:xfrm>
+              <a:off x="2318657" y="3514725"/>
+              <a:ext cx="5442858" cy="4763"/>
+            </a:xfrm>
+            <a:prstGeom prst="line">
+              <a:avLst/>
+            </a:prstGeom>
+          </p:spPr>
+          <p:style>
+            <a:lnRef idx="1">
+              <a:schemeClr val="accent1"/>
+            </a:lnRef>
+            <a:fillRef idx="0">
+              <a:schemeClr val="accent1"/>
+            </a:fillRef>
+            <a:effectRef idx="0">
+              <a:schemeClr val="accent1"/>
+            </a:effectRef>
+            <a:fontRef idx="minor">
+              <a:schemeClr val="tx1"/>
+            </a:fontRef>
+          </p:style>
+        </p:cxnSp>
+        <p:cxnSp>
+          <p:nvCxnSpPr>
+            <p:cNvPr id="18" name="Straight Connector 17"/>
+            <p:cNvCxnSpPr/>
+            <p:nvPr/>
+          </p:nvCxnSpPr>
+          <p:spPr>
+            <a:xfrm flipH="1" flipV="1">
+              <a:off x="2470150" y="2294317"/>
+              <a:ext cx="1" cy="1369634"/>
+            </a:xfrm>
+            <a:prstGeom prst="line">
+              <a:avLst/>
+            </a:prstGeom>
+          </p:spPr>
+          <p:style>
+            <a:lnRef idx="1">
+              <a:schemeClr val="accent1"/>
+            </a:lnRef>
+            <a:fillRef idx="0">
+              <a:schemeClr val="accent1"/>
+            </a:fillRef>
+            <a:effectRef idx="0">
+              <a:schemeClr val="accent1"/>
+            </a:effectRef>
+            <a:fontRef idx="minor">
+              <a:schemeClr val="tx1"/>
+            </a:fontRef>
+          </p:style>
+        </p:cxnSp>
+        <p:cxnSp>
+          <p:nvCxnSpPr>
+            <p:cNvPr id="22" name="Straight Connector 21"/>
+            <p:cNvCxnSpPr/>
+            <p:nvPr/>
+          </p:nvCxnSpPr>
+          <p:spPr>
+            <a:xfrm flipH="1" flipV="1">
+              <a:off x="2621643" y="2294317"/>
+              <a:ext cx="1" cy="1369634"/>
+            </a:xfrm>
+            <a:prstGeom prst="line">
+              <a:avLst/>
+            </a:prstGeom>
+          </p:spPr>
+          <p:style>
+            <a:lnRef idx="1">
+              <a:schemeClr val="accent1"/>
+            </a:lnRef>
+            <a:fillRef idx="0">
+              <a:schemeClr val="accent1"/>
+            </a:fillRef>
+            <a:effectRef idx="0">
+              <a:schemeClr val="accent1"/>
+            </a:effectRef>
+            <a:fontRef idx="minor">
+              <a:schemeClr val="tx1"/>
+            </a:fontRef>
+          </p:style>
+        </p:cxnSp>
+        <p:cxnSp>
+          <p:nvCxnSpPr>
+            <p:cNvPr id="23" name="Straight Connector 22"/>
+            <p:cNvCxnSpPr/>
+            <p:nvPr/>
+          </p:nvCxnSpPr>
+          <p:spPr>
+            <a:xfrm flipH="1" flipV="1">
+              <a:off x="2773136" y="2294317"/>
+              <a:ext cx="1" cy="1369634"/>
+            </a:xfrm>
+            <a:prstGeom prst="line">
+              <a:avLst/>
+            </a:prstGeom>
+          </p:spPr>
+          <p:style>
+            <a:lnRef idx="1">
+              <a:schemeClr val="accent1"/>
+            </a:lnRef>
+            <a:fillRef idx="0">
+              <a:schemeClr val="accent1"/>
+            </a:fillRef>
+            <a:effectRef idx="0">
+              <a:schemeClr val="accent1"/>
+            </a:effectRef>
+            <a:fontRef idx="minor">
+              <a:schemeClr val="tx1"/>
+            </a:fontRef>
+          </p:style>
+        </p:cxnSp>
+        <p:cxnSp>
+          <p:nvCxnSpPr>
+            <p:cNvPr id="24" name="Straight Connector 23"/>
+            <p:cNvCxnSpPr/>
+            <p:nvPr/>
+          </p:nvCxnSpPr>
+          <p:spPr>
+            <a:xfrm flipH="1" flipV="1">
+              <a:off x="2924629" y="2294317"/>
+              <a:ext cx="1" cy="1369634"/>
+            </a:xfrm>
+            <a:prstGeom prst="line">
+              <a:avLst/>
+            </a:prstGeom>
+          </p:spPr>
+          <p:style>
+            <a:lnRef idx="1">
+              <a:schemeClr val="accent1"/>
+            </a:lnRef>
+            <a:fillRef idx="0">
+              <a:schemeClr val="accent1"/>
+            </a:fillRef>
+            <a:effectRef idx="0">
+              <a:schemeClr val="accent1"/>
+            </a:effectRef>
+            <a:fontRef idx="minor">
+              <a:schemeClr val="tx1"/>
+            </a:fontRef>
+          </p:style>
+        </p:cxnSp>
+        <p:cxnSp>
+          <p:nvCxnSpPr>
+            <p:cNvPr id="25" name="Straight Connector 24"/>
+            <p:cNvCxnSpPr/>
+            <p:nvPr/>
+          </p:nvCxnSpPr>
+          <p:spPr>
+            <a:xfrm flipH="1" flipV="1">
+              <a:off x="3076122" y="2294317"/>
+              <a:ext cx="1" cy="1369634"/>
+            </a:xfrm>
+            <a:prstGeom prst="line">
+              <a:avLst/>
+            </a:prstGeom>
+          </p:spPr>
+          <p:style>
+            <a:lnRef idx="1">
+              <a:schemeClr val="accent1"/>
+            </a:lnRef>
+            <a:fillRef idx="0">
+              <a:schemeClr val="accent1"/>
+            </a:fillRef>
+            <a:effectRef idx="0">
+              <a:schemeClr val="accent1"/>
+            </a:effectRef>
+            <a:fontRef idx="minor">
+              <a:schemeClr val="tx1"/>
+            </a:fontRef>
+          </p:style>
+        </p:cxnSp>
+        <p:cxnSp>
+          <p:nvCxnSpPr>
+            <p:cNvPr id="26" name="Straight Connector 25"/>
+            <p:cNvCxnSpPr/>
+            <p:nvPr/>
+          </p:nvCxnSpPr>
+          <p:spPr>
+            <a:xfrm flipH="1" flipV="1">
+              <a:off x="3227615" y="2294317"/>
+              <a:ext cx="1" cy="1369634"/>
+            </a:xfrm>
+            <a:prstGeom prst="line">
+              <a:avLst/>
+            </a:prstGeom>
+          </p:spPr>
+          <p:style>
+            <a:lnRef idx="1">
+              <a:schemeClr val="accent1"/>
+            </a:lnRef>
+            <a:fillRef idx="0">
+              <a:schemeClr val="accent1"/>
+            </a:fillRef>
+            <a:effectRef idx="0">
+              <a:schemeClr val="accent1"/>
+            </a:effectRef>
+            <a:fontRef idx="minor">
+              <a:schemeClr val="tx1"/>
+            </a:fontRef>
+          </p:style>
+        </p:cxnSp>
+        <p:cxnSp>
+          <p:nvCxnSpPr>
+            <p:cNvPr id="27" name="Straight Connector 26"/>
+            <p:cNvCxnSpPr/>
+            <p:nvPr/>
+          </p:nvCxnSpPr>
+          <p:spPr>
+            <a:xfrm flipH="1" flipV="1">
+              <a:off x="3378200" y="2294317"/>
+              <a:ext cx="1" cy="1369634"/>
+            </a:xfrm>
+            <a:prstGeom prst="line">
+              <a:avLst/>
+            </a:prstGeom>
+          </p:spPr>
+          <p:style>
+            <a:lnRef idx="1">
+              <a:schemeClr val="accent1"/>
+            </a:lnRef>
+            <a:fillRef idx="0">
+              <a:schemeClr val="accent1"/>
+            </a:fillRef>
+            <a:effectRef idx="0">
+              <a:schemeClr val="accent1"/>
+            </a:effectRef>
+            <a:fontRef idx="minor">
+              <a:schemeClr val="tx1"/>
+            </a:fontRef>
+          </p:style>
+        </p:cxnSp>
+        <p:cxnSp>
+          <p:nvCxnSpPr>
+            <p:cNvPr id="28" name="Straight Connector 27"/>
+            <p:cNvCxnSpPr/>
+            <p:nvPr/>
+          </p:nvCxnSpPr>
+          <p:spPr>
+            <a:xfrm flipH="1" flipV="1">
+              <a:off x="3529693" y="2294317"/>
+              <a:ext cx="1" cy="1369634"/>
+            </a:xfrm>
+            <a:prstGeom prst="line">
+              <a:avLst/>
+            </a:prstGeom>
+          </p:spPr>
+          <p:style>
+            <a:lnRef idx="1">
+              <a:schemeClr val="accent1"/>
+            </a:lnRef>
+            <a:fillRef idx="0">
+              <a:schemeClr val="accent1"/>
+            </a:fillRef>
+            <a:effectRef idx="0">
+              <a:schemeClr val="accent1"/>
+            </a:effectRef>
+            <a:fontRef idx="minor">
+              <a:schemeClr val="tx1"/>
+            </a:fontRef>
+          </p:style>
+        </p:cxnSp>
+        <p:cxnSp>
+          <p:nvCxnSpPr>
+            <p:cNvPr id="29" name="Straight Connector 28"/>
+            <p:cNvCxnSpPr/>
+            <p:nvPr/>
+          </p:nvCxnSpPr>
+          <p:spPr>
+            <a:xfrm flipH="1" flipV="1">
+              <a:off x="3681186" y="2294317"/>
+              <a:ext cx="1" cy="1369634"/>
+            </a:xfrm>
+            <a:prstGeom prst="line">
+              <a:avLst/>
+            </a:prstGeom>
+          </p:spPr>
+          <p:style>
+            <a:lnRef idx="1">
+              <a:schemeClr val="accent1"/>
+            </a:lnRef>
+            <a:fillRef idx="0">
+              <a:schemeClr val="accent1"/>
+            </a:fillRef>
+            <a:effectRef idx="0">
+              <a:schemeClr val="accent1"/>
+            </a:effectRef>
+            <a:fontRef idx="minor">
+              <a:schemeClr val="tx1"/>
+            </a:fontRef>
+          </p:style>
+        </p:cxnSp>
+        <p:cxnSp>
+          <p:nvCxnSpPr>
+            <p:cNvPr id="30" name="Straight Connector 29"/>
+            <p:cNvCxnSpPr/>
+            <p:nvPr/>
+          </p:nvCxnSpPr>
+          <p:spPr>
+            <a:xfrm flipH="1" flipV="1">
+              <a:off x="3832679" y="2294317"/>
+              <a:ext cx="1" cy="1369634"/>
+            </a:xfrm>
+            <a:prstGeom prst="line">
+              <a:avLst/>
+            </a:prstGeom>
+          </p:spPr>
+          <p:style>
+            <a:lnRef idx="1">
+              <a:schemeClr val="accent1"/>
+            </a:lnRef>
+            <a:fillRef idx="0">
+              <a:schemeClr val="accent1"/>
+            </a:fillRef>
+            <a:effectRef idx="0">
+              <a:schemeClr val="accent1"/>
+            </a:effectRef>
+            <a:fontRef idx="minor">
+              <a:schemeClr val="tx1"/>
+            </a:fontRef>
+          </p:style>
+        </p:cxnSp>
+        <p:cxnSp>
+          <p:nvCxnSpPr>
+            <p:cNvPr id="31" name="Straight Connector 30"/>
+            <p:cNvCxnSpPr/>
+            <p:nvPr/>
+          </p:nvCxnSpPr>
+          <p:spPr>
+            <a:xfrm flipH="1" flipV="1">
+              <a:off x="3984172" y="2294317"/>
+              <a:ext cx="1" cy="1369634"/>
+            </a:xfrm>
+            <a:prstGeom prst="line">
+              <a:avLst/>
+            </a:prstGeom>
+          </p:spPr>
+          <p:style>
+            <a:lnRef idx="1">
+              <a:schemeClr val="accent1"/>
+            </a:lnRef>
+            <a:fillRef idx="0">
+              <a:schemeClr val="accent1"/>
+            </a:fillRef>
+            <a:effectRef idx="0">
+              <a:schemeClr val="accent1"/>
+            </a:effectRef>
+            <a:fontRef idx="minor">
+              <a:schemeClr val="tx1"/>
+            </a:fontRef>
+          </p:style>
+        </p:cxnSp>
+        <p:cxnSp>
+          <p:nvCxnSpPr>
+            <p:cNvPr id="32" name="Straight Connector 31"/>
+            <p:cNvCxnSpPr/>
+            <p:nvPr/>
+          </p:nvCxnSpPr>
+          <p:spPr>
+            <a:xfrm flipH="1" flipV="1">
+              <a:off x="4135665" y="2294317"/>
+              <a:ext cx="1" cy="1369634"/>
+            </a:xfrm>
+            <a:prstGeom prst="line">
+              <a:avLst/>
+            </a:prstGeom>
+          </p:spPr>
+          <p:style>
+            <a:lnRef idx="1">
+              <a:schemeClr val="accent1"/>
+            </a:lnRef>
+            <a:fillRef idx="0">
+              <a:schemeClr val="accent1"/>
+            </a:fillRef>
+            <a:effectRef idx="0">
+              <a:schemeClr val="accent1"/>
+            </a:effectRef>
+            <a:fontRef idx="minor">
+              <a:schemeClr val="tx1"/>
+            </a:fontRef>
+          </p:style>
+        </p:cxnSp>
+        <p:cxnSp>
+          <p:nvCxnSpPr>
+            <p:cNvPr id="33" name="Straight Connector 32"/>
+            <p:cNvCxnSpPr/>
+            <p:nvPr/>
+          </p:nvCxnSpPr>
+          <p:spPr>
+            <a:xfrm flipH="1" flipV="1">
+              <a:off x="4286250" y="2294317"/>
+              <a:ext cx="1" cy="1369634"/>
+            </a:xfrm>
+            <a:prstGeom prst="line">
+              <a:avLst/>
+            </a:prstGeom>
+          </p:spPr>
+          <p:style>
+            <a:lnRef idx="1">
+              <a:schemeClr val="accent1"/>
+            </a:lnRef>
+            <a:fillRef idx="0">
+              <a:schemeClr val="accent1"/>
+            </a:fillRef>
+            <a:effectRef idx="0">
+              <a:schemeClr val="accent1"/>
+            </a:effectRef>
+            <a:fontRef idx="minor">
+              <a:schemeClr val="tx1"/>
+            </a:fontRef>
+          </p:style>
+        </p:cxnSp>
+        <p:cxnSp>
+          <p:nvCxnSpPr>
+            <p:cNvPr id="34" name="Straight Connector 33"/>
+            <p:cNvCxnSpPr/>
+            <p:nvPr/>
+          </p:nvCxnSpPr>
+          <p:spPr>
+            <a:xfrm flipH="1" flipV="1">
+              <a:off x="4437743" y="2294317"/>
+              <a:ext cx="1" cy="1369634"/>
+            </a:xfrm>
+            <a:prstGeom prst="line">
+              <a:avLst/>
+            </a:prstGeom>
+          </p:spPr>
+          <p:style>
+            <a:lnRef idx="1">
+              <a:schemeClr val="accent1"/>
+            </a:lnRef>
+            <a:fillRef idx="0">
+              <a:schemeClr val="accent1"/>
+            </a:fillRef>
+            <a:effectRef idx="0">
+              <a:schemeClr val="accent1"/>
+            </a:effectRef>
+            <a:fontRef idx="minor">
+              <a:schemeClr val="tx1"/>
+            </a:fontRef>
+          </p:style>
+        </p:cxnSp>
+        <p:cxnSp>
+          <p:nvCxnSpPr>
+            <p:cNvPr id="35" name="Straight Connector 34"/>
+            <p:cNvCxnSpPr/>
+            <p:nvPr/>
+          </p:nvCxnSpPr>
+          <p:spPr>
+            <a:xfrm flipH="1" flipV="1">
+              <a:off x="4589236" y="2294317"/>
+              <a:ext cx="1" cy="1369634"/>
+            </a:xfrm>
+            <a:prstGeom prst="line">
+              <a:avLst/>
+            </a:prstGeom>
+          </p:spPr>
+          <p:style>
+            <a:lnRef idx="1">
+              <a:schemeClr val="accent1"/>
+            </a:lnRef>
+            <a:fillRef idx="0">
+              <a:schemeClr val="accent1"/>
+            </a:fillRef>
+            <a:effectRef idx="0">
+              <a:schemeClr val="accent1"/>
+            </a:effectRef>
+            <a:fontRef idx="minor">
+              <a:schemeClr val="tx1"/>
+            </a:fontRef>
+          </p:style>
+        </p:cxnSp>
+        <p:cxnSp>
+          <p:nvCxnSpPr>
+            <p:cNvPr id="36" name="Straight Connector 35"/>
+            <p:cNvCxnSpPr/>
+            <p:nvPr/>
+          </p:nvCxnSpPr>
+          <p:spPr>
+            <a:xfrm flipH="1" flipV="1">
+              <a:off x="4740729" y="2294317"/>
+              <a:ext cx="1" cy="1369634"/>
+            </a:xfrm>
+            <a:prstGeom prst="line">
+              <a:avLst/>
+            </a:prstGeom>
+          </p:spPr>
+          <p:style>
+            <a:lnRef idx="1">
+              <a:schemeClr val="accent1"/>
+            </a:lnRef>
+            <a:fillRef idx="0">
+              <a:schemeClr val="accent1"/>
+            </a:fillRef>
+            <a:effectRef idx="0">
+              <a:schemeClr val="accent1"/>
+            </a:effectRef>
+            <a:fontRef idx="minor">
+              <a:schemeClr val="tx1"/>
+            </a:fontRef>
+          </p:style>
+        </p:cxnSp>
+        <p:cxnSp>
+          <p:nvCxnSpPr>
+            <p:cNvPr id="37" name="Straight Connector 36"/>
+            <p:cNvCxnSpPr/>
+            <p:nvPr/>
+          </p:nvCxnSpPr>
+          <p:spPr>
+            <a:xfrm flipH="1" flipV="1">
+              <a:off x="4892222" y="2294317"/>
+              <a:ext cx="1" cy="1369634"/>
+            </a:xfrm>
+            <a:prstGeom prst="line">
+              <a:avLst/>
+            </a:prstGeom>
+          </p:spPr>
+          <p:style>
+            <a:lnRef idx="1">
+              <a:schemeClr val="accent1"/>
+            </a:lnRef>
+            <a:fillRef idx="0">
+              <a:schemeClr val="accent1"/>
+            </a:fillRef>
+            <a:effectRef idx="0">
+              <a:schemeClr val="accent1"/>
+            </a:effectRef>
+            <a:fontRef idx="minor">
+              <a:schemeClr val="tx1"/>
+            </a:fontRef>
+          </p:style>
+        </p:cxnSp>
+        <p:cxnSp>
+          <p:nvCxnSpPr>
+            <p:cNvPr id="38" name="Straight Connector 37"/>
+            <p:cNvCxnSpPr/>
+            <p:nvPr/>
+          </p:nvCxnSpPr>
+          <p:spPr>
+            <a:xfrm flipH="1" flipV="1">
+              <a:off x="5043715" y="2294317"/>
+              <a:ext cx="1" cy="1369634"/>
+            </a:xfrm>
+            <a:prstGeom prst="line">
+              <a:avLst/>
+            </a:prstGeom>
+          </p:spPr>
+          <p:style>
+            <a:lnRef idx="1">
+              <a:schemeClr val="accent1"/>
+            </a:lnRef>
+            <a:fillRef idx="0">
+              <a:schemeClr val="accent1"/>
+            </a:fillRef>
+            <a:effectRef idx="0">
+              <a:schemeClr val="accent1"/>
+            </a:effectRef>
+            <a:fontRef idx="minor">
+              <a:schemeClr val="tx1"/>
+            </a:fontRef>
+          </p:style>
+        </p:cxnSp>
+        <p:cxnSp>
+          <p:nvCxnSpPr>
+            <p:cNvPr id="39" name="Straight Connector 38"/>
+            <p:cNvCxnSpPr/>
+            <p:nvPr/>
+          </p:nvCxnSpPr>
+          <p:spPr>
+            <a:xfrm flipH="1" flipV="1">
+              <a:off x="5194300" y="2294317"/>
+              <a:ext cx="1" cy="1369634"/>
+            </a:xfrm>
+            <a:prstGeom prst="line">
+              <a:avLst/>
+            </a:prstGeom>
+          </p:spPr>
+          <p:style>
+            <a:lnRef idx="1">
+              <a:schemeClr val="accent1"/>
+            </a:lnRef>
+            <a:fillRef idx="0">
+              <a:schemeClr val="accent1"/>
+            </a:fillRef>
+            <a:effectRef idx="0">
+              <a:schemeClr val="accent1"/>
+            </a:effectRef>
+            <a:fontRef idx="minor">
+              <a:schemeClr val="tx1"/>
+            </a:fontRef>
+          </p:style>
+        </p:cxnSp>
+        <p:cxnSp>
+          <p:nvCxnSpPr>
+            <p:cNvPr id="40" name="Straight Connector 39"/>
+            <p:cNvCxnSpPr/>
+            <p:nvPr/>
+          </p:nvCxnSpPr>
+          <p:spPr>
+            <a:xfrm flipH="1" flipV="1">
+              <a:off x="5345793" y="2294317"/>
+              <a:ext cx="1" cy="1369634"/>
+            </a:xfrm>
+            <a:prstGeom prst="line">
+              <a:avLst/>
+            </a:prstGeom>
+          </p:spPr>
+          <p:style>
+            <a:lnRef idx="1">
+              <a:schemeClr val="accent1"/>
+            </a:lnRef>
+            <a:fillRef idx="0">
+              <a:schemeClr val="accent1"/>
+            </a:fillRef>
+            <a:effectRef idx="0">
+              <a:schemeClr val="accent1"/>
+            </a:effectRef>
+            <a:fontRef idx="minor">
+              <a:schemeClr val="tx1"/>
+            </a:fontRef>
+          </p:style>
+        </p:cxnSp>
+        <p:cxnSp>
+          <p:nvCxnSpPr>
+            <p:cNvPr id="41" name="Straight Connector 40"/>
+            <p:cNvCxnSpPr/>
+            <p:nvPr/>
+          </p:nvCxnSpPr>
+          <p:spPr>
+            <a:xfrm flipH="1" flipV="1">
+              <a:off x="5497286" y="2294317"/>
+              <a:ext cx="1" cy="1369634"/>
+            </a:xfrm>
+            <a:prstGeom prst="line">
+              <a:avLst/>
+            </a:prstGeom>
+          </p:spPr>
+          <p:style>
+            <a:lnRef idx="1">
+              <a:schemeClr val="accent1"/>
+            </a:lnRef>
+            <a:fillRef idx="0">
+              <a:schemeClr val="accent1"/>
+            </a:fillRef>
+            <a:effectRef idx="0">
+              <a:schemeClr val="accent1"/>
+            </a:effectRef>
+            <a:fontRef idx="minor">
+              <a:schemeClr val="tx1"/>
+            </a:fontRef>
+          </p:style>
+        </p:cxnSp>
+        <p:cxnSp>
+          <p:nvCxnSpPr>
+            <p:cNvPr id="42" name="Straight Connector 41"/>
+            <p:cNvCxnSpPr/>
+            <p:nvPr/>
+          </p:nvCxnSpPr>
+          <p:spPr>
+            <a:xfrm flipH="1" flipV="1">
+              <a:off x="5648779" y="2294317"/>
+              <a:ext cx="1" cy="1369634"/>
+            </a:xfrm>
+            <a:prstGeom prst="line">
+              <a:avLst/>
+            </a:prstGeom>
+          </p:spPr>
+          <p:style>
+            <a:lnRef idx="1">
+              <a:schemeClr val="accent1"/>
+            </a:lnRef>
+            <a:fillRef idx="0">
+              <a:schemeClr val="accent1"/>
+            </a:fillRef>
+            <a:effectRef idx="0">
+              <a:schemeClr val="accent1"/>
+            </a:effectRef>
+            <a:fontRef idx="minor">
+              <a:schemeClr val="tx1"/>
+            </a:fontRef>
+          </p:style>
+        </p:cxnSp>
+        <p:cxnSp>
+          <p:nvCxnSpPr>
+            <p:cNvPr id="43" name="Straight Connector 42"/>
+            <p:cNvCxnSpPr/>
+            <p:nvPr/>
+          </p:nvCxnSpPr>
+          <p:spPr>
+            <a:xfrm flipH="1" flipV="1">
+              <a:off x="5800272" y="2294317"/>
+              <a:ext cx="1" cy="1369634"/>
+            </a:xfrm>
+            <a:prstGeom prst="line">
+              <a:avLst/>
+            </a:prstGeom>
+          </p:spPr>
+          <p:style>
+            <a:lnRef idx="1">
+              <a:schemeClr val="accent1"/>
+            </a:lnRef>
+            <a:fillRef idx="0">
+              <a:schemeClr val="accent1"/>
+            </a:fillRef>
+            <a:effectRef idx="0">
+              <a:schemeClr val="accent1"/>
+            </a:effectRef>
+            <a:fontRef idx="minor">
+              <a:schemeClr val="tx1"/>
+            </a:fontRef>
+          </p:style>
+        </p:cxnSp>
+        <p:cxnSp>
+          <p:nvCxnSpPr>
+            <p:cNvPr id="44" name="Straight Connector 43"/>
+            <p:cNvCxnSpPr/>
+            <p:nvPr/>
+          </p:nvCxnSpPr>
+          <p:spPr>
+            <a:xfrm flipH="1" flipV="1">
+              <a:off x="5951765" y="2294317"/>
+              <a:ext cx="1" cy="1369634"/>
+            </a:xfrm>
+            <a:prstGeom prst="line">
+              <a:avLst/>
+            </a:prstGeom>
+          </p:spPr>
+          <p:style>
+            <a:lnRef idx="1">
+              <a:schemeClr val="accent1"/>
+            </a:lnRef>
+            <a:fillRef idx="0">
+              <a:schemeClr val="accent1"/>
+            </a:fillRef>
+            <a:effectRef idx="0">
+              <a:schemeClr val="accent1"/>
+            </a:effectRef>
+            <a:fontRef idx="minor">
+              <a:schemeClr val="tx1"/>
+            </a:fontRef>
+          </p:style>
+        </p:cxnSp>
+        <p:cxnSp>
+          <p:nvCxnSpPr>
+            <p:cNvPr id="45" name="Straight Connector 44"/>
+            <p:cNvCxnSpPr/>
+            <p:nvPr/>
+          </p:nvCxnSpPr>
+          <p:spPr>
+            <a:xfrm flipH="1" flipV="1">
+              <a:off x="6102350" y="2294317"/>
+              <a:ext cx="1" cy="1369634"/>
+            </a:xfrm>
+            <a:prstGeom prst="line">
+              <a:avLst/>
+            </a:prstGeom>
+          </p:spPr>
+          <p:style>
+            <a:lnRef idx="1">
+              <a:schemeClr val="accent1"/>
+            </a:lnRef>
+            <a:fillRef idx="0">
+              <a:schemeClr val="accent1"/>
+            </a:fillRef>
+            <a:effectRef idx="0">
+              <a:schemeClr val="accent1"/>
+            </a:effectRef>
+            <a:fontRef idx="minor">
+              <a:schemeClr val="tx1"/>
+            </a:fontRef>
+          </p:style>
+        </p:cxnSp>
+        <p:cxnSp>
+          <p:nvCxnSpPr>
+            <p:cNvPr id="46" name="Straight Connector 45"/>
+            <p:cNvCxnSpPr/>
+            <p:nvPr/>
+          </p:nvCxnSpPr>
+          <p:spPr>
+            <a:xfrm flipH="1" flipV="1">
+              <a:off x="6253843" y="2294317"/>
+              <a:ext cx="1" cy="1369634"/>
+            </a:xfrm>
+            <a:prstGeom prst="line">
+              <a:avLst/>
+            </a:prstGeom>
+          </p:spPr>
+          <p:style>
+            <a:lnRef idx="1">
+              <a:schemeClr val="accent1"/>
+            </a:lnRef>
+            <a:fillRef idx="0">
+              <a:schemeClr val="accent1"/>
+            </a:fillRef>
+            <a:effectRef idx="0">
+              <a:schemeClr val="accent1"/>
+            </a:effectRef>
+            <a:fontRef idx="minor">
+              <a:schemeClr val="tx1"/>
+            </a:fontRef>
+          </p:style>
+        </p:cxnSp>
+        <p:cxnSp>
+          <p:nvCxnSpPr>
+            <p:cNvPr id="47" name="Straight Connector 46"/>
+            <p:cNvCxnSpPr/>
+            <p:nvPr/>
+          </p:nvCxnSpPr>
+          <p:spPr>
+            <a:xfrm flipH="1" flipV="1">
+              <a:off x="6405336" y="2294317"/>
+              <a:ext cx="1" cy="1369634"/>
+            </a:xfrm>
+            <a:prstGeom prst="line">
+              <a:avLst/>
+            </a:prstGeom>
+          </p:spPr>
+          <p:style>
+            <a:lnRef idx="1">
+              <a:schemeClr val="accent1"/>
+            </a:lnRef>
+            <a:fillRef idx="0">
+              <a:schemeClr val="accent1"/>
+            </a:fillRef>
+            <a:effectRef idx="0">
+              <a:schemeClr val="accent1"/>
+            </a:effectRef>
+            <a:fontRef idx="minor">
+              <a:schemeClr val="tx1"/>
+            </a:fontRef>
+          </p:style>
+        </p:cxnSp>
+        <p:cxnSp>
+          <p:nvCxnSpPr>
+            <p:cNvPr id="48" name="Straight Connector 47"/>
+            <p:cNvCxnSpPr/>
+            <p:nvPr/>
+          </p:nvCxnSpPr>
+          <p:spPr>
+            <a:xfrm flipH="1" flipV="1">
+              <a:off x="6556829" y="2294317"/>
+              <a:ext cx="1" cy="1369634"/>
+            </a:xfrm>
+            <a:prstGeom prst="line">
+              <a:avLst/>
+            </a:prstGeom>
+          </p:spPr>
+          <p:style>
+            <a:lnRef idx="1">
+              <a:schemeClr val="accent1"/>
+            </a:lnRef>
+            <a:fillRef idx="0">
+              <a:schemeClr val="accent1"/>
+            </a:fillRef>
+            <a:effectRef idx="0">
+              <a:schemeClr val="accent1"/>
+            </a:effectRef>
+            <a:fontRef idx="minor">
+              <a:schemeClr val="tx1"/>
+            </a:fontRef>
+          </p:style>
+        </p:cxnSp>
+        <p:cxnSp>
+          <p:nvCxnSpPr>
+            <p:cNvPr id="49" name="Straight Connector 48"/>
+            <p:cNvCxnSpPr/>
+            <p:nvPr/>
+          </p:nvCxnSpPr>
+          <p:spPr>
+            <a:xfrm flipH="1" flipV="1">
+              <a:off x="6708322" y="2294317"/>
+              <a:ext cx="1" cy="1369634"/>
+            </a:xfrm>
+            <a:prstGeom prst="line">
+              <a:avLst/>
+            </a:prstGeom>
+          </p:spPr>
+          <p:style>
+            <a:lnRef idx="1">
+              <a:schemeClr val="accent1"/>
+            </a:lnRef>
+            <a:fillRef idx="0">
+              <a:schemeClr val="accent1"/>
+            </a:fillRef>
+            <a:effectRef idx="0">
+              <a:schemeClr val="accent1"/>
+            </a:effectRef>
+            <a:fontRef idx="minor">
+              <a:schemeClr val="tx1"/>
+            </a:fontRef>
+          </p:style>
+        </p:cxnSp>
+        <p:cxnSp>
+          <p:nvCxnSpPr>
+            <p:cNvPr id="50" name="Straight Connector 49"/>
+            <p:cNvCxnSpPr/>
+            <p:nvPr/>
+          </p:nvCxnSpPr>
+          <p:spPr>
+            <a:xfrm flipH="1" flipV="1">
+              <a:off x="6859815" y="2294317"/>
+              <a:ext cx="1" cy="1369634"/>
+            </a:xfrm>
+            <a:prstGeom prst="line">
+              <a:avLst/>
+            </a:prstGeom>
+          </p:spPr>
+          <p:style>
+            <a:lnRef idx="1">
+              <a:schemeClr val="accent1"/>
+            </a:lnRef>
+            <a:fillRef idx="0">
+              <a:schemeClr val="accent1"/>
+            </a:fillRef>
+            <a:effectRef idx="0">
+              <a:schemeClr val="accent1"/>
+            </a:effectRef>
+            <a:fontRef idx="minor">
+              <a:schemeClr val="tx1"/>
+            </a:fontRef>
+          </p:style>
+        </p:cxnSp>
+        <p:cxnSp>
+          <p:nvCxnSpPr>
+            <p:cNvPr id="51" name="Straight Connector 50"/>
+            <p:cNvCxnSpPr/>
+            <p:nvPr/>
+          </p:nvCxnSpPr>
+          <p:spPr>
+            <a:xfrm flipH="1" flipV="1">
+              <a:off x="7010400" y="2294317"/>
+              <a:ext cx="1" cy="1369634"/>
+            </a:xfrm>
+            <a:prstGeom prst="line">
+              <a:avLst/>
+            </a:prstGeom>
+          </p:spPr>
+          <p:style>
+            <a:lnRef idx="1">
+              <a:schemeClr val="accent1"/>
+            </a:lnRef>
+            <a:fillRef idx="0">
+              <a:schemeClr val="accent1"/>
+            </a:fillRef>
+            <a:effectRef idx="0">
+              <a:schemeClr val="accent1"/>
+            </a:effectRef>
+            <a:fontRef idx="minor">
+              <a:schemeClr val="tx1"/>
+            </a:fontRef>
+          </p:style>
+        </p:cxnSp>
+        <p:cxnSp>
+          <p:nvCxnSpPr>
+            <p:cNvPr id="52" name="Straight Connector 51"/>
+            <p:cNvCxnSpPr/>
+            <p:nvPr/>
+          </p:nvCxnSpPr>
+          <p:spPr>
+            <a:xfrm flipH="1" flipV="1">
+              <a:off x="7161893" y="2294317"/>
+              <a:ext cx="1" cy="1369634"/>
+            </a:xfrm>
+            <a:prstGeom prst="line">
+              <a:avLst/>
+            </a:prstGeom>
+          </p:spPr>
+          <p:style>
+            <a:lnRef idx="1">
+              <a:schemeClr val="accent1"/>
+            </a:lnRef>
+            <a:fillRef idx="0">
+              <a:schemeClr val="accent1"/>
+            </a:fillRef>
+            <a:effectRef idx="0">
+              <a:schemeClr val="accent1"/>
+            </a:effectRef>
+            <a:fontRef idx="minor">
+              <a:schemeClr val="tx1"/>
+            </a:fontRef>
+          </p:style>
+        </p:cxnSp>
+        <p:cxnSp>
+          <p:nvCxnSpPr>
+            <p:cNvPr id="53" name="Straight Connector 52"/>
+            <p:cNvCxnSpPr/>
+            <p:nvPr/>
+          </p:nvCxnSpPr>
+          <p:spPr>
+            <a:xfrm flipH="1" flipV="1">
+              <a:off x="7313386" y="2294317"/>
+              <a:ext cx="1" cy="1369634"/>
+            </a:xfrm>
+            <a:prstGeom prst="line">
+              <a:avLst/>
+            </a:prstGeom>
+          </p:spPr>
+          <p:style>
+            <a:lnRef idx="1">
+              <a:schemeClr val="accent1"/>
+            </a:lnRef>
+            <a:fillRef idx="0">
+              <a:schemeClr val="accent1"/>
+            </a:fillRef>
+            <a:effectRef idx="0">
+              <a:schemeClr val="accent1"/>
+            </a:effectRef>
+            <a:fontRef idx="minor">
+              <a:schemeClr val="tx1"/>
+            </a:fontRef>
+          </p:style>
+        </p:cxnSp>
+        <p:cxnSp>
+          <p:nvCxnSpPr>
+            <p:cNvPr id="54" name="Straight Connector 53"/>
+            <p:cNvCxnSpPr/>
+            <p:nvPr/>
+          </p:nvCxnSpPr>
+          <p:spPr>
+            <a:xfrm flipH="1" flipV="1">
+              <a:off x="7464879" y="2294317"/>
+              <a:ext cx="1" cy="1369634"/>
+            </a:xfrm>
+            <a:prstGeom prst="line">
+              <a:avLst/>
+            </a:prstGeom>
+          </p:spPr>
+          <p:style>
+            <a:lnRef idx="1">
+              <a:schemeClr val="accent1"/>
+            </a:lnRef>
+            <a:fillRef idx="0">
+              <a:schemeClr val="accent1"/>
+            </a:fillRef>
+            <a:effectRef idx="0">
+              <a:schemeClr val="accent1"/>
+            </a:effectRef>
+            <a:fontRef idx="minor">
+              <a:schemeClr val="tx1"/>
+            </a:fontRef>
+          </p:style>
+        </p:cxnSp>
+        <p:cxnSp>
+          <p:nvCxnSpPr>
+            <p:cNvPr id="55" name="Straight Connector 54"/>
+            <p:cNvCxnSpPr/>
+            <p:nvPr/>
+          </p:nvCxnSpPr>
+          <p:spPr>
+            <a:xfrm flipH="1" flipV="1">
+              <a:off x="7616372" y="2294317"/>
+              <a:ext cx="1" cy="1369634"/>
+            </a:xfrm>
+            <a:prstGeom prst="line">
+              <a:avLst/>
+            </a:prstGeom>
+          </p:spPr>
+          <p:style>
+            <a:lnRef idx="1">
+              <a:schemeClr val="accent1"/>
+            </a:lnRef>
+            <a:fillRef idx="0">
+              <a:schemeClr val="accent1"/>
+            </a:fillRef>
+            <a:effectRef idx="0">
+              <a:schemeClr val="accent1"/>
+            </a:effectRef>
+            <a:fontRef idx="minor">
+              <a:schemeClr val="tx1"/>
+            </a:fontRef>
+          </p:style>
+        </p:cxnSp>
+      </p:grpSp>
+      <p:grpSp>
+        <p:nvGrpSpPr>
+          <p:cNvPr id="159" name="Group 158"/>
+          <p:cNvGrpSpPr/>
+          <p:nvPr/>
+        </p:nvGrpSpPr>
+        <p:grpSpPr>
+          <a:xfrm>
+            <a:off x="3054868" y="2835275"/>
+            <a:ext cx="2577454" cy="2500369"/>
+            <a:chOff x="3532833" y="3614678"/>
+            <a:chExt cx="2577454" cy="2500369"/>
+          </a:xfrm>
+        </p:grpSpPr>
+        <p:grpSp>
+          <p:nvGrpSpPr>
+            <p:cNvPr id="119" name="Group 118"/>
+            <p:cNvGrpSpPr/>
+            <p:nvPr/>
+          </p:nvGrpSpPr>
+          <p:grpSpPr>
+            <a:xfrm>
+              <a:off x="3532833" y="3614679"/>
+              <a:ext cx="2577454" cy="2500368"/>
+              <a:chOff x="3723334" y="4129032"/>
+              <a:chExt cx="1622459" cy="1647881"/>
+            </a:xfrm>
+          </p:grpSpPr>
+          <p:sp>
+            <p:nvSpPr>
+              <p:cNvPr id="108" name="Oval 107"/>
+              <p:cNvSpPr/>
+              <p:nvPr/>
+            </p:nvSpPr>
+            <p:spPr>
+              <a:xfrm>
+                <a:off x="4437743" y="4843463"/>
+                <a:ext cx="151493" cy="142875"/>
+              </a:xfrm>
+              <a:prstGeom prst="ellipse">
+                <a:avLst/>
+              </a:prstGeom>
+              <a:noFill/>
+              <a:ln>
+                <a:solidFill>
+                  <a:schemeClr val="tx1"/>
+                </a:solidFill>
+              </a:ln>
+            </p:spPr>
+            <p:style>
+              <a:lnRef idx="2">
+                <a:schemeClr val="accent1">
+                  <a:shade val="50000"/>
+                </a:schemeClr>
+              </a:lnRef>
+              <a:fillRef idx="1">
+                <a:schemeClr val="accent1"/>
+              </a:fillRef>
+              <a:effectRef idx="0">
+                <a:schemeClr val="accent1"/>
+              </a:effectRef>
+              <a:fontRef idx="minor">
+                <a:schemeClr val="lt1"/>
+              </a:fontRef>
+            </p:style>
+            <p:txBody>
+              <a:bodyPr rtlCol="0" anchor="ctr"/>
+              <a:lstStyle/>
+              <a:p>
+                <a:pPr algn="ctr"/>
+                <a:endParaRPr lang="en-GB"/>
+              </a:p>
+            </p:txBody>
+          </p:sp>
+          <p:sp>
+            <p:nvSpPr>
+              <p:cNvPr id="109" name="Oval 108"/>
+              <p:cNvSpPr/>
+              <p:nvPr/>
+            </p:nvSpPr>
+            <p:spPr>
+              <a:xfrm>
+                <a:off x="4366303" y="4772022"/>
+                <a:ext cx="303893" cy="280988"/>
+              </a:xfrm>
+              <a:prstGeom prst="ellipse">
+                <a:avLst/>
+              </a:prstGeom>
+              <a:noFill/>
+              <a:ln w="6350">
+                <a:solidFill>
+                  <a:schemeClr val="accent1"/>
+                </a:solidFill>
+              </a:ln>
+            </p:spPr>
+            <p:style>
+              <a:lnRef idx="2">
+                <a:schemeClr val="accent1">
+                  <a:shade val="50000"/>
+                </a:schemeClr>
+              </a:lnRef>
+              <a:fillRef idx="1">
+                <a:schemeClr val="accent1"/>
+              </a:fillRef>
+              <a:effectRef idx="0">
+                <a:schemeClr val="accent1"/>
+              </a:effectRef>
+              <a:fontRef idx="minor">
+                <a:schemeClr val="lt1"/>
+              </a:fontRef>
+            </p:style>
+            <p:txBody>
+              <a:bodyPr rtlCol="0" anchor="ctr"/>
+              <a:lstStyle/>
+              <a:p>
+                <a:pPr algn="ctr"/>
+                <a:endParaRPr lang="en-GB"/>
+              </a:p>
+            </p:txBody>
+          </p:sp>
+          <p:sp>
+            <p:nvSpPr>
+              <p:cNvPr id="110" name="Oval 109"/>
+              <p:cNvSpPr/>
+              <p:nvPr/>
+            </p:nvSpPr>
+            <p:spPr>
+              <a:xfrm>
+                <a:off x="4294863" y="4700580"/>
+                <a:ext cx="445866" cy="423869"/>
+              </a:xfrm>
+              <a:prstGeom prst="ellipse">
+                <a:avLst/>
+              </a:prstGeom>
+              <a:noFill/>
+              <a:ln w="6350">
+                <a:solidFill>
+                  <a:schemeClr val="accent1"/>
+                </a:solidFill>
+              </a:ln>
+            </p:spPr>
+            <p:style>
+              <a:lnRef idx="2">
+                <a:schemeClr val="accent1">
+                  <a:shade val="50000"/>
+                </a:schemeClr>
+              </a:lnRef>
+              <a:fillRef idx="1">
+                <a:schemeClr val="accent1"/>
+              </a:fillRef>
+              <a:effectRef idx="0">
+                <a:schemeClr val="accent1"/>
+              </a:effectRef>
+              <a:fontRef idx="minor">
+                <a:schemeClr val="lt1"/>
+              </a:fontRef>
+            </p:style>
+            <p:txBody>
+              <a:bodyPr rtlCol="0" anchor="ctr"/>
+              <a:lstStyle/>
+              <a:p>
+                <a:pPr algn="ctr"/>
+                <a:endParaRPr lang="en-GB"/>
+              </a:p>
+            </p:txBody>
+          </p:sp>
+          <p:sp>
+            <p:nvSpPr>
+              <p:cNvPr id="111" name="Oval 110"/>
+              <p:cNvSpPr/>
+              <p:nvPr/>
+            </p:nvSpPr>
+            <p:spPr>
+              <a:xfrm>
+                <a:off x="4223423" y="4629138"/>
+                <a:ext cx="586702" cy="581037"/>
+              </a:xfrm>
+              <a:prstGeom prst="ellipse">
+                <a:avLst/>
+              </a:prstGeom>
+              <a:noFill/>
+              <a:ln w="6350">
+                <a:solidFill>
+                  <a:schemeClr val="accent1"/>
+                </a:solidFill>
+              </a:ln>
+            </p:spPr>
+            <p:style>
+              <a:lnRef idx="2">
+                <a:schemeClr val="accent1">
+                  <a:shade val="50000"/>
+                </a:schemeClr>
+              </a:lnRef>
+              <a:fillRef idx="1">
+                <a:schemeClr val="accent1"/>
+              </a:fillRef>
+              <a:effectRef idx="0">
+                <a:schemeClr val="accent1"/>
+              </a:effectRef>
+              <a:fontRef idx="minor">
+                <a:schemeClr val="lt1"/>
+              </a:fontRef>
+            </p:style>
+            <p:txBody>
+              <a:bodyPr rtlCol="0" anchor="ctr"/>
+              <a:lstStyle/>
+              <a:p>
+                <a:pPr algn="ctr"/>
+                <a:endParaRPr lang="en-GB"/>
+              </a:p>
+            </p:txBody>
+          </p:sp>
+          <p:sp>
+            <p:nvSpPr>
+              <p:cNvPr id="112" name="Oval 111"/>
+              <p:cNvSpPr/>
+              <p:nvPr/>
+            </p:nvSpPr>
+            <p:spPr>
+              <a:xfrm>
+                <a:off x="4151982" y="4557696"/>
+                <a:ext cx="740239" cy="719154"/>
+              </a:xfrm>
+              <a:prstGeom prst="ellipse">
+                <a:avLst/>
+              </a:prstGeom>
+              <a:noFill/>
+              <a:ln w="6350">
+                <a:solidFill>
+                  <a:schemeClr val="accent1"/>
+                </a:solidFill>
+              </a:ln>
+            </p:spPr>
+            <p:style>
+              <a:lnRef idx="2">
+                <a:schemeClr val="accent1">
+                  <a:shade val="50000"/>
+                </a:schemeClr>
+              </a:lnRef>
+              <a:fillRef idx="1">
+                <a:schemeClr val="accent1"/>
+              </a:fillRef>
+              <a:effectRef idx="0">
+                <a:schemeClr val="accent1"/>
+              </a:effectRef>
+              <a:fontRef idx="minor">
+                <a:schemeClr val="lt1"/>
+              </a:fontRef>
+            </p:style>
+            <p:txBody>
+              <a:bodyPr rtlCol="0" anchor="ctr"/>
+              <a:lstStyle/>
+              <a:p>
+                <a:pPr algn="ctr"/>
+                <a:endParaRPr lang="en-GB"/>
+              </a:p>
+            </p:txBody>
+          </p:sp>
+          <p:sp>
+            <p:nvSpPr>
+              <p:cNvPr id="113" name="Oval 112"/>
+              <p:cNvSpPr/>
+              <p:nvPr/>
+            </p:nvSpPr>
+            <p:spPr>
+              <a:xfrm>
+                <a:off x="4080541" y="4486253"/>
+                <a:ext cx="886747" cy="876321"/>
+              </a:xfrm>
+              <a:prstGeom prst="ellipse">
+                <a:avLst/>
+              </a:prstGeom>
+              <a:noFill/>
+              <a:ln w="6350">
+                <a:solidFill>
+                  <a:schemeClr val="accent1"/>
+                </a:solidFill>
+              </a:ln>
+            </p:spPr>
+            <p:style>
+              <a:lnRef idx="2">
+                <a:schemeClr val="accent1">
+                  <a:shade val="50000"/>
+                </a:schemeClr>
+              </a:lnRef>
+              <a:fillRef idx="1">
+                <a:schemeClr val="accent1"/>
+              </a:fillRef>
+              <a:effectRef idx="0">
+                <a:schemeClr val="accent1"/>
+              </a:effectRef>
+              <a:fontRef idx="minor">
+                <a:schemeClr val="lt1"/>
+              </a:fontRef>
+            </p:style>
+            <p:txBody>
+              <a:bodyPr rtlCol="0" anchor="ctr"/>
+              <a:lstStyle/>
+              <a:p>
+                <a:pPr algn="ctr"/>
+                <a:endParaRPr lang="en-GB"/>
+              </a:p>
+            </p:txBody>
+          </p:sp>
+          <p:sp>
+            <p:nvSpPr>
+              <p:cNvPr id="114" name="Oval 113"/>
+              <p:cNvSpPr/>
+              <p:nvPr/>
+            </p:nvSpPr>
+            <p:spPr>
+              <a:xfrm>
+                <a:off x="4009100" y="4414810"/>
+                <a:ext cx="1034615" cy="1028728"/>
+              </a:xfrm>
+              <a:prstGeom prst="ellipse">
+                <a:avLst/>
+              </a:prstGeom>
+              <a:noFill/>
+              <a:ln w="6350">
+                <a:solidFill>
+                  <a:schemeClr val="accent1"/>
+                </a:solidFill>
+              </a:ln>
+            </p:spPr>
+            <p:style>
+              <a:lnRef idx="2">
+                <a:schemeClr val="accent1">
+                  <a:shade val="50000"/>
+                </a:schemeClr>
+              </a:lnRef>
+              <a:fillRef idx="1">
+                <a:schemeClr val="accent1"/>
+              </a:fillRef>
+              <a:effectRef idx="0">
+                <a:schemeClr val="accent1"/>
+              </a:effectRef>
+              <a:fontRef idx="minor">
+                <a:schemeClr val="lt1"/>
+              </a:fontRef>
+            </p:style>
+            <p:txBody>
+              <a:bodyPr rtlCol="0" anchor="ctr"/>
+              <a:lstStyle/>
+              <a:p>
+                <a:pPr algn="ctr"/>
+                <a:endParaRPr lang="en-GB"/>
+              </a:p>
+            </p:txBody>
+          </p:sp>
+          <p:sp>
+            <p:nvSpPr>
+              <p:cNvPr id="115" name="Oval 114"/>
+              <p:cNvSpPr/>
+              <p:nvPr/>
+            </p:nvSpPr>
+            <p:spPr>
+              <a:xfrm>
+                <a:off x="3937659" y="4343366"/>
+                <a:ext cx="1177266" cy="1181133"/>
+              </a:xfrm>
+              <a:prstGeom prst="ellipse">
+                <a:avLst/>
+              </a:prstGeom>
+              <a:noFill/>
+              <a:ln w="6350">
+                <a:solidFill>
+                  <a:schemeClr val="accent1"/>
+                </a:solidFill>
+              </a:ln>
+            </p:spPr>
+            <p:style>
+              <a:lnRef idx="2">
+                <a:schemeClr val="accent1">
+                  <a:shade val="50000"/>
+                </a:schemeClr>
+              </a:lnRef>
+              <a:fillRef idx="1">
+                <a:schemeClr val="accent1"/>
+              </a:fillRef>
+              <a:effectRef idx="0">
+                <a:schemeClr val="accent1"/>
+              </a:effectRef>
+              <a:fontRef idx="minor">
+                <a:schemeClr val="lt1"/>
+              </a:fontRef>
+            </p:style>
+            <p:txBody>
+              <a:bodyPr rtlCol="0" anchor="ctr"/>
+              <a:lstStyle/>
+              <a:p>
+                <a:pPr algn="ctr"/>
+                <a:endParaRPr lang="en-GB"/>
+              </a:p>
+            </p:txBody>
+          </p:sp>
+          <p:sp>
+            <p:nvSpPr>
+              <p:cNvPr id="116" name="Oval 115"/>
+              <p:cNvSpPr/>
+              <p:nvPr/>
+            </p:nvSpPr>
+            <p:spPr>
+              <a:xfrm>
+                <a:off x="3866218" y="4271922"/>
+                <a:ext cx="1328082" cy="1328778"/>
+              </a:xfrm>
+              <a:prstGeom prst="ellipse">
+                <a:avLst/>
+              </a:prstGeom>
+              <a:noFill/>
+              <a:ln w="6350">
+                <a:solidFill>
+                  <a:schemeClr val="accent1"/>
+                </a:solidFill>
+              </a:ln>
+            </p:spPr>
+            <p:style>
+              <a:lnRef idx="2">
+                <a:schemeClr val="accent1">
+                  <a:shade val="50000"/>
+                </a:schemeClr>
+              </a:lnRef>
+              <a:fillRef idx="1">
+                <a:schemeClr val="accent1"/>
+              </a:fillRef>
+              <a:effectRef idx="0">
+                <a:schemeClr val="accent1"/>
+              </a:effectRef>
+              <a:fontRef idx="minor">
+                <a:schemeClr val="lt1"/>
+              </a:fontRef>
+            </p:style>
+            <p:txBody>
+              <a:bodyPr rtlCol="0" anchor="ctr"/>
+              <a:lstStyle/>
+              <a:p>
+                <a:pPr algn="ctr"/>
+                <a:endParaRPr lang="en-GB"/>
+              </a:p>
+            </p:txBody>
+          </p:sp>
+          <p:sp>
+            <p:nvSpPr>
+              <p:cNvPr id="117" name="Oval 116"/>
+              <p:cNvSpPr/>
+              <p:nvPr/>
+            </p:nvSpPr>
+            <p:spPr>
+              <a:xfrm>
+                <a:off x="3794776" y="4200477"/>
+                <a:ext cx="1482073" cy="1485947"/>
+              </a:xfrm>
+              <a:prstGeom prst="ellipse">
+                <a:avLst/>
+              </a:prstGeom>
+              <a:noFill/>
+              <a:ln w="6350">
+                <a:solidFill>
+                  <a:schemeClr val="accent1"/>
+                </a:solidFill>
+              </a:ln>
+            </p:spPr>
+            <p:style>
+              <a:lnRef idx="2">
+                <a:schemeClr val="accent1">
+                  <a:shade val="50000"/>
+                </a:schemeClr>
+              </a:lnRef>
+              <a:fillRef idx="1">
+                <a:schemeClr val="accent1"/>
+              </a:fillRef>
+              <a:effectRef idx="0">
+                <a:schemeClr val="accent1"/>
+              </a:effectRef>
+              <a:fontRef idx="minor">
+                <a:schemeClr val="lt1"/>
+              </a:fontRef>
+            </p:style>
+            <p:txBody>
+              <a:bodyPr rtlCol="0" anchor="ctr"/>
+              <a:lstStyle/>
+              <a:p>
+                <a:pPr algn="ctr"/>
+                <a:endParaRPr lang="en-GB"/>
+              </a:p>
+            </p:txBody>
+          </p:sp>
+          <p:sp>
+            <p:nvSpPr>
+              <p:cNvPr id="118" name="Oval 117"/>
+              <p:cNvSpPr/>
+              <p:nvPr/>
+            </p:nvSpPr>
+            <p:spPr>
+              <a:xfrm>
+                <a:off x="3723334" y="4129032"/>
+                <a:ext cx="1622459" cy="1647881"/>
+              </a:xfrm>
+              <a:prstGeom prst="ellipse">
+                <a:avLst/>
+              </a:prstGeom>
+              <a:noFill/>
+              <a:ln>
+                <a:solidFill>
+                  <a:schemeClr val="tx1"/>
+                </a:solidFill>
+              </a:ln>
+            </p:spPr>
+            <p:style>
+              <a:lnRef idx="2">
+                <a:schemeClr val="accent1">
+                  <a:shade val="50000"/>
+                </a:schemeClr>
+              </a:lnRef>
+              <a:fillRef idx="1">
+                <a:schemeClr val="accent1"/>
+              </a:fillRef>
+              <a:effectRef idx="0">
+                <a:schemeClr val="accent1"/>
+              </a:effectRef>
+              <a:fontRef idx="minor">
+                <a:schemeClr val="lt1"/>
+              </a:fontRef>
+            </p:style>
+            <p:txBody>
+              <a:bodyPr rtlCol="0" anchor="ctr"/>
+              <a:lstStyle/>
+              <a:p>
+                <a:pPr algn="ctr"/>
+                <a:endParaRPr lang="en-GB"/>
+              </a:p>
+            </p:txBody>
+          </p:sp>
+        </p:grpSp>
+        <p:grpSp>
+          <p:nvGrpSpPr>
+            <p:cNvPr id="158" name="Group 157"/>
+            <p:cNvGrpSpPr/>
+            <p:nvPr/>
+          </p:nvGrpSpPr>
+          <p:grpSpPr>
+            <a:xfrm>
+              <a:off x="4795838" y="3614678"/>
+              <a:ext cx="936990" cy="1200210"/>
+              <a:chOff x="4795838" y="3614678"/>
+              <a:chExt cx="936990" cy="1200210"/>
+            </a:xfrm>
+          </p:grpSpPr>
+          <p:cxnSp>
+            <p:nvCxnSpPr>
+              <p:cNvPr id="121" name="Straight Connector 120"/>
+              <p:cNvCxnSpPr>
+                <a:stCxn id="118" idx="0"/>
+              </p:cNvCxnSpPr>
+              <p:nvPr/>
+            </p:nvCxnSpPr>
+            <p:spPr>
+              <a:xfrm flipH="1">
+                <a:off x="4795838" y="3614679"/>
+                <a:ext cx="25722" cy="1200209"/>
+              </a:xfrm>
+              <a:prstGeom prst="line">
+                <a:avLst/>
+              </a:prstGeom>
+            </p:spPr>
+            <p:style>
+              <a:lnRef idx="1">
+                <a:schemeClr val="accent1"/>
+              </a:lnRef>
+              <a:fillRef idx="0">
+                <a:schemeClr val="accent1"/>
+              </a:fillRef>
+              <a:effectRef idx="0">
+                <a:schemeClr val="accent1"/>
+              </a:effectRef>
+              <a:fontRef idx="minor">
+                <a:schemeClr val="tx1"/>
+              </a:fontRef>
+            </p:style>
+          </p:cxnSp>
+          <p:cxnSp>
+            <p:nvCxnSpPr>
+              <p:cNvPr id="122" name="Straight Connector 121"/>
+              <p:cNvCxnSpPr>
+                <a:stCxn id="118" idx="7"/>
+              </p:cNvCxnSpPr>
+              <p:nvPr/>
+            </p:nvCxnSpPr>
+            <p:spPr>
+              <a:xfrm flipH="1">
+                <a:off x="4795838" y="3980849"/>
+                <a:ext cx="936990" cy="834039"/>
+              </a:xfrm>
+              <a:prstGeom prst="line">
+                <a:avLst/>
+              </a:prstGeom>
+            </p:spPr>
+            <p:style>
+              <a:lnRef idx="1">
+                <a:schemeClr val="accent1"/>
+              </a:lnRef>
+              <a:fillRef idx="0">
+                <a:schemeClr val="accent1"/>
+              </a:fillRef>
+              <a:effectRef idx="0">
+                <a:schemeClr val="accent1"/>
+              </a:effectRef>
+              <a:fontRef idx="minor">
+                <a:schemeClr val="tx1"/>
+              </a:fontRef>
+            </p:style>
+          </p:cxnSp>
+          <p:cxnSp>
+            <p:nvCxnSpPr>
+              <p:cNvPr id="125" name="Straight Connector 124"/>
+              <p:cNvCxnSpPr/>
+              <p:nvPr/>
+            </p:nvCxnSpPr>
+            <p:spPr>
+              <a:xfrm flipH="1">
+                <a:off x="4795838" y="3694188"/>
+                <a:ext cx="463481" cy="1120700"/>
+              </a:xfrm>
+              <a:prstGeom prst="line">
+                <a:avLst/>
+              </a:prstGeom>
+            </p:spPr>
+            <p:style>
+              <a:lnRef idx="1">
+                <a:schemeClr val="accent1"/>
+              </a:lnRef>
+              <a:fillRef idx="0">
+                <a:schemeClr val="accent1"/>
+              </a:fillRef>
+              <a:effectRef idx="0">
+                <a:schemeClr val="accent1"/>
+              </a:effectRef>
+              <a:fontRef idx="minor">
+                <a:schemeClr val="tx1"/>
+              </a:fontRef>
+            </p:style>
+          </p:cxnSp>
+          <p:cxnSp>
+            <p:nvCxnSpPr>
+              <p:cNvPr id="128" name="Straight Connector 127"/>
+              <p:cNvCxnSpPr/>
+              <p:nvPr/>
+            </p:nvCxnSpPr>
+            <p:spPr>
+              <a:xfrm flipH="1">
+                <a:off x="4795838" y="3636169"/>
+                <a:ext cx="247877" cy="1178719"/>
+              </a:xfrm>
+              <a:prstGeom prst="line">
+                <a:avLst/>
+              </a:prstGeom>
+            </p:spPr>
+            <p:style>
+              <a:lnRef idx="1">
+                <a:schemeClr val="accent1"/>
+              </a:lnRef>
+              <a:fillRef idx="0">
+                <a:schemeClr val="accent1"/>
+              </a:fillRef>
+              <a:effectRef idx="0">
+                <a:schemeClr val="accent1"/>
+              </a:effectRef>
+              <a:fontRef idx="minor">
+                <a:schemeClr val="tx1"/>
+              </a:fontRef>
+            </p:style>
+          </p:cxnSp>
+          <p:cxnSp>
+            <p:nvCxnSpPr>
+              <p:cNvPr id="134" name="Straight Connector 133"/>
+              <p:cNvCxnSpPr/>
+              <p:nvPr/>
+            </p:nvCxnSpPr>
+            <p:spPr>
+              <a:xfrm flipH="1">
+                <a:off x="4795838" y="3802592"/>
+                <a:ext cx="708307" cy="1012296"/>
+              </a:xfrm>
+              <a:prstGeom prst="line">
+                <a:avLst/>
+              </a:prstGeom>
+            </p:spPr>
+            <p:style>
+              <a:lnRef idx="1">
+                <a:schemeClr val="accent1"/>
+              </a:lnRef>
+              <a:fillRef idx="0">
+                <a:schemeClr val="accent1"/>
+              </a:fillRef>
+              <a:effectRef idx="0">
+                <a:schemeClr val="accent1"/>
+              </a:effectRef>
+              <a:fontRef idx="minor">
+                <a:schemeClr val="tx1"/>
+              </a:fontRef>
+            </p:style>
+          </p:cxnSp>
+          <p:cxnSp>
+            <p:nvCxnSpPr>
+              <p:cNvPr id="139" name="Straight Connector 138"/>
+              <p:cNvCxnSpPr/>
+              <p:nvPr/>
+            </p:nvCxnSpPr>
+            <p:spPr>
+              <a:xfrm flipH="1">
+                <a:off x="4795838" y="3659981"/>
+                <a:ext cx="353238" cy="1154907"/>
+              </a:xfrm>
+              <a:prstGeom prst="line">
+                <a:avLst/>
+              </a:prstGeom>
+            </p:spPr>
+            <p:style>
+              <a:lnRef idx="1">
+                <a:schemeClr val="accent1"/>
+              </a:lnRef>
+              <a:fillRef idx="0">
+                <a:schemeClr val="accent1"/>
+              </a:fillRef>
+              <a:effectRef idx="0">
+                <a:schemeClr val="accent1"/>
+              </a:effectRef>
+              <a:fontRef idx="minor">
+                <a:schemeClr val="tx1"/>
+              </a:fontRef>
+            </p:style>
+          </p:cxnSp>
+          <p:cxnSp>
+            <p:nvCxnSpPr>
+              <p:cNvPr id="142" name="Straight Connector 141"/>
+              <p:cNvCxnSpPr/>
+              <p:nvPr/>
+            </p:nvCxnSpPr>
+            <p:spPr>
+              <a:xfrm flipH="1">
+                <a:off x="4795838" y="3743325"/>
+                <a:ext cx="591570" cy="1071563"/>
+              </a:xfrm>
+              <a:prstGeom prst="line">
+                <a:avLst/>
+              </a:prstGeom>
+            </p:spPr>
+            <p:style>
+              <a:lnRef idx="1">
+                <a:schemeClr val="accent1"/>
+              </a:lnRef>
+              <a:fillRef idx="0">
+                <a:schemeClr val="accent1"/>
+              </a:fillRef>
+              <a:effectRef idx="0">
+                <a:schemeClr val="accent1"/>
+              </a:effectRef>
+              <a:fontRef idx="minor">
+                <a:schemeClr val="tx1"/>
+              </a:fontRef>
+            </p:style>
+          </p:cxnSp>
+          <p:cxnSp>
+            <p:nvCxnSpPr>
+              <p:cNvPr id="145" name="Straight Connector 144"/>
+              <p:cNvCxnSpPr/>
+              <p:nvPr/>
+            </p:nvCxnSpPr>
+            <p:spPr>
+              <a:xfrm flipH="1">
+                <a:off x="4795838" y="3881438"/>
+                <a:ext cx="818550" cy="933450"/>
+              </a:xfrm>
+              <a:prstGeom prst="line">
+                <a:avLst/>
+              </a:prstGeom>
+            </p:spPr>
+            <p:style>
+              <a:lnRef idx="1">
+                <a:schemeClr val="accent1"/>
+              </a:lnRef>
+              <a:fillRef idx="0">
+                <a:schemeClr val="accent1"/>
+              </a:fillRef>
+              <a:effectRef idx="0">
+                <a:schemeClr val="accent1"/>
+              </a:effectRef>
+              <a:fontRef idx="minor">
+                <a:schemeClr val="tx1"/>
+              </a:fontRef>
+            </p:style>
+          </p:cxnSp>
+          <p:cxnSp>
+            <p:nvCxnSpPr>
+              <p:cNvPr id="148" name="Straight Connector 147"/>
+              <p:cNvCxnSpPr>
+                <a:stCxn id="118" idx="0"/>
+              </p:cNvCxnSpPr>
+              <p:nvPr/>
+            </p:nvCxnSpPr>
+            <p:spPr>
+              <a:xfrm flipH="1">
+                <a:off x="4795838" y="3614679"/>
+                <a:ext cx="25722" cy="1200209"/>
+              </a:xfrm>
+              <a:prstGeom prst="line">
+                <a:avLst/>
+              </a:prstGeom>
+            </p:spPr>
+            <p:style>
+              <a:lnRef idx="1">
+                <a:schemeClr val="accent1"/>
+              </a:lnRef>
+              <a:fillRef idx="0">
+                <a:schemeClr val="accent1"/>
+              </a:fillRef>
+              <a:effectRef idx="0">
+                <a:schemeClr val="accent1"/>
+              </a:effectRef>
+              <a:fontRef idx="minor">
+                <a:schemeClr val="tx1"/>
+              </a:fontRef>
+            </p:style>
+          </p:cxnSp>
+          <p:cxnSp>
+            <p:nvCxnSpPr>
+              <p:cNvPr id="153" name="Straight Connector 152"/>
+              <p:cNvCxnSpPr/>
+              <p:nvPr/>
+            </p:nvCxnSpPr>
+            <p:spPr>
+              <a:xfrm flipH="1">
+                <a:off x="4795838" y="3614678"/>
+                <a:ext cx="134405" cy="1200210"/>
+              </a:xfrm>
+              <a:prstGeom prst="line">
+                <a:avLst/>
+              </a:prstGeom>
+            </p:spPr>
+            <p:style>
+              <a:lnRef idx="1">
+                <a:schemeClr val="accent1"/>
+              </a:lnRef>
+              <a:fillRef idx="0">
+                <a:schemeClr val="accent1"/>
+              </a:fillRef>
+              <a:effectRef idx="0">
+                <a:schemeClr val="accent1"/>
+              </a:effectRef>
+              <a:fontRef idx="minor">
+                <a:schemeClr val="tx1"/>
+              </a:fontRef>
+            </p:style>
+          </p:cxnSp>
+        </p:grpSp>
+      </p:grpSp>
+      <p:sp>
+        <p:nvSpPr>
+          <p:cNvPr id="185" name="TextBox 184"/>
+          <p:cNvSpPr txBox="1"/>
+          <p:nvPr/>
+        </p:nvSpPr>
+        <p:spPr>
+          <a:xfrm>
+            <a:off x="1034824" y="5653767"/>
+            <a:ext cx="9833882" cy="954107"/>
+          </a:xfrm>
+          <a:prstGeom prst="rect">
+            <a:avLst/>
+          </a:prstGeom>
+          <a:noFill/>
+        </p:spPr>
+        <p:txBody>
+          <a:bodyPr wrap="square" rtlCol="0">
+            <a:spAutoFit/>
+          </a:bodyPr>
+          <a:lstStyle/>
+          <a:p>
+            <a:r>
+              <a:rPr lang="en-GB" sz="2800" dirty="0" smtClean="0"/>
+              <a:t>Optimization possible – Convert one cut coordinates  into another cut coordinates</a:t>
+            </a:r>
+            <a:endParaRPr lang="en-GB" sz="2800" dirty="0"/>
+          </a:p>
+        </p:txBody>
+      </p:sp>
+    </p:spTree>
+    <p:extLst>
+      <p:ext uri="{BB962C8B-B14F-4D97-AF65-F5344CB8AC3E}">
+        <p14:creationId xmlns:p14="http://schemas.microsoft.com/office/powerpoint/2010/main" val="3505640683"/>
+      </p:ext>
+    </p:extLst>
+  </p:cSld>
+  <p:clrMapOvr>
+    <a:masterClrMapping/>
+  </p:clrMapOvr>
+  <p:timing>
+    <p:tnLst>
+      <p:par>
+        <p:cTn id="1" dur="indefinite" restart="never" nodeType="tmRoot"/>
+      </p:par>
+    </p:tnLst>
+  </p:timing>
+</p:sld>
+</file>
+
+<file path=ppt/slides/slide11.xml><?xml version="1.0" encoding="utf-8"?>
+<p:sld xmlns:a="http://schemas.openxmlformats.org/drawingml/2006/main" xmlns:r="http://schemas.openxmlformats.org/officeDocument/2006/relationships" xmlns:p="http://schemas.openxmlformats.org/presentationml/2006/main">
+  <p:cSld>
+    <p:spTree>
+      <p:nvGrpSpPr>
+        <p:cNvPr id="1" name=""/>
+        <p:cNvGrpSpPr/>
+        <p:nvPr/>
+      </p:nvGrpSpPr>
+      <p:grpSpPr>
+        <a:xfrm>
+          <a:off x="0" y="0"/>
+          <a:ext cx="0" cy="0"/>
+          <a:chOff x="0" y="0"/>
+          <a:chExt cx="0" cy="0"/>
+        </a:xfrm>
+      </p:grpSpPr>
+      <p:sp>
+        <p:nvSpPr>
+          <p:cNvPr id="2" name="Title 1"/>
+          <p:cNvSpPr>
+            <a:spLocks noGrp="1"/>
+          </p:cNvSpPr>
+          <p:nvPr>
+            <p:ph type="title"/>
+          </p:nvPr>
+        </p:nvSpPr>
         <p:spPr>
           <a:xfrm>
             <a:off x="823505" y="29383"/>
@@ -5485,19 +7786,7 @@
           <a:p>
             <a:r>
               <a:rPr lang="en-GB" sz="2800" dirty="0" smtClean="0"/>
-              <a:t>Current implementation: </a:t>
-            </a:r>
-            <a:r>
-              <a:rPr lang="en-GB" sz="2800" dirty="0" smtClean="0"/>
-              <a:t>Choose </a:t>
-            </a:r>
-            <a:r>
-              <a:rPr lang="en-GB" sz="2800" dirty="0" smtClean="0"/>
-              <a:t>within New Ranges + </a:t>
-            </a:r>
-            <a:r>
-              <a:rPr lang="en-GB" sz="2800" dirty="0" smtClean="0"/>
-              <a:t>Halo</a:t>
+              <a:t>Current implementation: Choose within New Ranges + Halo</a:t>
             </a:r>
           </a:p>
           <a:p>
@@ -5509,11 +7798,6 @@
               </a:rPr>
               <a:t>https://github.com/pace-neutrons/Horace/blob/master/horace_core/sqw/coord_transform/%40projection/private/get_irange_rot.m</a:t>
             </a:r>
-            <a:endParaRPr lang="en-GB" sz="1100" u="sng" dirty="0">
-              <a:solidFill>
-                <a:srgbClr val="0070C0"/>
-              </a:solidFill>
-            </a:endParaRPr>
           </a:p>
         </p:txBody>
       </p:sp>
@@ -10410,7 +12694,7 @@
 </p:sld>
 </file>
 
-<file path=ppt/slides/slide11.xml><?xml version="1.0" encoding="utf-8"?>
+<file path=ppt/slides/slide12.xml><?xml version="1.0" encoding="utf-8"?>
 <p:sld xmlns:a="http://schemas.openxmlformats.org/drawingml/2006/main" xmlns:r="http://schemas.openxmlformats.org/officeDocument/2006/relationships" xmlns:p="http://schemas.openxmlformats.org/presentationml/2006/main">
   <p:cSld>
     <p:spTree>
@@ -17167,7 +19451,7 @@
 </p:sld>
 </file>
 
-<file path=ppt/slides/slide12.xml><?xml version="1.0" encoding="utf-8"?>
+<file path=ppt/slides/slide13.xml><?xml version="1.0" encoding="utf-8"?>
 <p:sld xmlns:a="http://schemas.openxmlformats.org/drawingml/2006/main" xmlns:r="http://schemas.openxmlformats.org/officeDocument/2006/relationships" xmlns:p="http://schemas.openxmlformats.org/presentationml/2006/main">
   <p:cSld>
     <p:spTree>
@@ -18882,7 +21166,7 @@
 </p:sld>
 </file>
 
-<file path=ppt/slides/slide13.xml><?xml version="1.0" encoding="utf-8"?>
+<file path=ppt/slides/slide14.xml><?xml version="1.0" encoding="utf-8"?>
 <p:sld xmlns:a="http://schemas.openxmlformats.org/drawingml/2006/main" xmlns:r="http://schemas.openxmlformats.org/officeDocument/2006/relationships" xmlns:p="http://schemas.openxmlformats.org/presentationml/2006/main">
   <p:cSld>
     <p:spTree>
@@ -19516,7 +21800,7 @@
 </p:sld>
 </file>
 
-<file path=ppt/slides/slide14.xml><?xml version="1.0" encoding="utf-8"?>
+<file path=ppt/slides/slide15.xml><?xml version="1.0" encoding="utf-8"?>
 <p:sld xmlns:a="http://schemas.openxmlformats.org/drawingml/2006/main" xmlns:r="http://schemas.openxmlformats.org/officeDocument/2006/relationships" xmlns:p="http://schemas.openxmlformats.org/presentationml/2006/main">
   <p:cSld>
     <p:spTree>
@@ -19980,7 +22264,7 @@
 </p:sld>
 </file>
 
-<file path=ppt/slides/slide15.xml><?xml version="1.0" encoding="utf-8"?>
+<file path=ppt/slides/slide16.xml><?xml version="1.0" encoding="utf-8"?>
 <p:sld xmlns:a="http://schemas.openxmlformats.org/drawingml/2006/main" xmlns:r="http://schemas.openxmlformats.org/officeDocument/2006/relationships" xmlns:p="http://schemas.openxmlformats.org/presentationml/2006/main">
   <p:cSld>
     <p:spTree>
@@ -27645,11 +29929,7 @@
           <a:p>
             <a:r>
               <a:rPr lang="en-GB" dirty="0" smtClean="0"/>
-              <a:t>Select </a:t>
-            </a:r>
-            <a:r>
-              <a:rPr lang="en-GB" dirty="0" smtClean="0"/>
-              <a:t>correspondent pixels</a:t>
+              <a:t>Select correspondent pixels</a:t>
             </a:r>
           </a:p>
           <a:p>
@@ -27661,7 +29941,6 @@
               <a:rPr lang="en-GB" dirty="0" smtClean="0"/>
               <a:t> pixels </a:t>
             </a:r>
-            <a:endParaRPr lang="en-GB" dirty="0" smtClean="0"/>
           </a:p>
           <a:p>
             <a:r>
@@ -27772,7 +30051,7 @@
       </p:grpSpPr>
       <p:pic>
         <p:nvPicPr>
-          <p:cNvPr id="7" name="Picture 6"/>
+          <p:cNvPr id="5" name="Picture 4"/>
           <p:cNvPicPr>
             <a:picLocks noChangeAspect="1"/>
           </p:cNvPicPr>
@@ -27786,7 +30065,7 @@
         </p:blipFill>
         <p:spPr>
           <a:xfrm>
-            <a:off x="1825096" y="1912934"/>
+            <a:off x="1596495" y="1895475"/>
             <a:ext cx="10353675" cy="4962525"/>
           </a:xfrm>
           <a:prstGeom prst="rect">
@@ -27857,7 +30136,7 @@
         </p:blipFill>
         <p:spPr>
           <a:xfrm>
-            <a:off x="275696" y="1557867"/>
+            <a:off x="191029" y="1380067"/>
             <a:ext cx="1647032" cy="1193799"/>
           </a:xfrm>
           <a:prstGeom prst="rect">
@@ -27873,7 +30152,7 @@
         </p:nvSpPr>
         <p:spPr>
           <a:xfrm>
-            <a:off x="7301971" y="3426356"/>
+            <a:off x="6887105" y="3392489"/>
             <a:ext cx="3069771" cy="870857"/>
           </a:xfrm>
           <a:prstGeom prst="rect">
@@ -27918,6 +30197,281 @@
                 <a:schemeClr val="tx1"/>
               </a:solidFill>
             </a:endParaRPr>
+          </a:p>
+        </p:txBody>
+      </p:sp>
+    </p:spTree>
+    <p:extLst>
+      <p:ext uri="{BB962C8B-B14F-4D97-AF65-F5344CB8AC3E}">
+        <p14:creationId xmlns:p14="http://schemas.microsoft.com/office/powerpoint/2010/main" val="704558027"/>
+      </p:ext>
+    </p:extLst>
+  </p:cSld>
+  <p:clrMapOvr>
+    <a:masterClrMapping/>
+  </p:clrMapOvr>
+  <p:timing>
+    <p:tnLst>
+      <p:par>
+        <p:cTn id="1" dur="indefinite" restart="never" nodeType="tmRoot"/>
+      </p:par>
+    </p:tnLst>
+  </p:timing>
+</p:sld>
+</file>
+
+<file path=ppt/slides/slide6.xml><?xml version="1.0" encoding="utf-8"?>
+<p:sld xmlns:a="http://schemas.openxmlformats.org/drawingml/2006/main" xmlns:r="http://schemas.openxmlformats.org/officeDocument/2006/relationships" xmlns:p="http://schemas.openxmlformats.org/presentationml/2006/main">
+  <p:cSld>
+    <p:spTree>
+      <p:nvGrpSpPr>
+        <p:cNvPr id="1" name=""/>
+        <p:cNvGrpSpPr/>
+        <p:nvPr/>
+      </p:nvGrpSpPr>
+      <p:grpSpPr>
+        <a:xfrm>
+          <a:off x="0" y="0"/>
+          <a:ext cx="0" cy="0"/>
+          <a:chOff x="0" y="0"/>
+          <a:chExt cx="0" cy="0"/>
+        </a:xfrm>
+      </p:grpSpPr>
+      <p:sp>
+        <p:nvSpPr>
+          <p:cNvPr id="2" name="Title 1"/>
+          <p:cNvSpPr>
+            <a:spLocks noGrp="1"/>
+          </p:cNvSpPr>
+          <p:nvPr>
+            <p:ph type="title"/>
+          </p:nvPr>
+        </p:nvSpPr>
+        <p:spPr>
+          <a:xfrm>
+            <a:off x="838200" y="365125"/>
+            <a:ext cx="10515600" cy="1252008"/>
+          </a:xfrm>
+        </p:spPr>
+        <p:txBody>
+          <a:bodyPr>
+            <a:normAutofit fontScale="90000"/>
+          </a:bodyPr>
+          <a:lstStyle/>
+          <a:p>
+            <a:pPr algn="ctr"/>
+            <a:r>
+              <a:rPr lang="en-GB" dirty="0" err="1" smtClean="0"/>
+              <a:t>pix</a:t>
+            </a:r>
+            <a:r>
+              <a:rPr lang="en-GB" dirty="0" err="1" smtClean="0"/>
+              <a:t>_controller</a:t>
+            </a:r>
+            <a:r>
+              <a:rPr lang="en-GB" dirty="0" smtClean="0"/>
+              <a:t> responsible for finding pixels, contributing into bins</a:t>
+            </a:r>
+            <a:br>
+              <a:rPr lang="en-GB" dirty="0" smtClean="0"/>
+            </a:br>
+            <a:r>
+              <a:rPr lang="en-GB" sz="2700" i="1" dirty="0" smtClean="0"/>
+              <a:t>(experimental)</a:t>
+            </a:r>
+            <a:endParaRPr lang="en-GB" sz="2700" i="1" dirty="0"/>
+          </a:p>
+        </p:txBody>
+      </p:sp>
+      <p:sp>
+        <p:nvSpPr>
+          <p:cNvPr id="6" name="Rectangle 5"/>
+          <p:cNvSpPr/>
+          <p:nvPr/>
+        </p:nvSpPr>
+        <p:spPr>
+          <a:xfrm>
+            <a:off x="1016000" y="2993492"/>
+            <a:ext cx="2641600" cy="1100667"/>
+          </a:xfrm>
+          <a:prstGeom prst="rect">
+            <a:avLst/>
+          </a:prstGeom>
+        </p:spPr>
+        <p:style>
+          <a:lnRef idx="2">
+            <a:schemeClr val="accent1">
+              <a:shade val="50000"/>
+            </a:schemeClr>
+          </a:lnRef>
+          <a:fillRef idx="1">
+            <a:schemeClr val="accent1"/>
+          </a:fillRef>
+          <a:effectRef idx="0">
+            <a:schemeClr val="accent1"/>
+          </a:effectRef>
+          <a:fontRef idx="minor">
+            <a:schemeClr val="lt1"/>
+          </a:fontRef>
+        </p:style>
+        <p:txBody>
+          <a:bodyPr rtlCol="0" anchor="ctr"/>
+          <a:lstStyle/>
+          <a:p>
+            <a:pPr algn="ctr"/>
+            <a:r>
+              <a:rPr lang="en-GB" dirty="0" smtClean="0"/>
+              <a:t>Select bins</a:t>
+            </a:r>
+            <a:endParaRPr lang="en-GB" dirty="0"/>
+          </a:p>
+        </p:txBody>
+      </p:sp>
+      <p:pic>
+        <p:nvPicPr>
+          <p:cNvPr id="8" name="Picture 7"/>
+          <p:cNvPicPr>
+            <a:picLocks noChangeAspect="1"/>
+          </p:cNvPicPr>
+          <p:nvPr/>
+        </p:nvPicPr>
+        <p:blipFill>
+          <a:blip r:embed="rId2"/>
+          <a:stretch>
+            <a:fillRect/>
+          </a:stretch>
+        </p:blipFill>
+        <p:spPr>
+          <a:xfrm>
+            <a:off x="4857750" y="2786588"/>
+            <a:ext cx="2476500" cy="1514475"/>
+          </a:xfrm>
+          <a:prstGeom prst="rect">
+            <a:avLst/>
+          </a:prstGeom>
+        </p:spPr>
+      </p:pic>
+      <p:sp>
+        <p:nvSpPr>
+          <p:cNvPr id="9" name="Rectangle 8"/>
+          <p:cNvSpPr/>
+          <p:nvPr/>
+        </p:nvSpPr>
+        <p:spPr>
+          <a:xfrm>
+            <a:off x="8686820" y="2993492"/>
+            <a:ext cx="2641600" cy="1100667"/>
+          </a:xfrm>
+          <a:prstGeom prst="rect">
+            <a:avLst/>
+          </a:prstGeom>
+        </p:spPr>
+        <p:style>
+          <a:lnRef idx="2">
+            <a:schemeClr val="accent1">
+              <a:shade val="50000"/>
+            </a:schemeClr>
+          </a:lnRef>
+          <a:fillRef idx="1">
+            <a:schemeClr val="accent1"/>
+          </a:fillRef>
+          <a:effectRef idx="0">
+            <a:schemeClr val="accent1"/>
+          </a:effectRef>
+          <a:fontRef idx="minor">
+            <a:schemeClr val="lt1"/>
+          </a:fontRef>
+        </p:style>
+        <p:txBody>
+          <a:bodyPr rtlCol="0" anchor="ctr"/>
+          <a:lstStyle/>
+          <a:p>
+            <a:pPr algn="ctr"/>
+            <a:r>
+              <a:rPr lang="en-GB" dirty="0" smtClean="0"/>
+              <a:t>get pixels for bins</a:t>
+            </a:r>
+            <a:endParaRPr lang="en-GB" dirty="0"/>
+          </a:p>
+        </p:txBody>
+      </p:sp>
+      <p:sp>
+        <p:nvSpPr>
+          <p:cNvPr id="10" name="Right Arrow 9"/>
+          <p:cNvSpPr/>
+          <p:nvPr/>
+        </p:nvSpPr>
+        <p:spPr>
+          <a:xfrm>
+            <a:off x="3868208" y="3370258"/>
+            <a:ext cx="778934" cy="347134"/>
+          </a:xfrm>
+          <a:prstGeom prst="rightArrow">
+            <a:avLst/>
+          </a:prstGeom>
+        </p:spPr>
+        <p:style>
+          <a:lnRef idx="2">
+            <a:schemeClr val="accent1">
+              <a:shade val="50000"/>
+            </a:schemeClr>
+          </a:lnRef>
+          <a:fillRef idx="1">
+            <a:schemeClr val="accent1"/>
+          </a:fillRef>
+          <a:effectRef idx="0">
+            <a:schemeClr val="accent1"/>
+          </a:effectRef>
+          <a:fontRef idx="minor">
+            <a:schemeClr val="lt1"/>
+          </a:fontRef>
+        </p:style>
+        <p:txBody>
+          <a:bodyPr rtlCol="0" anchor="ctr"/>
+          <a:lstStyle/>
+          <a:p>
+            <a:pPr algn="ctr"/>
+            <a:endParaRPr lang="en-GB"/>
+          </a:p>
+        </p:txBody>
+      </p:sp>
+      <p:sp>
+        <p:nvSpPr>
+          <p:cNvPr id="11" name="Right Arrow 10"/>
+          <p:cNvSpPr/>
+          <p:nvPr/>
+        </p:nvSpPr>
+        <p:spPr>
+          <a:xfrm>
+            <a:off x="7544858" y="3370258"/>
+            <a:ext cx="778934" cy="347134"/>
+          </a:xfrm>
+          <a:prstGeom prst="rightArrow">
+            <a:avLst/>
+          </a:prstGeom>
+        </p:spPr>
+        <p:style>
+          <a:lnRef idx="2">
+            <a:schemeClr val="accent1">
+              <a:shade val="50000"/>
+            </a:schemeClr>
+          </a:lnRef>
+          <a:fillRef idx="1">
+            <a:schemeClr val="accent1"/>
+          </a:fillRef>
+          <a:effectRef idx="0">
+            <a:schemeClr val="accent1"/>
+          </a:effectRef>
+          <a:fontRef idx="minor">
+            <a:schemeClr val="lt1"/>
+          </a:fontRef>
+        </p:style>
+        <p:txBody>
+          <a:bodyPr rtlCol="0" anchor="ctr"/>
+          <a:lstStyle/>
+          <a:p>
+            <a:pPr algn="ctr"/>
+            <a:endParaRPr lang="en-GB"/>
           </a:p>
         </p:txBody>
       </p:sp>
@@ -27941,7 +30495,7 @@
 </p:sld>
 </file>
 
-<file path=ppt/slides/slide6.xml><?xml version="1.0" encoding="utf-8"?>
+<file path=ppt/slides/slide7.xml><?xml version="1.0" encoding="utf-8"?>
 <p:sld xmlns:a="http://schemas.openxmlformats.org/drawingml/2006/main" xmlns:r="http://schemas.openxmlformats.org/officeDocument/2006/relationships" xmlns:p="http://schemas.openxmlformats.org/presentationml/2006/main">
   <p:cSld>
     <p:spTree>
@@ -28025,7 +30579,7 @@
 </p:sld>
 </file>
 
-<file path=ppt/slides/slide7.xml><?xml version="1.0" encoding="utf-8"?>
+<file path=ppt/slides/slide8.xml><?xml version="1.0" encoding="utf-8"?>
 <p:sld xmlns:a="http://schemas.openxmlformats.org/drawingml/2006/main" xmlns:r="http://schemas.openxmlformats.org/officeDocument/2006/relationships" xmlns:p="http://schemas.openxmlformats.org/presentationml/2006/main">
   <p:cSld>
     <p:spTree>
@@ -28270,11 +30824,7 @@
             </a:r>
             <a:r>
               <a:rPr lang="en-GB" dirty="0" smtClean="0"/>
-              <a:t>axis_block0</a:t>
-            </a:r>
-            <a:r>
-              <a:rPr lang="en-GB" dirty="0" smtClean="0"/>
-              <a:t>)</a:t>
+              <a:t>axis_block0)</a:t>
             </a:r>
           </a:p>
           <a:p>
@@ -28831,7 +31381,7 @@
 </p:sld>
 </file>
 
-<file path=ppt/slides/slide8.xml><?xml version="1.0" encoding="utf-8"?>
+<file path=ppt/slides/slide9.xml><?xml version="1.0" encoding="utf-8"?>
 <p:sld xmlns:a="http://schemas.openxmlformats.org/drawingml/2006/main" xmlns:r="http://schemas.openxmlformats.org/officeDocument/2006/relationships" xmlns:p="http://schemas.openxmlformats.org/presentationml/2006/main">
   <p:cSld>
     <p:spTree>
@@ -29353,2306 +31903,6 @@
     <p:extLst>
       <p:ext uri="{BB962C8B-B14F-4D97-AF65-F5344CB8AC3E}">
         <p14:creationId xmlns:p14="http://schemas.microsoft.com/office/powerpoint/2010/main" val="2095935765"/>
-      </p:ext>
-    </p:extLst>
-  </p:cSld>
-  <p:clrMapOvr>
-    <a:masterClrMapping/>
-  </p:clrMapOvr>
-  <p:timing>
-    <p:tnLst>
-      <p:par>
-        <p:cTn id="1" dur="indefinite" restart="never" nodeType="tmRoot"/>
-      </p:par>
-    </p:tnLst>
-  </p:timing>
-</p:sld>
-</file>
-
-<file path=ppt/slides/slide9.xml><?xml version="1.0" encoding="utf-8"?>
-<p:sld xmlns:a="http://schemas.openxmlformats.org/drawingml/2006/main" xmlns:r="http://schemas.openxmlformats.org/officeDocument/2006/relationships" xmlns:p="http://schemas.openxmlformats.org/presentationml/2006/main">
-  <p:cSld>
-    <p:spTree>
-      <p:nvGrpSpPr>
-        <p:cNvPr id="1" name=""/>
-        <p:cNvGrpSpPr/>
-        <p:nvPr/>
-      </p:nvGrpSpPr>
-      <p:grpSpPr>
-        <a:xfrm>
-          <a:off x="0" y="0"/>
-          <a:ext cx="0" cy="0"/>
-          <a:chOff x="0" y="0"/>
-          <a:chExt cx="0" cy="0"/>
-        </a:xfrm>
-      </p:grpSpPr>
-      <p:sp>
-        <p:nvSpPr>
-          <p:cNvPr id="2" name="Title 1"/>
-          <p:cNvSpPr>
-            <a:spLocks noGrp="1"/>
-          </p:cNvSpPr>
-          <p:nvPr>
-            <p:ph type="title"/>
-          </p:nvPr>
-        </p:nvSpPr>
-        <p:spPr/>
-        <p:txBody>
-          <a:bodyPr>
-            <a:normAutofit/>
-          </a:bodyPr>
-          <a:lstStyle/>
-          <a:p>
-            <a:r>
-              <a:rPr lang="en-GB" dirty="0" smtClean="0"/>
-              <a:t>1) Generic operation – convert both grids into Crystal Cartesian</a:t>
-            </a:r>
-            <a:endParaRPr lang="en-GB" dirty="0"/>
-          </a:p>
-        </p:txBody>
-      </p:sp>
-      <p:grpSp>
-        <p:nvGrpSpPr>
-          <p:cNvPr id="101" name="Group 100"/>
-          <p:cNvGrpSpPr/>
-          <p:nvPr/>
-        </p:nvGrpSpPr>
-        <p:grpSpPr>
-          <a:xfrm>
-            <a:off x="2318657" y="1919667"/>
-            <a:ext cx="5442858" cy="1369634"/>
-            <a:chOff x="2318657" y="2294317"/>
-            <a:chExt cx="5442858" cy="1369634"/>
-          </a:xfrm>
-        </p:grpSpPr>
-        <p:sp>
-          <p:nvSpPr>
-            <p:cNvPr id="6" name="Rectangle 5"/>
-            <p:cNvSpPr/>
-            <p:nvPr/>
-          </p:nvSpPr>
-          <p:spPr>
-            <a:xfrm>
-              <a:off x="2318657" y="2294317"/>
-              <a:ext cx="5442858" cy="1369633"/>
-            </a:xfrm>
-            <a:prstGeom prst="rect">
-              <a:avLst/>
-            </a:prstGeom>
-            <a:noFill/>
-            <a:ln>
-              <a:solidFill>
-                <a:schemeClr val="tx1"/>
-              </a:solidFill>
-            </a:ln>
-          </p:spPr>
-          <p:style>
-            <a:lnRef idx="2">
-              <a:schemeClr val="accent1">
-                <a:shade val="50000"/>
-              </a:schemeClr>
-            </a:lnRef>
-            <a:fillRef idx="1">
-              <a:schemeClr val="accent1"/>
-            </a:fillRef>
-            <a:effectRef idx="0">
-              <a:schemeClr val="accent1"/>
-            </a:effectRef>
-            <a:fontRef idx="minor">
-              <a:schemeClr val="lt1"/>
-            </a:fontRef>
-          </p:style>
-          <p:txBody>
-            <a:bodyPr rtlCol="0" anchor="ctr"/>
-            <a:lstStyle/>
-            <a:p>
-              <a:pPr algn="ctr"/>
-              <a:endParaRPr lang="en-GB"/>
-            </a:p>
-          </p:txBody>
-        </p:sp>
-        <p:cxnSp>
-          <p:nvCxnSpPr>
-            <p:cNvPr id="8" name="Straight Connector 7"/>
-            <p:cNvCxnSpPr/>
-            <p:nvPr/>
-          </p:nvCxnSpPr>
-          <p:spPr>
-            <a:xfrm>
-              <a:off x="2318657" y="2447925"/>
-              <a:ext cx="5442858" cy="4763"/>
-            </a:xfrm>
-            <a:prstGeom prst="line">
-              <a:avLst/>
-            </a:prstGeom>
-          </p:spPr>
-          <p:style>
-            <a:lnRef idx="1">
-              <a:schemeClr val="accent1"/>
-            </a:lnRef>
-            <a:fillRef idx="0">
-              <a:schemeClr val="accent1"/>
-            </a:fillRef>
-            <a:effectRef idx="0">
-              <a:schemeClr val="accent1"/>
-            </a:effectRef>
-            <a:fontRef idx="minor">
-              <a:schemeClr val="tx1"/>
-            </a:fontRef>
-          </p:style>
-        </p:cxnSp>
-        <p:cxnSp>
-          <p:nvCxnSpPr>
-            <p:cNvPr id="11" name="Straight Connector 10"/>
-            <p:cNvCxnSpPr/>
-            <p:nvPr/>
-          </p:nvCxnSpPr>
-          <p:spPr>
-            <a:xfrm>
-              <a:off x="2318657" y="2600325"/>
-              <a:ext cx="5442858" cy="4763"/>
-            </a:xfrm>
-            <a:prstGeom prst="line">
-              <a:avLst/>
-            </a:prstGeom>
-          </p:spPr>
-          <p:style>
-            <a:lnRef idx="1">
-              <a:schemeClr val="accent1"/>
-            </a:lnRef>
-            <a:fillRef idx="0">
-              <a:schemeClr val="accent1"/>
-            </a:fillRef>
-            <a:effectRef idx="0">
-              <a:schemeClr val="accent1"/>
-            </a:effectRef>
-            <a:fontRef idx="minor">
-              <a:schemeClr val="tx1"/>
-            </a:fontRef>
-          </p:style>
-        </p:cxnSp>
-        <p:cxnSp>
-          <p:nvCxnSpPr>
-            <p:cNvPr id="12" name="Straight Connector 11"/>
-            <p:cNvCxnSpPr/>
-            <p:nvPr/>
-          </p:nvCxnSpPr>
-          <p:spPr>
-            <a:xfrm>
-              <a:off x="2318657" y="2752725"/>
-              <a:ext cx="5442858" cy="4763"/>
-            </a:xfrm>
-            <a:prstGeom prst="line">
-              <a:avLst/>
-            </a:prstGeom>
-          </p:spPr>
-          <p:style>
-            <a:lnRef idx="1">
-              <a:schemeClr val="accent1"/>
-            </a:lnRef>
-            <a:fillRef idx="0">
-              <a:schemeClr val="accent1"/>
-            </a:fillRef>
-            <a:effectRef idx="0">
-              <a:schemeClr val="accent1"/>
-            </a:effectRef>
-            <a:fontRef idx="minor">
-              <a:schemeClr val="tx1"/>
-            </a:fontRef>
-          </p:style>
-        </p:cxnSp>
-        <p:cxnSp>
-          <p:nvCxnSpPr>
-            <p:cNvPr id="13" name="Straight Connector 12"/>
-            <p:cNvCxnSpPr/>
-            <p:nvPr/>
-          </p:nvCxnSpPr>
-          <p:spPr>
-            <a:xfrm>
-              <a:off x="2318657" y="2905125"/>
-              <a:ext cx="5442858" cy="4763"/>
-            </a:xfrm>
-            <a:prstGeom prst="line">
-              <a:avLst/>
-            </a:prstGeom>
-          </p:spPr>
-          <p:style>
-            <a:lnRef idx="1">
-              <a:schemeClr val="accent1"/>
-            </a:lnRef>
-            <a:fillRef idx="0">
-              <a:schemeClr val="accent1"/>
-            </a:fillRef>
-            <a:effectRef idx="0">
-              <a:schemeClr val="accent1"/>
-            </a:effectRef>
-            <a:fontRef idx="minor">
-              <a:schemeClr val="tx1"/>
-            </a:fontRef>
-          </p:style>
-        </p:cxnSp>
-        <p:cxnSp>
-          <p:nvCxnSpPr>
-            <p:cNvPr id="14" name="Straight Connector 13"/>
-            <p:cNvCxnSpPr/>
-            <p:nvPr/>
-          </p:nvCxnSpPr>
-          <p:spPr>
-            <a:xfrm>
-              <a:off x="2318657" y="3057525"/>
-              <a:ext cx="5442858" cy="4763"/>
-            </a:xfrm>
-            <a:prstGeom prst="line">
-              <a:avLst/>
-            </a:prstGeom>
-          </p:spPr>
-          <p:style>
-            <a:lnRef idx="1">
-              <a:schemeClr val="accent1"/>
-            </a:lnRef>
-            <a:fillRef idx="0">
-              <a:schemeClr val="accent1"/>
-            </a:fillRef>
-            <a:effectRef idx="0">
-              <a:schemeClr val="accent1"/>
-            </a:effectRef>
-            <a:fontRef idx="minor">
-              <a:schemeClr val="tx1"/>
-            </a:fontRef>
-          </p:style>
-        </p:cxnSp>
-        <p:cxnSp>
-          <p:nvCxnSpPr>
-            <p:cNvPr id="15" name="Straight Connector 14"/>
-            <p:cNvCxnSpPr/>
-            <p:nvPr/>
-          </p:nvCxnSpPr>
-          <p:spPr>
-            <a:xfrm>
-              <a:off x="2318657" y="3209925"/>
-              <a:ext cx="5442858" cy="4763"/>
-            </a:xfrm>
-            <a:prstGeom prst="line">
-              <a:avLst/>
-            </a:prstGeom>
-          </p:spPr>
-          <p:style>
-            <a:lnRef idx="1">
-              <a:schemeClr val="accent1"/>
-            </a:lnRef>
-            <a:fillRef idx="0">
-              <a:schemeClr val="accent1"/>
-            </a:fillRef>
-            <a:effectRef idx="0">
-              <a:schemeClr val="accent1"/>
-            </a:effectRef>
-            <a:fontRef idx="minor">
-              <a:schemeClr val="tx1"/>
-            </a:fontRef>
-          </p:style>
-        </p:cxnSp>
-        <p:cxnSp>
-          <p:nvCxnSpPr>
-            <p:cNvPr id="16" name="Straight Connector 15"/>
-            <p:cNvCxnSpPr/>
-            <p:nvPr/>
-          </p:nvCxnSpPr>
-          <p:spPr>
-            <a:xfrm>
-              <a:off x="2318657" y="3362325"/>
-              <a:ext cx="5442858" cy="4763"/>
-            </a:xfrm>
-            <a:prstGeom prst="line">
-              <a:avLst/>
-            </a:prstGeom>
-          </p:spPr>
-          <p:style>
-            <a:lnRef idx="1">
-              <a:schemeClr val="accent1"/>
-            </a:lnRef>
-            <a:fillRef idx="0">
-              <a:schemeClr val="accent1"/>
-            </a:fillRef>
-            <a:effectRef idx="0">
-              <a:schemeClr val="accent1"/>
-            </a:effectRef>
-            <a:fontRef idx="minor">
-              <a:schemeClr val="tx1"/>
-            </a:fontRef>
-          </p:style>
-        </p:cxnSp>
-        <p:cxnSp>
-          <p:nvCxnSpPr>
-            <p:cNvPr id="17" name="Straight Connector 16"/>
-            <p:cNvCxnSpPr/>
-            <p:nvPr/>
-          </p:nvCxnSpPr>
-          <p:spPr>
-            <a:xfrm>
-              <a:off x="2318657" y="3514725"/>
-              <a:ext cx="5442858" cy="4763"/>
-            </a:xfrm>
-            <a:prstGeom prst="line">
-              <a:avLst/>
-            </a:prstGeom>
-          </p:spPr>
-          <p:style>
-            <a:lnRef idx="1">
-              <a:schemeClr val="accent1"/>
-            </a:lnRef>
-            <a:fillRef idx="0">
-              <a:schemeClr val="accent1"/>
-            </a:fillRef>
-            <a:effectRef idx="0">
-              <a:schemeClr val="accent1"/>
-            </a:effectRef>
-            <a:fontRef idx="minor">
-              <a:schemeClr val="tx1"/>
-            </a:fontRef>
-          </p:style>
-        </p:cxnSp>
-        <p:cxnSp>
-          <p:nvCxnSpPr>
-            <p:cNvPr id="18" name="Straight Connector 17"/>
-            <p:cNvCxnSpPr/>
-            <p:nvPr/>
-          </p:nvCxnSpPr>
-          <p:spPr>
-            <a:xfrm flipH="1" flipV="1">
-              <a:off x="2470150" y="2294317"/>
-              <a:ext cx="1" cy="1369634"/>
-            </a:xfrm>
-            <a:prstGeom prst="line">
-              <a:avLst/>
-            </a:prstGeom>
-          </p:spPr>
-          <p:style>
-            <a:lnRef idx="1">
-              <a:schemeClr val="accent1"/>
-            </a:lnRef>
-            <a:fillRef idx="0">
-              <a:schemeClr val="accent1"/>
-            </a:fillRef>
-            <a:effectRef idx="0">
-              <a:schemeClr val="accent1"/>
-            </a:effectRef>
-            <a:fontRef idx="minor">
-              <a:schemeClr val="tx1"/>
-            </a:fontRef>
-          </p:style>
-        </p:cxnSp>
-        <p:cxnSp>
-          <p:nvCxnSpPr>
-            <p:cNvPr id="22" name="Straight Connector 21"/>
-            <p:cNvCxnSpPr/>
-            <p:nvPr/>
-          </p:nvCxnSpPr>
-          <p:spPr>
-            <a:xfrm flipH="1" flipV="1">
-              <a:off x="2621643" y="2294317"/>
-              <a:ext cx="1" cy="1369634"/>
-            </a:xfrm>
-            <a:prstGeom prst="line">
-              <a:avLst/>
-            </a:prstGeom>
-          </p:spPr>
-          <p:style>
-            <a:lnRef idx="1">
-              <a:schemeClr val="accent1"/>
-            </a:lnRef>
-            <a:fillRef idx="0">
-              <a:schemeClr val="accent1"/>
-            </a:fillRef>
-            <a:effectRef idx="0">
-              <a:schemeClr val="accent1"/>
-            </a:effectRef>
-            <a:fontRef idx="minor">
-              <a:schemeClr val="tx1"/>
-            </a:fontRef>
-          </p:style>
-        </p:cxnSp>
-        <p:cxnSp>
-          <p:nvCxnSpPr>
-            <p:cNvPr id="23" name="Straight Connector 22"/>
-            <p:cNvCxnSpPr/>
-            <p:nvPr/>
-          </p:nvCxnSpPr>
-          <p:spPr>
-            <a:xfrm flipH="1" flipV="1">
-              <a:off x="2773136" y="2294317"/>
-              <a:ext cx="1" cy="1369634"/>
-            </a:xfrm>
-            <a:prstGeom prst="line">
-              <a:avLst/>
-            </a:prstGeom>
-          </p:spPr>
-          <p:style>
-            <a:lnRef idx="1">
-              <a:schemeClr val="accent1"/>
-            </a:lnRef>
-            <a:fillRef idx="0">
-              <a:schemeClr val="accent1"/>
-            </a:fillRef>
-            <a:effectRef idx="0">
-              <a:schemeClr val="accent1"/>
-            </a:effectRef>
-            <a:fontRef idx="minor">
-              <a:schemeClr val="tx1"/>
-            </a:fontRef>
-          </p:style>
-        </p:cxnSp>
-        <p:cxnSp>
-          <p:nvCxnSpPr>
-            <p:cNvPr id="24" name="Straight Connector 23"/>
-            <p:cNvCxnSpPr/>
-            <p:nvPr/>
-          </p:nvCxnSpPr>
-          <p:spPr>
-            <a:xfrm flipH="1" flipV="1">
-              <a:off x="2924629" y="2294317"/>
-              <a:ext cx="1" cy="1369634"/>
-            </a:xfrm>
-            <a:prstGeom prst="line">
-              <a:avLst/>
-            </a:prstGeom>
-          </p:spPr>
-          <p:style>
-            <a:lnRef idx="1">
-              <a:schemeClr val="accent1"/>
-            </a:lnRef>
-            <a:fillRef idx="0">
-              <a:schemeClr val="accent1"/>
-            </a:fillRef>
-            <a:effectRef idx="0">
-              <a:schemeClr val="accent1"/>
-            </a:effectRef>
-            <a:fontRef idx="minor">
-              <a:schemeClr val="tx1"/>
-            </a:fontRef>
-          </p:style>
-        </p:cxnSp>
-        <p:cxnSp>
-          <p:nvCxnSpPr>
-            <p:cNvPr id="25" name="Straight Connector 24"/>
-            <p:cNvCxnSpPr/>
-            <p:nvPr/>
-          </p:nvCxnSpPr>
-          <p:spPr>
-            <a:xfrm flipH="1" flipV="1">
-              <a:off x="3076122" y="2294317"/>
-              <a:ext cx="1" cy="1369634"/>
-            </a:xfrm>
-            <a:prstGeom prst="line">
-              <a:avLst/>
-            </a:prstGeom>
-          </p:spPr>
-          <p:style>
-            <a:lnRef idx="1">
-              <a:schemeClr val="accent1"/>
-            </a:lnRef>
-            <a:fillRef idx="0">
-              <a:schemeClr val="accent1"/>
-            </a:fillRef>
-            <a:effectRef idx="0">
-              <a:schemeClr val="accent1"/>
-            </a:effectRef>
-            <a:fontRef idx="minor">
-              <a:schemeClr val="tx1"/>
-            </a:fontRef>
-          </p:style>
-        </p:cxnSp>
-        <p:cxnSp>
-          <p:nvCxnSpPr>
-            <p:cNvPr id="26" name="Straight Connector 25"/>
-            <p:cNvCxnSpPr/>
-            <p:nvPr/>
-          </p:nvCxnSpPr>
-          <p:spPr>
-            <a:xfrm flipH="1" flipV="1">
-              <a:off x="3227615" y="2294317"/>
-              <a:ext cx="1" cy="1369634"/>
-            </a:xfrm>
-            <a:prstGeom prst="line">
-              <a:avLst/>
-            </a:prstGeom>
-          </p:spPr>
-          <p:style>
-            <a:lnRef idx="1">
-              <a:schemeClr val="accent1"/>
-            </a:lnRef>
-            <a:fillRef idx="0">
-              <a:schemeClr val="accent1"/>
-            </a:fillRef>
-            <a:effectRef idx="0">
-              <a:schemeClr val="accent1"/>
-            </a:effectRef>
-            <a:fontRef idx="minor">
-              <a:schemeClr val="tx1"/>
-            </a:fontRef>
-          </p:style>
-        </p:cxnSp>
-        <p:cxnSp>
-          <p:nvCxnSpPr>
-            <p:cNvPr id="27" name="Straight Connector 26"/>
-            <p:cNvCxnSpPr/>
-            <p:nvPr/>
-          </p:nvCxnSpPr>
-          <p:spPr>
-            <a:xfrm flipH="1" flipV="1">
-              <a:off x="3378200" y="2294317"/>
-              <a:ext cx="1" cy="1369634"/>
-            </a:xfrm>
-            <a:prstGeom prst="line">
-              <a:avLst/>
-            </a:prstGeom>
-          </p:spPr>
-          <p:style>
-            <a:lnRef idx="1">
-              <a:schemeClr val="accent1"/>
-            </a:lnRef>
-            <a:fillRef idx="0">
-              <a:schemeClr val="accent1"/>
-            </a:fillRef>
-            <a:effectRef idx="0">
-              <a:schemeClr val="accent1"/>
-            </a:effectRef>
-            <a:fontRef idx="minor">
-              <a:schemeClr val="tx1"/>
-            </a:fontRef>
-          </p:style>
-        </p:cxnSp>
-        <p:cxnSp>
-          <p:nvCxnSpPr>
-            <p:cNvPr id="28" name="Straight Connector 27"/>
-            <p:cNvCxnSpPr/>
-            <p:nvPr/>
-          </p:nvCxnSpPr>
-          <p:spPr>
-            <a:xfrm flipH="1" flipV="1">
-              <a:off x="3529693" y="2294317"/>
-              <a:ext cx="1" cy="1369634"/>
-            </a:xfrm>
-            <a:prstGeom prst="line">
-              <a:avLst/>
-            </a:prstGeom>
-          </p:spPr>
-          <p:style>
-            <a:lnRef idx="1">
-              <a:schemeClr val="accent1"/>
-            </a:lnRef>
-            <a:fillRef idx="0">
-              <a:schemeClr val="accent1"/>
-            </a:fillRef>
-            <a:effectRef idx="0">
-              <a:schemeClr val="accent1"/>
-            </a:effectRef>
-            <a:fontRef idx="minor">
-              <a:schemeClr val="tx1"/>
-            </a:fontRef>
-          </p:style>
-        </p:cxnSp>
-        <p:cxnSp>
-          <p:nvCxnSpPr>
-            <p:cNvPr id="29" name="Straight Connector 28"/>
-            <p:cNvCxnSpPr/>
-            <p:nvPr/>
-          </p:nvCxnSpPr>
-          <p:spPr>
-            <a:xfrm flipH="1" flipV="1">
-              <a:off x="3681186" y="2294317"/>
-              <a:ext cx="1" cy="1369634"/>
-            </a:xfrm>
-            <a:prstGeom prst="line">
-              <a:avLst/>
-            </a:prstGeom>
-          </p:spPr>
-          <p:style>
-            <a:lnRef idx="1">
-              <a:schemeClr val="accent1"/>
-            </a:lnRef>
-            <a:fillRef idx="0">
-              <a:schemeClr val="accent1"/>
-            </a:fillRef>
-            <a:effectRef idx="0">
-              <a:schemeClr val="accent1"/>
-            </a:effectRef>
-            <a:fontRef idx="minor">
-              <a:schemeClr val="tx1"/>
-            </a:fontRef>
-          </p:style>
-        </p:cxnSp>
-        <p:cxnSp>
-          <p:nvCxnSpPr>
-            <p:cNvPr id="30" name="Straight Connector 29"/>
-            <p:cNvCxnSpPr/>
-            <p:nvPr/>
-          </p:nvCxnSpPr>
-          <p:spPr>
-            <a:xfrm flipH="1" flipV="1">
-              <a:off x="3832679" y="2294317"/>
-              <a:ext cx="1" cy="1369634"/>
-            </a:xfrm>
-            <a:prstGeom prst="line">
-              <a:avLst/>
-            </a:prstGeom>
-          </p:spPr>
-          <p:style>
-            <a:lnRef idx="1">
-              <a:schemeClr val="accent1"/>
-            </a:lnRef>
-            <a:fillRef idx="0">
-              <a:schemeClr val="accent1"/>
-            </a:fillRef>
-            <a:effectRef idx="0">
-              <a:schemeClr val="accent1"/>
-            </a:effectRef>
-            <a:fontRef idx="minor">
-              <a:schemeClr val="tx1"/>
-            </a:fontRef>
-          </p:style>
-        </p:cxnSp>
-        <p:cxnSp>
-          <p:nvCxnSpPr>
-            <p:cNvPr id="31" name="Straight Connector 30"/>
-            <p:cNvCxnSpPr/>
-            <p:nvPr/>
-          </p:nvCxnSpPr>
-          <p:spPr>
-            <a:xfrm flipH="1" flipV="1">
-              <a:off x="3984172" y="2294317"/>
-              <a:ext cx="1" cy="1369634"/>
-            </a:xfrm>
-            <a:prstGeom prst="line">
-              <a:avLst/>
-            </a:prstGeom>
-          </p:spPr>
-          <p:style>
-            <a:lnRef idx="1">
-              <a:schemeClr val="accent1"/>
-            </a:lnRef>
-            <a:fillRef idx="0">
-              <a:schemeClr val="accent1"/>
-            </a:fillRef>
-            <a:effectRef idx="0">
-              <a:schemeClr val="accent1"/>
-            </a:effectRef>
-            <a:fontRef idx="minor">
-              <a:schemeClr val="tx1"/>
-            </a:fontRef>
-          </p:style>
-        </p:cxnSp>
-        <p:cxnSp>
-          <p:nvCxnSpPr>
-            <p:cNvPr id="32" name="Straight Connector 31"/>
-            <p:cNvCxnSpPr/>
-            <p:nvPr/>
-          </p:nvCxnSpPr>
-          <p:spPr>
-            <a:xfrm flipH="1" flipV="1">
-              <a:off x="4135665" y="2294317"/>
-              <a:ext cx="1" cy="1369634"/>
-            </a:xfrm>
-            <a:prstGeom prst="line">
-              <a:avLst/>
-            </a:prstGeom>
-          </p:spPr>
-          <p:style>
-            <a:lnRef idx="1">
-              <a:schemeClr val="accent1"/>
-            </a:lnRef>
-            <a:fillRef idx="0">
-              <a:schemeClr val="accent1"/>
-            </a:fillRef>
-            <a:effectRef idx="0">
-              <a:schemeClr val="accent1"/>
-            </a:effectRef>
-            <a:fontRef idx="minor">
-              <a:schemeClr val="tx1"/>
-            </a:fontRef>
-          </p:style>
-        </p:cxnSp>
-        <p:cxnSp>
-          <p:nvCxnSpPr>
-            <p:cNvPr id="33" name="Straight Connector 32"/>
-            <p:cNvCxnSpPr/>
-            <p:nvPr/>
-          </p:nvCxnSpPr>
-          <p:spPr>
-            <a:xfrm flipH="1" flipV="1">
-              <a:off x="4286250" y="2294317"/>
-              <a:ext cx="1" cy="1369634"/>
-            </a:xfrm>
-            <a:prstGeom prst="line">
-              <a:avLst/>
-            </a:prstGeom>
-          </p:spPr>
-          <p:style>
-            <a:lnRef idx="1">
-              <a:schemeClr val="accent1"/>
-            </a:lnRef>
-            <a:fillRef idx="0">
-              <a:schemeClr val="accent1"/>
-            </a:fillRef>
-            <a:effectRef idx="0">
-              <a:schemeClr val="accent1"/>
-            </a:effectRef>
-            <a:fontRef idx="minor">
-              <a:schemeClr val="tx1"/>
-            </a:fontRef>
-          </p:style>
-        </p:cxnSp>
-        <p:cxnSp>
-          <p:nvCxnSpPr>
-            <p:cNvPr id="34" name="Straight Connector 33"/>
-            <p:cNvCxnSpPr/>
-            <p:nvPr/>
-          </p:nvCxnSpPr>
-          <p:spPr>
-            <a:xfrm flipH="1" flipV="1">
-              <a:off x="4437743" y="2294317"/>
-              <a:ext cx="1" cy="1369634"/>
-            </a:xfrm>
-            <a:prstGeom prst="line">
-              <a:avLst/>
-            </a:prstGeom>
-          </p:spPr>
-          <p:style>
-            <a:lnRef idx="1">
-              <a:schemeClr val="accent1"/>
-            </a:lnRef>
-            <a:fillRef idx="0">
-              <a:schemeClr val="accent1"/>
-            </a:fillRef>
-            <a:effectRef idx="0">
-              <a:schemeClr val="accent1"/>
-            </a:effectRef>
-            <a:fontRef idx="minor">
-              <a:schemeClr val="tx1"/>
-            </a:fontRef>
-          </p:style>
-        </p:cxnSp>
-        <p:cxnSp>
-          <p:nvCxnSpPr>
-            <p:cNvPr id="35" name="Straight Connector 34"/>
-            <p:cNvCxnSpPr/>
-            <p:nvPr/>
-          </p:nvCxnSpPr>
-          <p:spPr>
-            <a:xfrm flipH="1" flipV="1">
-              <a:off x="4589236" y="2294317"/>
-              <a:ext cx="1" cy="1369634"/>
-            </a:xfrm>
-            <a:prstGeom prst="line">
-              <a:avLst/>
-            </a:prstGeom>
-          </p:spPr>
-          <p:style>
-            <a:lnRef idx="1">
-              <a:schemeClr val="accent1"/>
-            </a:lnRef>
-            <a:fillRef idx="0">
-              <a:schemeClr val="accent1"/>
-            </a:fillRef>
-            <a:effectRef idx="0">
-              <a:schemeClr val="accent1"/>
-            </a:effectRef>
-            <a:fontRef idx="minor">
-              <a:schemeClr val="tx1"/>
-            </a:fontRef>
-          </p:style>
-        </p:cxnSp>
-        <p:cxnSp>
-          <p:nvCxnSpPr>
-            <p:cNvPr id="36" name="Straight Connector 35"/>
-            <p:cNvCxnSpPr/>
-            <p:nvPr/>
-          </p:nvCxnSpPr>
-          <p:spPr>
-            <a:xfrm flipH="1" flipV="1">
-              <a:off x="4740729" y="2294317"/>
-              <a:ext cx="1" cy="1369634"/>
-            </a:xfrm>
-            <a:prstGeom prst="line">
-              <a:avLst/>
-            </a:prstGeom>
-          </p:spPr>
-          <p:style>
-            <a:lnRef idx="1">
-              <a:schemeClr val="accent1"/>
-            </a:lnRef>
-            <a:fillRef idx="0">
-              <a:schemeClr val="accent1"/>
-            </a:fillRef>
-            <a:effectRef idx="0">
-              <a:schemeClr val="accent1"/>
-            </a:effectRef>
-            <a:fontRef idx="minor">
-              <a:schemeClr val="tx1"/>
-            </a:fontRef>
-          </p:style>
-        </p:cxnSp>
-        <p:cxnSp>
-          <p:nvCxnSpPr>
-            <p:cNvPr id="37" name="Straight Connector 36"/>
-            <p:cNvCxnSpPr/>
-            <p:nvPr/>
-          </p:nvCxnSpPr>
-          <p:spPr>
-            <a:xfrm flipH="1" flipV="1">
-              <a:off x="4892222" y="2294317"/>
-              <a:ext cx="1" cy="1369634"/>
-            </a:xfrm>
-            <a:prstGeom prst="line">
-              <a:avLst/>
-            </a:prstGeom>
-          </p:spPr>
-          <p:style>
-            <a:lnRef idx="1">
-              <a:schemeClr val="accent1"/>
-            </a:lnRef>
-            <a:fillRef idx="0">
-              <a:schemeClr val="accent1"/>
-            </a:fillRef>
-            <a:effectRef idx="0">
-              <a:schemeClr val="accent1"/>
-            </a:effectRef>
-            <a:fontRef idx="minor">
-              <a:schemeClr val="tx1"/>
-            </a:fontRef>
-          </p:style>
-        </p:cxnSp>
-        <p:cxnSp>
-          <p:nvCxnSpPr>
-            <p:cNvPr id="38" name="Straight Connector 37"/>
-            <p:cNvCxnSpPr/>
-            <p:nvPr/>
-          </p:nvCxnSpPr>
-          <p:spPr>
-            <a:xfrm flipH="1" flipV="1">
-              <a:off x="5043715" y="2294317"/>
-              <a:ext cx="1" cy="1369634"/>
-            </a:xfrm>
-            <a:prstGeom prst="line">
-              <a:avLst/>
-            </a:prstGeom>
-          </p:spPr>
-          <p:style>
-            <a:lnRef idx="1">
-              <a:schemeClr val="accent1"/>
-            </a:lnRef>
-            <a:fillRef idx="0">
-              <a:schemeClr val="accent1"/>
-            </a:fillRef>
-            <a:effectRef idx="0">
-              <a:schemeClr val="accent1"/>
-            </a:effectRef>
-            <a:fontRef idx="minor">
-              <a:schemeClr val="tx1"/>
-            </a:fontRef>
-          </p:style>
-        </p:cxnSp>
-        <p:cxnSp>
-          <p:nvCxnSpPr>
-            <p:cNvPr id="39" name="Straight Connector 38"/>
-            <p:cNvCxnSpPr/>
-            <p:nvPr/>
-          </p:nvCxnSpPr>
-          <p:spPr>
-            <a:xfrm flipH="1" flipV="1">
-              <a:off x="5194300" y="2294317"/>
-              <a:ext cx="1" cy="1369634"/>
-            </a:xfrm>
-            <a:prstGeom prst="line">
-              <a:avLst/>
-            </a:prstGeom>
-          </p:spPr>
-          <p:style>
-            <a:lnRef idx="1">
-              <a:schemeClr val="accent1"/>
-            </a:lnRef>
-            <a:fillRef idx="0">
-              <a:schemeClr val="accent1"/>
-            </a:fillRef>
-            <a:effectRef idx="0">
-              <a:schemeClr val="accent1"/>
-            </a:effectRef>
-            <a:fontRef idx="minor">
-              <a:schemeClr val="tx1"/>
-            </a:fontRef>
-          </p:style>
-        </p:cxnSp>
-        <p:cxnSp>
-          <p:nvCxnSpPr>
-            <p:cNvPr id="40" name="Straight Connector 39"/>
-            <p:cNvCxnSpPr/>
-            <p:nvPr/>
-          </p:nvCxnSpPr>
-          <p:spPr>
-            <a:xfrm flipH="1" flipV="1">
-              <a:off x="5345793" y="2294317"/>
-              <a:ext cx="1" cy="1369634"/>
-            </a:xfrm>
-            <a:prstGeom prst="line">
-              <a:avLst/>
-            </a:prstGeom>
-          </p:spPr>
-          <p:style>
-            <a:lnRef idx="1">
-              <a:schemeClr val="accent1"/>
-            </a:lnRef>
-            <a:fillRef idx="0">
-              <a:schemeClr val="accent1"/>
-            </a:fillRef>
-            <a:effectRef idx="0">
-              <a:schemeClr val="accent1"/>
-            </a:effectRef>
-            <a:fontRef idx="minor">
-              <a:schemeClr val="tx1"/>
-            </a:fontRef>
-          </p:style>
-        </p:cxnSp>
-        <p:cxnSp>
-          <p:nvCxnSpPr>
-            <p:cNvPr id="41" name="Straight Connector 40"/>
-            <p:cNvCxnSpPr/>
-            <p:nvPr/>
-          </p:nvCxnSpPr>
-          <p:spPr>
-            <a:xfrm flipH="1" flipV="1">
-              <a:off x="5497286" y="2294317"/>
-              <a:ext cx="1" cy="1369634"/>
-            </a:xfrm>
-            <a:prstGeom prst="line">
-              <a:avLst/>
-            </a:prstGeom>
-          </p:spPr>
-          <p:style>
-            <a:lnRef idx="1">
-              <a:schemeClr val="accent1"/>
-            </a:lnRef>
-            <a:fillRef idx="0">
-              <a:schemeClr val="accent1"/>
-            </a:fillRef>
-            <a:effectRef idx="0">
-              <a:schemeClr val="accent1"/>
-            </a:effectRef>
-            <a:fontRef idx="minor">
-              <a:schemeClr val="tx1"/>
-            </a:fontRef>
-          </p:style>
-        </p:cxnSp>
-        <p:cxnSp>
-          <p:nvCxnSpPr>
-            <p:cNvPr id="42" name="Straight Connector 41"/>
-            <p:cNvCxnSpPr/>
-            <p:nvPr/>
-          </p:nvCxnSpPr>
-          <p:spPr>
-            <a:xfrm flipH="1" flipV="1">
-              <a:off x="5648779" y="2294317"/>
-              <a:ext cx="1" cy="1369634"/>
-            </a:xfrm>
-            <a:prstGeom prst="line">
-              <a:avLst/>
-            </a:prstGeom>
-          </p:spPr>
-          <p:style>
-            <a:lnRef idx="1">
-              <a:schemeClr val="accent1"/>
-            </a:lnRef>
-            <a:fillRef idx="0">
-              <a:schemeClr val="accent1"/>
-            </a:fillRef>
-            <a:effectRef idx="0">
-              <a:schemeClr val="accent1"/>
-            </a:effectRef>
-            <a:fontRef idx="minor">
-              <a:schemeClr val="tx1"/>
-            </a:fontRef>
-          </p:style>
-        </p:cxnSp>
-        <p:cxnSp>
-          <p:nvCxnSpPr>
-            <p:cNvPr id="43" name="Straight Connector 42"/>
-            <p:cNvCxnSpPr/>
-            <p:nvPr/>
-          </p:nvCxnSpPr>
-          <p:spPr>
-            <a:xfrm flipH="1" flipV="1">
-              <a:off x="5800272" y="2294317"/>
-              <a:ext cx="1" cy="1369634"/>
-            </a:xfrm>
-            <a:prstGeom prst="line">
-              <a:avLst/>
-            </a:prstGeom>
-          </p:spPr>
-          <p:style>
-            <a:lnRef idx="1">
-              <a:schemeClr val="accent1"/>
-            </a:lnRef>
-            <a:fillRef idx="0">
-              <a:schemeClr val="accent1"/>
-            </a:fillRef>
-            <a:effectRef idx="0">
-              <a:schemeClr val="accent1"/>
-            </a:effectRef>
-            <a:fontRef idx="minor">
-              <a:schemeClr val="tx1"/>
-            </a:fontRef>
-          </p:style>
-        </p:cxnSp>
-        <p:cxnSp>
-          <p:nvCxnSpPr>
-            <p:cNvPr id="44" name="Straight Connector 43"/>
-            <p:cNvCxnSpPr/>
-            <p:nvPr/>
-          </p:nvCxnSpPr>
-          <p:spPr>
-            <a:xfrm flipH="1" flipV="1">
-              <a:off x="5951765" y="2294317"/>
-              <a:ext cx="1" cy="1369634"/>
-            </a:xfrm>
-            <a:prstGeom prst="line">
-              <a:avLst/>
-            </a:prstGeom>
-          </p:spPr>
-          <p:style>
-            <a:lnRef idx="1">
-              <a:schemeClr val="accent1"/>
-            </a:lnRef>
-            <a:fillRef idx="0">
-              <a:schemeClr val="accent1"/>
-            </a:fillRef>
-            <a:effectRef idx="0">
-              <a:schemeClr val="accent1"/>
-            </a:effectRef>
-            <a:fontRef idx="minor">
-              <a:schemeClr val="tx1"/>
-            </a:fontRef>
-          </p:style>
-        </p:cxnSp>
-        <p:cxnSp>
-          <p:nvCxnSpPr>
-            <p:cNvPr id="45" name="Straight Connector 44"/>
-            <p:cNvCxnSpPr/>
-            <p:nvPr/>
-          </p:nvCxnSpPr>
-          <p:spPr>
-            <a:xfrm flipH="1" flipV="1">
-              <a:off x="6102350" y="2294317"/>
-              <a:ext cx="1" cy="1369634"/>
-            </a:xfrm>
-            <a:prstGeom prst="line">
-              <a:avLst/>
-            </a:prstGeom>
-          </p:spPr>
-          <p:style>
-            <a:lnRef idx="1">
-              <a:schemeClr val="accent1"/>
-            </a:lnRef>
-            <a:fillRef idx="0">
-              <a:schemeClr val="accent1"/>
-            </a:fillRef>
-            <a:effectRef idx="0">
-              <a:schemeClr val="accent1"/>
-            </a:effectRef>
-            <a:fontRef idx="minor">
-              <a:schemeClr val="tx1"/>
-            </a:fontRef>
-          </p:style>
-        </p:cxnSp>
-        <p:cxnSp>
-          <p:nvCxnSpPr>
-            <p:cNvPr id="46" name="Straight Connector 45"/>
-            <p:cNvCxnSpPr/>
-            <p:nvPr/>
-          </p:nvCxnSpPr>
-          <p:spPr>
-            <a:xfrm flipH="1" flipV="1">
-              <a:off x="6253843" y="2294317"/>
-              <a:ext cx="1" cy="1369634"/>
-            </a:xfrm>
-            <a:prstGeom prst="line">
-              <a:avLst/>
-            </a:prstGeom>
-          </p:spPr>
-          <p:style>
-            <a:lnRef idx="1">
-              <a:schemeClr val="accent1"/>
-            </a:lnRef>
-            <a:fillRef idx="0">
-              <a:schemeClr val="accent1"/>
-            </a:fillRef>
-            <a:effectRef idx="0">
-              <a:schemeClr val="accent1"/>
-            </a:effectRef>
-            <a:fontRef idx="minor">
-              <a:schemeClr val="tx1"/>
-            </a:fontRef>
-          </p:style>
-        </p:cxnSp>
-        <p:cxnSp>
-          <p:nvCxnSpPr>
-            <p:cNvPr id="47" name="Straight Connector 46"/>
-            <p:cNvCxnSpPr/>
-            <p:nvPr/>
-          </p:nvCxnSpPr>
-          <p:spPr>
-            <a:xfrm flipH="1" flipV="1">
-              <a:off x="6405336" y="2294317"/>
-              <a:ext cx="1" cy="1369634"/>
-            </a:xfrm>
-            <a:prstGeom prst="line">
-              <a:avLst/>
-            </a:prstGeom>
-          </p:spPr>
-          <p:style>
-            <a:lnRef idx="1">
-              <a:schemeClr val="accent1"/>
-            </a:lnRef>
-            <a:fillRef idx="0">
-              <a:schemeClr val="accent1"/>
-            </a:fillRef>
-            <a:effectRef idx="0">
-              <a:schemeClr val="accent1"/>
-            </a:effectRef>
-            <a:fontRef idx="minor">
-              <a:schemeClr val="tx1"/>
-            </a:fontRef>
-          </p:style>
-        </p:cxnSp>
-        <p:cxnSp>
-          <p:nvCxnSpPr>
-            <p:cNvPr id="48" name="Straight Connector 47"/>
-            <p:cNvCxnSpPr/>
-            <p:nvPr/>
-          </p:nvCxnSpPr>
-          <p:spPr>
-            <a:xfrm flipH="1" flipV="1">
-              <a:off x="6556829" y="2294317"/>
-              <a:ext cx="1" cy="1369634"/>
-            </a:xfrm>
-            <a:prstGeom prst="line">
-              <a:avLst/>
-            </a:prstGeom>
-          </p:spPr>
-          <p:style>
-            <a:lnRef idx="1">
-              <a:schemeClr val="accent1"/>
-            </a:lnRef>
-            <a:fillRef idx="0">
-              <a:schemeClr val="accent1"/>
-            </a:fillRef>
-            <a:effectRef idx="0">
-              <a:schemeClr val="accent1"/>
-            </a:effectRef>
-            <a:fontRef idx="minor">
-              <a:schemeClr val="tx1"/>
-            </a:fontRef>
-          </p:style>
-        </p:cxnSp>
-        <p:cxnSp>
-          <p:nvCxnSpPr>
-            <p:cNvPr id="49" name="Straight Connector 48"/>
-            <p:cNvCxnSpPr/>
-            <p:nvPr/>
-          </p:nvCxnSpPr>
-          <p:spPr>
-            <a:xfrm flipH="1" flipV="1">
-              <a:off x="6708322" y="2294317"/>
-              <a:ext cx="1" cy="1369634"/>
-            </a:xfrm>
-            <a:prstGeom prst="line">
-              <a:avLst/>
-            </a:prstGeom>
-          </p:spPr>
-          <p:style>
-            <a:lnRef idx="1">
-              <a:schemeClr val="accent1"/>
-            </a:lnRef>
-            <a:fillRef idx="0">
-              <a:schemeClr val="accent1"/>
-            </a:fillRef>
-            <a:effectRef idx="0">
-              <a:schemeClr val="accent1"/>
-            </a:effectRef>
-            <a:fontRef idx="minor">
-              <a:schemeClr val="tx1"/>
-            </a:fontRef>
-          </p:style>
-        </p:cxnSp>
-        <p:cxnSp>
-          <p:nvCxnSpPr>
-            <p:cNvPr id="50" name="Straight Connector 49"/>
-            <p:cNvCxnSpPr/>
-            <p:nvPr/>
-          </p:nvCxnSpPr>
-          <p:spPr>
-            <a:xfrm flipH="1" flipV="1">
-              <a:off x="6859815" y="2294317"/>
-              <a:ext cx="1" cy="1369634"/>
-            </a:xfrm>
-            <a:prstGeom prst="line">
-              <a:avLst/>
-            </a:prstGeom>
-          </p:spPr>
-          <p:style>
-            <a:lnRef idx="1">
-              <a:schemeClr val="accent1"/>
-            </a:lnRef>
-            <a:fillRef idx="0">
-              <a:schemeClr val="accent1"/>
-            </a:fillRef>
-            <a:effectRef idx="0">
-              <a:schemeClr val="accent1"/>
-            </a:effectRef>
-            <a:fontRef idx="minor">
-              <a:schemeClr val="tx1"/>
-            </a:fontRef>
-          </p:style>
-        </p:cxnSp>
-        <p:cxnSp>
-          <p:nvCxnSpPr>
-            <p:cNvPr id="51" name="Straight Connector 50"/>
-            <p:cNvCxnSpPr/>
-            <p:nvPr/>
-          </p:nvCxnSpPr>
-          <p:spPr>
-            <a:xfrm flipH="1" flipV="1">
-              <a:off x="7010400" y="2294317"/>
-              <a:ext cx="1" cy="1369634"/>
-            </a:xfrm>
-            <a:prstGeom prst="line">
-              <a:avLst/>
-            </a:prstGeom>
-          </p:spPr>
-          <p:style>
-            <a:lnRef idx="1">
-              <a:schemeClr val="accent1"/>
-            </a:lnRef>
-            <a:fillRef idx="0">
-              <a:schemeClr val="accent1"/>
-            </a:fillRef>
-            <a:effectRef idx="0">
-              <a:schemeClr val="accent1"/>
-            </a:effectRef>
-            <a:fontRef idx="minor">
-              <a:schemeClr val="tx1"/>
-            </a:fontRef>
-          </p:style>
-        </p:cxnSp>
-        <p:cxnSp>
-          <p:nvCxnSpPr>
-            <p:cNvPr id="52" name="Straight Connector 51"/>
-            <p:cNvCxnSpPr/>
-            <p:nvPr/>
-          </p:nvCxnSpPr>
-          <p:spPr>
-            <a:xfrm flipH="1" flipV="1">
-              <a:off x="7161893" y="2294317"/>
-              <a:ext cx="1" cy="1369634"/>
-            </a:xfrm>
-            <a:prstGeom prst="line">
-              <a:avLst/>
-            </a:prstGeom>
-          </p:spPr>
-          <p:style>
-            <a:lnRef idx="1">
-              <a:schemeClr val="accent1"/>
-            </a:lnRef>
-            <a:fillRef idx="0">
-              <a:schemeClr val="accent1"/>
-            </a:fillRef>
-            <a:effectRef idx="0">
-              <a:schemeClr val="accent1"/>
-            </a:effectRef>
-            <a:fontRef idx="minor">
-              <a:schemeClr val="tx1"/>
-            </a:fontRef>
-          </p:style>
-        </p:cxnSp>
-        <p:cxnSp>
-          <p:nvCxnSpPr>
-            <p:cNvPr id="53" name="Straight Connector 52"/>
-            <p:cNvCxnSpPr/>
-            <p:nvPr/>
-          </p:nvCxnSpPr>
-          <p:spPr>
-            <a:xfrm flipH="1" flipV="1">
-              <a:off x="7313386" y="2294317"/>
-              <a:ext cx="1" cy="1369634"/>
-            </a:xfrm>
-            <a:prstGeom prst="line">
-              <a:avLst/>
-            </a:prstGeom>
-          </p:spPr>
-          <p:style>
-            <a:lnRef idx="1">
-              <a:schemeClr val="accent1"/>
-            </a:lnRef>
-            <a:fillRef idx="0">
-              <a:schemeClr val="accent1"/>
-            </a:fillRef>
-            <a:effectRef idx="0">
-              <a:schemeClr val="accent1"/>
-            </a:effectRef>
-            <a:fontRef idx="minor">
-              <a:schemeClr val="tx1"/>
-            </a:fontRef>
-          </p:style>
-        </p:cxnSp>
-        <p:cxnSp>
-          <p:nvCxnSpPr>
-            <p:cNvPr id="54" name="Straight Connector 53"/>
-            <p:cNvCxnSpPr/>
-            <p:nvPr/>
-          </p:nvCxnSpPr>
-          <p:spPr>
-            <a:xfrm flipH="1" flipV="1">
-              <a:off x="7464879" y="2294317"/>
-              <a:ext cx="1" cy="1369634"/>
-            </a:xfrm>
-            <a:prstGeom prst="line">
-              <a:avLst/>
-            </a:prstGeom>
-          </p:spPr>
-          <p:style>
-            <a:lnRef idx="1">
-              <a:schemeClr val="accent1"/>
-            </a:lnRef>
-            <a:fillRef idx="0">
-              <a:schemeClr val="accent1"/>
-            </a:fillRef>
-            <a:effectRef idx="0">
-              <a:schemeClr val="accent1"/>
-            </a:effectRef>
-            <a:fontRef idx="minor">
-              <a:schemeClr val="tx1"/>
-            </a:fontRef>
-          </p:style>
-        </p:cxnSp>
-        <p:cxnSp>
-          <p:nvCxnSpPr>
-            <p:cNvPr id="55" name="Straight Connector 54"/>
-            <p:cNvCxnSpPr/>
-            <p:nvPr/>
-          </p:nvCxnSpPr>
-          <p:spPr>
-            <a:xfrm flipH="1" flipV="1">
-              <a:off x="7616372" y="2294317"/>
-              <a:ext cx="1" cy="1369634"/>
-            </a:xfrm>
-            <a:prstGeom prst="line">
-              <a:avLst/>
-            </a:prstGeom>
-          </p:spPr>
-          <p:style>
-            <a:lnRef idx="1">
-              <a:schemeClr val="accent1"/>
-            </a:lnRef>
-            <a:fillRef idx="0">
-              <a:schemeClr val="accent1"/>
-            </a:fillRef>
-            <a:effectRef idx="0">
-              <a:schemeClr val="accent1"/>
-            </a:effectRef>
-            <a:fontRef idx="minor">
-              <a:schemeClr val="tx1"/>
-            </a:fontRef>
-          </p:style>
-        </p:cxnSp>
-      </p:grpSp>
-      <p:grpSp>
-        <p:nvGrpSpPr>
-          <p:cNvPr id="159" name="Group 158"/>
-          <p:cNvGrpSpPr/>
-          <p:nvPr/>
-        </p:nvGrpSpPr>
-        <p:grpSpPr>
-          <a:xfrm>
-            <a:off x="3054868" y="2835275"/>
-            <a:ext cx="2577454" cy="2500369"/>
-            <a:chOff x="3532833" y="3614678"/>
-            <a:chExt cx="2577454" cy="2500369"/>
-          </a:xfrm>
-        </p:grpSpPr>
-        <p:grpSp>
-          <p:nvGrpSpPr>
-            <p:cNvPr id="119" name="Group 118"/>
-            <p:cNvGrpSpPr/>
-            <p:nvPr/>
-          </p:nvGrpSpPr>
-          <p:grpSpPr>
-            <a:xfrm>
-              <a:off x="3532833" y="3614679"/>
-              <a:ext cx="2577454" cy="2500368"/>
-              <a:chOff x="3723334" y="4129032"/>
-              <a:chExt cx="1622459" cy="1647881"/>
-            </a:xfrm>
-          </p:grpSpPr>
-          <p:sp>
-            <p:nvSpPr>
-              <p:cNvPr id="108" name="Oval 107"/>
-              <p:cNvSpPr/>
-              <p:nvPr/>
-            </p:nvSpPr>
-            <p:spPr>
-              <a:xfrm>
-                <a:off x="4437743" y="4843463"/>
-                <a:ext cx="151493" cy="142875"/>
-              </a:xfrm>
-              <a:prstGeom prst="ellipse">
-                <a:avLst/>
-              </a:prstGeom>
-              <a:noFill/>
-              <a:ln>
-                <a:solidFill>
-                  <a:schemeClr val="tx1"/>
-                </a:solidFill>
-              </a:ln>
-            </p:spPr>
-            <p:style>
-              <a:lnRef idx="2">
-                <a:schemeClr val="accent1">
-                  <a:shade val="50000"/>
-                </a:schemeClr>
-              </a:lnRef>
-              <a:fillRef idx="1">
-                <a:schemeClr val="accent1"/>
-              </a:fillRef>
-              <a:effectRef idx="0">
-                <a:schemeClr val="accent1"/>
-              </a:effectRef>
-              <a:fontRef idx="minor">
-                <a:schemeClr val="lt1"/>
-              </a:fontRef>
-            </p:style>
-            <p:txBody>
-              <a:bodyPr rtlCol="0" anchor="ctr"/>
-              <a:lstStyle/>
-              <a:p>
-                <a:pPr algn="ctr"/>
-                <a:endParaRPr lang="en-GB"/>
-              </a:p>
-            </p:txBody>
-          </p:sp>
-          <p:sp>
-            <p:nvSpPr>
-              <p:cNvPr id="109" name="Oval 108"/>
-              <p:cNvSpPr/>
-              <p:nvPr/>
-            </p:nvSpPr>
-            <p:spPr>
-              <a:xfrm>
-                <a:off x="4366303" y="4772022"/>
-                <a:ext cx="303893" cy="280988"/>
-              </a:xfrm>
-              <a:prstGeom prst="ellipse">
-                <a:avLst/>
-              </a:prstGeom>
-              <a:noFill/>
-              <a:ln w="6350">
-                <a:solidFill>
-                  <a:schemeClr val="accent1"/>
-                </a:solidFill>
-              </a:ln>
-            </p:spPr>
-            <p:style>
-              <a:lnRef idx="2">
-                <a:schemeClr val="accent1">
-                  <a:shade val="50000"/>
-                </a:schemeClr>
-              </a:lnRef>
-              <a:fillRef idx="1">
-                <a:schemeClr val="accent1"/>
-              </a:fillRef>
-              <a:effectRef idx="0">
-                <a:schemeClr val="accent1"/>
-              </a:effectRef>
-              <a:fontRef idx="minor">
-                <a:schemeClr val="lt1"/>
-              </a:fontRef>
-            </p:style>
-            <p:txBody>
-              <a:bodyPr rtlCol="0" anchor="ctr"/>
-              <a:lstStyle/>
-              <a:p>
-                <a:pPr algn="ctr"/>
-                <a:endParaRPr lang="en-GB"/>
-              </a:p>
-            </p:txBody>
-          </p:sp>
-          <p:sp>
-            <p:nvSpPr>
-              <p:cNvPr id="110" name="Oval 109"/>
-              <p:cNvSpPr/>
-              <p:nvPr/>
-            </p:nvSpPr>
-            <p:spPr>
-              <a:xfrm>
-                <a:off x="4294863" y="4700580"/>
-                <a:ext cx="445866" cy="423869"/>
-              </a:xfrm>
-              <a:prstGeom prst="ellipse">
-                <a:avLst/>
-              </a:prstGeom>
-              <a:noFill/>
-              <a:ln w="6350">
-                <a:solidFill>
-                  <a:schemeClr val="accent1"/>
-                </a:solidFill>
-              </a:ln>
-            </p:spPr>
-            <p:style>
-              <a:lnRef idx="2">
-                <a:schemeClr val="accent1">
-                  <a:shade val="50000"/>
-                </a:schemeClr>
-              </a:lnRef>
-              <a:fillRef idx="1">
-                <a:schemeClr val="accent1"/>
-              </a:fillRef>
-              <a:effectRef idx="0">
-                <a:schemeClr val="accent1"/>
-              </a:effectRef>
-              <a:fontRef idx="minor">
-                <a:schemeClr val="lt1"/>
-              </a:fontRef>
-            </p:style>
-            <p:txBody>
-              <a:bodyPr rtlCol="0" anchor="ctr"/>
-              <a:lstStyle/>
-              <a:p>
-                <a:pPr algn="ctr"/>
-                <a:endParaRPr lang="en-GB"/>
-              </a:p>
-            </p:txBody>
-          </p:sp>
-          <p:sp>
-            <p:nvSpPr>
-              <p:cNvPr id="111" name="Oval 110"/>
-              <p:cNvSpPr/>
-              <p:nvPr/>
-            </p:nvSpPr>
-            <p:spPr>
-              <a:xfrm>
-                <a:off x="4223423" y="4629138"/>
-                <a:ext cx="586702" cy="581037"/>
-              </a:xfrm>
-              <a:prstGeom prst="ellipse">
-                <a:avLst/>
-              </a:prstGeom>
-              <a:noFill/>
-              <a:ln w="6350">
-                <a:solidFill>
-                  <a:schemeClr val="accent1"/>
-                </a:solidFill>
-              </a:ln>
-            </p:spPr>
-            <p:style>
-              <a:lnRef idx="2">
-                <a:schemeClr val="accent1">
-                  <a:shade val="50000"/>
-                </a:schemeClr>
-              </a:lnRef>
-              <a:fillRef idx="1">
-                <a:schemeClr val="accent1"/>
-              </a:fillRef>
-              <a:effectRef idx="0">
-                <a:schemeClr val="accent1"/>
-              </a:effectRef>
-              <a:fontRef idx="minor">
-                <a:schemeClr val="lt1"/>
-              </a:fontRef>
-            </p:style>
-            <p:txBody>
-              <a:bodyPr rtlCol="0" anchor="ctr"/>
-              <a:lstStyle/>
-              <a:p>
-                <a:pPr algn="ctr"/>
-                <a:endParaRPr lang="en-GB"/>
-              </a:p>
-            </p:txBody>
-          </p:sp>
-          <p:sp>
-            <p:nvSpPr>
-              <p:cNvPr id="112" name="Oval 111"/>
-              <p:cNvSpPr/>
-              <p:nvPr/>
-            </p:nvSpPr>
-            <p:spPr>
-              <a:xfrm>
-                <a:off x="4151982" y="4557696"/>
-                <a:ext cx="740239" cy="719154"/>
-              </a:xfrm>
-              <a:prstGeom prst="ellipse">
-                <a:avLst/>
-              </a:prstGeom>
-              <a:noFill/>
-              <a:ln w="6350">
-                <a:solidFill>
-                  <a:schemeClr val="accent1"/>
-                </a:solidFill>
-              </a:ln>
-            </p:spPr>
-            <p:style>
-              <a:lnRef idx="2">
-                <a:schemeClr val="accent1">
-                  <a:shade val="50000"/>
-                </a:schemeClr>
-              </a:lnRef>
-              <a:fillRef idx="1">
-                <a:schemeClr val="accent1"/>
-              </a:fillRef>
-              <a:effectRef idx="0">
-                <a:schemeClr val="accent1"/>
-              </a:effectRef>
-              <a:fontRef idx="minor">
-                <a:schemeClr val="lt1"/>
-              </a:fontRef>
-            </p:style>
-            <p:txBody>
-              <a:bodyPr rtlCol="0" anchor="ctr"/>
-              <a:lstStyle/>
-              <a:p>
-                <a:pPr algn="ctr"/>
-                <a:endParaRPr lang="en-GB"/>
-              </a:p>
-            </p:txBody>
-          </p:sp>
-          <p:sp>
-            <p:nvSpPr>
-              <p:cNvPr id="113" name="Oval 112"/>
-              <p:cNvSpPr/>
-              <p:nvPr/>
-            </p:nvSpPr>
-            <p:spPr>
-              <a:xfrm>
-                <a:off x="4080541" y="4486253"/>
-                <a:ext cx="886747" cy="876321"/>
-              </a:xfrm>
-              <a:prstGeom prst="ellipse">
-                <a:avLst/>
-              </a:prstGeom>
-              <a:noFill/>
-              <a:ln w="6350">
-                <a:solidFill>
-                  <a:schemeClr val="accent1"/>
-                </a:solidFill>
-              </a:ln>
-            </p:spPr>
-            <p:style>
-              <a:lnRef idx="2">
-                <a:schemeClr val="accent1">
-                  <a:shade val="50000"/>
-                </a:schemeClr>
-              </a:lnRef>
-              <a:fillRef idx="1">
-                <a:schemeClr val="accent1"/>
-              </a:fillRef>
-              <a:effectRef idx="0">
-                <a:schemeClr val="accent1"/>
-              </a:effectRef>
-              <a:fontRef idx="minor">
-                <a:schemeClr val="lt1"/>
-              </a:fontRef>
-            </p:style>
-            <p:txBody>
-              <a:bodyPr rtlCol="0" anchor="ctr"/>
-              <a:lstStyle/>
-              <a:p>
-                <a:pPr algn="ctr"/>
-                <a:endParaRPr lang="en-GB"/>
-              </a:p>
-            </p:txBody>
-          </p:sp>
-          <p:sp>
-            <p:nvSpPr>
-              <p:cNvPr id="114" name="Oval 113"/>
-              <p:cNvSpPr/>
-              <p:nvPr/>
-            </p:nvSpPr>
-            <p:spPr>
-              <a:xfrm>
-                <a:off x="4009100" y="4414810"/>
-                <a:ext cx="1034615" cy="1028728"/>
-              </a:xfrm>
-              <a:prstGeom prst="ellipse">
-                <a:avLst/>
-              </a:prstGeom>
-              <a:noFill/>
-              <a:ln w="6350">
-                <a:solidFill>
-                  <a:schemeClr val="accent1"/>
-                </a:solidFill>
-              </a:ln>
-            </p:spPr>
-            <p:style>
-              <a:lnRef idx="2">
-                <a:schemeClr val="accent1">
-                  <a:shade val="50000"/>
-                </a:schemeClr>
-              </a:lnRef>
-              <a:fillRef idx="1">
-                <a:schemeClr val="accent1"/>
-              </a:fillRef>
-              <a:effectRef idx="0">
-                <a:schemeClr val="accent1"/>
-              </a:effectRef>
-              <a:fontRef idx="minor">
-                <a:schemeClr val="lt1"/>
-              </a:fontRef>
-            </p:style>
-            <p:txBody>
-              <a:bodyPr rtlCol="0" anchor="ctr"/>
-              <a:lstStyle/>
-              <a:p>
-                <a:pPr algn="ctr"/>
-                <a:endParaRPr lang="en-GB"/>
-              </a:p>
-            </p:txBody>
-          </p:sp>
-          <p:sp>
-            <p:nvSpPr>
-              <p:cNvPr id="115" name="Oval 114"/>
-              <p:cNvSpPr/>
-              <p:nvPr/>
-            </p:nvSpPr>
-            <p:spPr>
-              <a:xfrm>
-                <a:off x="3937659" y="4343366"/>
-                <a:ext cx="1177266" cy="1181133"/>
-              </a:xfrm>
-              <a:prstGeom prst="ellipse">
-                <a:avLst/>
-              </a:prstGeom>
-              <a:noFill/>
-              <a:ln w="6350">
-                <a:solidFill>
-                  <a:schemeClr val="accent1"/>
-                </a:solidFill>
-              </a:ln>
-            </p:spPr>
-            <p:style>
-              <a:lnRef idx="2">
-                <a:schemeClr val="accent1">
-                  <a:shade val="50000"/>
-                </a:schemeClr>
-              </a:lnRef>
-              <a:fillRef idx="1">
-                <a:schemeClr val="accent1"/>
-              </a:fillRef>
-              <a:effectRef idx="0">
-                <a:schemeClr val="accent1"/>
-              </a:effectRef>
-              <a:fontRef idx="minor">
-                <a:schemeClr val="lt1"/>
-              </a:fontRef>
-            </p:style>
-            <p:txBody>
-              <a:bodyPr rtlCol="0" anchor="ctr"/>
-              <a:lstStyle/>
-              <a:p>
-                <a:pPr algn="ctr"/>
-                <a:endParaRPr lang="en-GB"/>
-              </a:p>
-            </p:txBody>
-          </p:sp>
-          <p:sp>
-            <p:nvSpPr>
-              <p:cNvPr id="116" name="Oval 115"/>
-              <p:cNvSpPr/>
-              <p:nvPr/>
-            </p:nvSpPr>
-            <p:spPr>
-              <a:xfrm>
-                <a:off x="3866218" y="4271922"/>
-                <a:ext cx="1328082" cy="1328778"/>
-              </a:xfrm>
-              <a:prstGeom prst="ellipse">
-                <a:avLst/>
-              </a:prstGeom>
-              <a:noFill/>
-              <a:ln w="6350">
-                <a:solidFill>
-                  <a:schemeClr val="accent1"/>
-                </a:solidFill>
-              </a:ln>
-            </p:spPr>
-            <p:style>
-              <a:lnRef idx="2">
-                <a:schemeClr val="accent1">
-                  <a:shade val="50000"/>
-                </a:schemeClr>
-              </a:lnRef>
-              <a:fillRef idx="1">
-                <a:schemeClr val="accent1"/>
-              </a:fillRef>
-              <a:effectRef idx="0">
-                <a:schemeClr val="accent1"/>
-              </a:effectRef>
-              <a:fontRef idx="minor">
-                <a:schemeClr val="lt1"/>
-              </a:fontRef>
-            </p:style>
-            <p:txBody>
-              <a:bodyPr rtlCol="0" anchor="ctr"/>
-              <a:lstStyle/>
-              <a:p>
-                <a:pPr algn="ctr"/>
-                <a:endParaRPr lang="en-GB"/>
-              </a:p>
-            </p:txBody>
-          </p:sp>
-          <p:sp>
-            <p:nvSpPr>
-              <p:cNvPr id="117" name="Oval 116"/>
-              <p:cNvSpPr/>
-              <p:nvPr/>
-            </p:nvSpPr>
-            <p:spPr>
-              <a:xfrm>
-                <a:off x="3794776" y="4200477"/>
-                <a:ext cx="1482073" cy="1485947"/>
-              </a:xfrm>
-              <a:prstGeom prst="ellipse">
-                <a:avLst/>
-              </a:prstGeom>
-              <a:noFill/>
-              <a:ln w="6350">
-                <a:solidFill>
-                  <a:schemeClr val="accent1"/>
-                </a:solidFill>
-              </a:ln>
-            </p:spPr>
-            <p:style>
-              <a:lnRef idx="2">
-                <a:schemeClr val="accent1">
-                  <a:shade val="50000"/>
-                </a:schemeClr>
-              </a:lnRef>
-              <a:fillRef idx="1">
-                <a:schemeClr val="accent1"/>
-              </a:fillRef>
-              <a:effectRef idx="0">
-                <a:schemeClr val="accent1"/>
-              </a:effectRef>
-              <a:fontRef idx="minor">
-                <a:schemeClr val="lt1"/>
-              </a:fontRef>
-            </p:style>
-            <p:txBody>
-              <a:bodyPr rtlCol="0" anchor="ctr"/>
-              <a:lstStyle/>
-              <a:p>
-                <a:pPr algn="ctr"/>
-                <a:endParaRPr lang="en-GB"/>
-              </a:p>
-            </p:txBody>
-          </p:sp>
-          <p:sp>
-            <p:nvSpPr>
-              <p:cNvPr id="118" name="Oval 117"/>
-              <p:cNvSpPr/>
-              <p:nvPr/>
-            </p:nvSpPr>
-            <p:spPr>
-              <a:xfrm>
-                <a:off x="3723334" y="4129032"/>
-                <a:ext cx="1622459" cy="1647881"/>
-              </a:xfrm>
-              <a:prstGeom prst="ellipse">
-                <a:avLst/>
-              </a:prstGeom>
-              <a:noFill/>
-              <a:ln>
-                <a:solidFill>
-                  <a:schemeClr val="tx1"/>
-                </a:solidFill>
-              </a:ln>
-            </p:spPr>
-            <p:style>
-              <a:lnRef idx="2">
-                <a:schemeClr val="accent1">
-                  <a:shade val="50000"/>
-                </a:schemeClr>
-              </a:lnRef>
-              <a:fillRef idx="1">
-                <a:schemeClr val="accent1"/>
-              </a:fillRef>
-              <a:effectRef idx="0">
-                <a:schemeClr val="accent1"/>
-              </a:effectRef>
-              <a:fontRef idx="minor">
-                <a:schemeClr val="lt1"/>
-              </a:fontRef>
-            </p:style>
-            <p:txBody>
-              <a:bodyPr rtlCol="0" anchor="ctr"/>
-              <a:lstStyle/>
-              <a:p>
-                <a:pPr algn="ctr"/>
-                <a:endParaRPr lang="en-GB"/>
-              </a:p>
-            </p:txBody>
-          </p:sp>
-        </p:grpSp>
-        <p:grpSp>
-          <p:nvGrpSpPr>
-            <p:cNvPr id="158" name="Group 157"/>
-            <p:cNvGrpSpPr/>
-            <p:nvPr/>
-          </p:nvGrpSpPr>
-          <p:grpSpPr>
-            <a:xfrm>
-              <a:off x="4795838" y="3614678"/>
-              <a:ext cx="936990" cy="1200210"/>
-              <a:chOff x="4795838" y="3614678"/>
-              <a:chExt cx="936990" cy="1200210"/>
-            </a:xfrm>
-          </p:grpSpPr>
-          <p:cxnSp>
-            <p:nvCxnSpPr>
-              <p:cNvPr id="121" name="Straight Connector 120"/>
-              <p:cNvCxnSpPr>
-                <a:stCxn id="118" idx="0"/>
-              </p:cNvCxnSpPr>
-              <p:nvPr/>
-            </p:nvCxnSpPr>
-            <p:spPr>
-              <a:xfrm flipH="1">
-                <a:off x="4795838" y="3614679"/>
-                <a:ext cx="25722" cy="1200209"/>
-              </a:xfrm>
-              <a:prstGeom prst="line">
-                <a:avLst/>
-              </a:prstGeom>
-            </p:spPr>
-            <p:style>
-              <a:lnRef idx="1">
-                <a:schemeClr val="accent1"/>
-              </a:lnRef>
-              <a:fillRef idx="0">
-                <a:schemeClr val="accent1"/>
-              </a:fillRef>
-              <a:effectRef idx="0">
-                <a:schemeClr val="accent1"/>
-              </a:effectRef>
-              <a:fontRef idx="minor">
-                <a:schemeClr val="tx1"/>
-              </a:fontRef>
-            </p:style>
-          </p:cxnSp>
-          <p:cxnSp>
-            <p:nvCxnSpPr>
-              <p:cNvPr id="122" name="Straight Connector 121"/>
-              <p:cNvCxnSpPr>
-                <a:stCxn id="118" idx="7"/>
-              </p:cNvCxnSpPr>
-              <p:nvPr/>
-            </p:nvCxnSpPr>
-            <p:spPr>
-              <a:xfrm flipH="1">
-                <a:off x="4795838" y="3980849"/>
-                <a:ext cx="936990" cy="834039"/>
-              </a:xfrm>
-              <a:prstGeom prst="line">
-                <a:avLst/>
-              </a:prstGeom>
-            </p:spPr>
-            <p:style>
-              <a:lnRef idx="1">
-                <a:schemeClr val="accent1"/>
-              </a:lnRef>
-              <a:fillRef idx="0">
-                <a:schemeClr val="accent1"/>
-              </a:fillRef>
-              <a:effectRef idx="0">
-                <a:schemeClr val="accent1"/>
-              </a:effectRef>
-              <a:fontRef idx="minor">
-                <a:schemeClr val="tx1"/>
-              </a:fontRef>
-            </p:style>
-          </p:cxnSp>
-          <p:cxnSp>
-            <p:nvCxnSpPr>
-              <p:cNvPr id="125" name="Straight Connector 124"/>
-              <p:cNvCxnSpPr/>
-              <p:nvPr/>
-            </p:nvCxnSpPr>
-            <p:spPr>
-              <a:xfrm flipH="1">
-                <a:off x="4795838" y="3694188"/>
-                <a:ext cx="463481" cy="1120700"/>
-              </a:xfrm>
-              <a:prstGeom prst="line">
-                <a:avLst/>
-              </a:prstGeom>
-            </p:spPr>
-            <p:style>
-              <a:lnRef idx="1">
-                <a:schemeClr val="accent1"/>
-              </a:lnRef>
-              <a:fillRef idx="0">
-                <a:schemeClr val="accent1"/>
-              </a:fillRef>
-              <a:effectRef idx="0">
-                <a:schemeClr val="accent1"/>
-              </a:effectRef>
-              <a:fontRef idx="minor">
-                <a:schemeClr val="tx1"/>
-              </a:fontRef>
-            </p:style>
-          </p:cxnSp>
-          <p:cxnSp>
-            <p:nvCxnSpPr>
-              <p:cNvPr id="128" name="Straight Connector 127"/>
-              <p:cNvCxnSpPr/>
-              <p:nvPr/>
-            </p:nvCxnSpPr>
-            <p:spPr>
-              <a:xfrm flipH="1">
-                <a:off x="4795838" y="3636169"/>
-                <a:ext cx="247877" cy="1178719"/>
-              </a:xfrm>
-              <a:prstGeom prst="line">
-                <a:avLst/>
-              </a:prstGeom>
-            </p:spPr>
-            <p:style>
-              <a:lnRef idx="1">
-                <a:schemeClr val="accent1"/>
-              </a:lnRef>
-              <a:fillRef idx="0">
-                <a:schemeClr val="accent1"/>
-              </a:fillRef>
-              <a:effectRef idx="0">
-                <a:schemeClr val="accent1"/>
-              </a:effectRef>
-              <a:fontRef idx="minor">
-                <a:schemeClr val="tx1"/>
-              </a:fontRef>
-            </p:style>
-          </p:cxnSp>
-          <p:cxnSp>
-            <p:nvCxnSpPr>
-              <p:cNvPr id="134" name="Straight Connector 133"/>
-              <p:cNvCxnSpPr/>
-              <p:nvPr/>
-            </p:nvCxnSpPr>
-            <p:spPr>
-              <a:xfrm flipH="1">
-                <a:off x="4795838" y="3802592"/>
-                <a:ext cx="708307" cy="1012296"/>
-              </a:xfrm>
-              <a:prstGeom prst="line">
-                <a:avLst/>
-              </a:prstGeom>
-            </p:spPr>
-            <p:style>
-              <a:lnRef idx="1">
-                <a:schemeClr val="accent1"/>
-              </a:lnRef>
-              <a:fillRef idx="0">
-                <a:schemeClr val="accent1"/>
-              </a:fillRef>
-              <a:effectRef idx="0">
-                <a:schemeClr val="accent1"/>
-              </a:effectRef>
-              <a:fontRef idx="minor">
-                <a:schemeClr val="tx1"/>
-              </a:fontRef>
-            </p:style>
-          </p:cxnSp>
-          <p:cxnSp>
-            <p:nvCxnSpPr>
-              <p:cNvPr id="139" name="Straight Connector 138"/>
-              <p:cNvCxnSpPr/>
-              <p:nvPr/>
-            </p:nvCxnSpPr>
-            <p:spPr>
-              <a:xfrm flipH="1">
-                <a:off x="4795838" y="3659981"/>
-                <a:ext cx="353238" cy="1154907"/>
-              </a:xfrm>
-              <a:prstGeom prst="line">
-                <a:avLst/>
-              </a:prstGeom>
-            </p:spPr>
-            <p:style>
-              <a:lnRef idx="1">
-                <a:schemeClr val="accent1"/>
-              </a:lnRef>
-              <a:fillRef idx="0">
-                <a:schemeClr val="accent1"/>
-              </a:fillRef>
-              <a:effectRef idx="0">
-                <a:schemeClr val="accent1"/>
-              </a:effectRef>
-              <a:fontRef idx="minor">
-                <a:schemeClr val="tx1"/>
-              </a:fontRef>
-            </p:style>
-          </p:cxnSp>
-          <p:cxnSp>
-            <p:nvCxnSpPr>
-              <p:cNvPr id="142" name="Straight Connector 141"/>
-              <p:cNvCxnSpPr/>
-              <p:nvPr/>
-            </p:nvCxnSpPr>
-            <p:spPr>
-              <a:xfrm flipH="1">
-                <a:off x="4795838" y="3743325"/>
-                <a:ext cx="591570" cy="1071563"/>
-              </a:xfrm>
-              <a:prstGeom prst="line">
-                <a:avLst/>
-              </a:prstGeom>
-            </p:spPr>
-            <p:style>
-              <a:lnRef idx="1">
-                <a:schemeClr val="accent1"/>
-              </a:lnRef>
-              <a:fillRef idx="0">
-                <a:schemeClr val="accent1"/>
-              </a:fillRef>
-              <a:effectRef idx="0">
-                <a:schemeClr val="accent1"/>
-              </a:effectRef>
-              <a:fontRef idx="minor">
-                <a:schemeClr val="tx1"/>
-              </a:fontRef>
-            </p:style>
-          </p:cxnSp>
-          <p:cxnSp>
-            <p:nvCxnSpPr>
-              <p:cNvPr id="145" name="Straight Connector 144"/>
-              <p:cNvCxnSpPr/>
-              <p:nvPr/>
-            </p:nvCxnSpPr>
-            <p:spPr>
-              <a:xfrm flipH="1">
-                <a:off x="4795838" y="3881438"/>
-                <a:ext cx="818550" cy="933450"/>
-              </a:xfrm>
-              <a:prstGeom prst="line">
-                <a:avLst/>
-              </a:prstGeom>
-            </p:spPr>
-            <p:style>
-              <a:lnRef idx="1">
-                <a:schemeClr val="accent1"/>
-              </a:lnRef>
-              <a:fillRef idx="0">
-                <a:schemeClr val="accent1"/>
-              </a:fillRef>
-              <a:effectRef idx="0">
-                <a:schemeClr val="accent1"/>
-              </a:effectRef>
-              <a:fontRef idx="minor">
-                <a:schemeClr val="tx1"/>
-              </a:fontRef>
-            </p:style>
-          </p:cxnSp>
-          <p:cxnSp>
-            <p:nvCxnSpPr>
-              <p:cNvPr id="148" name="Straight Connector 147"/>
-              <p:cNvCxnSpPr>
-                <a:stCxn id="118" idx="0"/>
-              </p:cNvCxnSpPr>
-              <p:nvPr/>
-            </p:nvCxnSpPr>
-            <p:spPr>
-              <a:xfrm flipH="1">
-                <a:off x="4795838" y="3614679"/>
-                <a:ext cx="25722" cy="1200209"/>
-              </a:xfrm>
-              <a:prstGeom prst="line">
-                <a:avLst/>
-              </a:prstGeom>
-            </p:spPr>
-            <p:style>
-              <a:lnRef idx="1">
-                <a:schemeClr val="accent1"/>
-              </a:lnRef>
-              <a:fillRef idx="0">
-                <a:schemeClr val="accent1"/>
-              </a:fillRef>
-              <a:effectRef idx="0">
-                <a:schemeClr val="accent1"/>
-              </a:effectRef>
-              <a:fontRef idx="minor">
-                <a:schemeClr val="tx1"/>
-              </a:fontRef>
-            </p:style>
-          </p:cxnSp>
-          <p:cxnSp>
-            <p:nvCxnSpPr>
-              <p:cNvPr id="153" name="Straight Connector 152"/>
-              <p:cNvCxnSpPr/>
-              <p:nvPr/>
-            </p:nvCxnSpPr>
-            <p:spPr>
-              <a:xfrm flipH="1">
-                <a:off x="4795838" y="3614678"/>
-                <a:ext cx="134405" cy="1200210"/>
-              </a:xfrm>
-              <a:prstGeom prst="line">
-                <a:avLst/>
-              </a:prstGeom>
-            </p:spPr>
-            <p:style>
-              <a:lnRef idx="1">
-                <a:schemeClr val="accent1"/>
-              </a:lnRef>
-              <a:fillRef idx="0">
-                <a:schemeClr val="accent1"/>
-              </a:fillRef>
-              <a:effectRef idx="0">
-                <a:schemeClr val="accent1"/>
-              </a:effectRef>
-              <a:fontRef idx="minor">
-                <a:schemeClr val="tx1"/>
-              </a:fontRef>
-            </p:style>
-          </p:cxnSp>
-        </p:grpSp>
-      </p:grpSp>
-      <p:sp>
-        <p:nvSpPr>
-          <p:cNvPr id="185" name="TextBox 184"/>
-          <p:cNvSpPr txBox="1"/>
-          <p:nvPr/>
-        </p:nvSpPr>
-        <p:spPr>
-          <a:xfrm>
-            <a:off x="1034824" y="5653767"/>
-            <a:ext cx="9833882" cy="954107"/>
-          </a:xfrm>
-          <a:prstGeom prst="rect">
-            <a:avLst/>
-          </a:prstGeom>
-          <a:noFill/>
-        </p:spPr>
-        <p:txBody>
-          <a:bodyPr wrap="square" rtlCol="0">
-            <a:spAutoFit/>
-          </a:bodyPr>
-          <a:lstStyle/>
-          <a:p>
-            <a:r>
-              <a:rPr lang="en-GB" sz="2800" dirty="0" smtClean="0"/>
-              <a:t>Optimization possible – Convert one cut coordinates  into another cut coordinates</a:t>
-            </a:r>
-            <a:endParaRPr lang="en-GB" sz="2800" dirty="0"/>
-          </a:p>
-        </p:txBody>
-      </p:sp>
-    </p:spTree>
-    <p:extLst>
-      <p:ext uri="{BB962C8B-B14F-4D97-AF65-F5344CB8AC3E}">
-        <p14:creationId xmlns:p14="http://schemas.microsoft.com/office/powerpoint/2010/main" val="3505640683"/>
       </p:ext>
     </p:extLst>
   </p:cSld>

--- a/documentation/Old_documentation/design_forV4/FilebasedObjects&GenProjection.pptx
+++ b/documentation/Old_documentation/design_forV4/FilebasedObjects&GenProjection.pptx
@@ -258,7 +258,7 @@
           <a:p>
             <a:fld id="{3F5A1AD9-98D0-4926-A662-690A33481C0C}" type="datetimeFigureOut">
               <a:rPr lang="en-GB" smtClean="0"/>
-              <a:t>22/01/2021</a:t>
+              <a:t>29/01/2021</a:t>
             </a:fld>
             <a:endParaRPr lang="en-GB"/>
           </a:p>
@@ -428,7 +428,7 @@
           <a:p>
             <a:fld id="{3F5A1AD9-98D0-4926-A662-690A33481C0C}" type="datetimeFigureOut">
               <a:rPr lang="en-GB" smtClean="0"/>
-              <a:t>22/01/2021</a:t>
+              <a:t>29/01/2021</a:t>
             </a:fld>
             <a:endParaRPr lang="en-GB"/>
           </a:p>
@@ -608,7 +608,7 @@
           <a:p>
             <a:fld id="{3F5A1AD9-98D0-4926-A662-690A33481C0C}" type="datetimeFigureOut">
               <a:rPr lang="en-GB" smtClean="0"/>
-              <a:t>22/01/2021</a:t>
+              <a:t>29/01/2021</a:t>
             </a:fld>
             <a:endParaRPr lang="en-GB"/>
           </a:p>
@@ -778,7 +778,7 @@
           <a:p>
             <a:fld id="{3F5A1AD9-98D0-4926-A662-690A33481C0C}" type="datetimeFigureOut">
               <a:rPr lang="en-GB" smtClean="0"/>
-              <a:t>22/01/2021</a:t>
+              <a:t>29/01/2021</a:t>
             </a:fld>
             <a:endParaRPr lang="en-GB"/>
           </a:p>
@@ -1024,7 +1024,7 @@
           <a:p>
             <a:fld id="{3F5A1AD9-98D0-4926-A662-690A33481C0C}" type="datetimeFigureOut">
               <a:rPr lang="en-GB" smtClean="0"/>
-              <a:t>22/01/2021</a:t>
+              <a:t>29/01/2021</a:t>
             </a:fld>
             <a:endParaRPr lang="en-GB"/>
           </a:p>
@@ -1256,7 +1256,7 @@
           <a:p>
             <a:fld id="{3F5A1AD9-98D0-4926-A662-690A33481C0C}" type="datetimeFigureOut">
               <a:rPr lang="en-GB" smtClean="0"/>
-              <a:t>22/01/2021</a:t>
+              <a:t>29/01/2021</a:t>
             </a:fld>
             <a:endParaRPr lang="en-GB"/>
           </a:p>
@@ -1623,7 +1623,7 @@
           <a:p>
             <a:fld id="{3F5A1AD9-98D0-4926-A662-690A33481C0C}" type="datetimeFigureOut">
               <a:rPr lang="en-GB" smtClean="0"/>
-              <a:t>22/01/2021</a:t>
+              <a:t>29/01/2021</a:t>
             </a:fld>
             <a:endParaRPr lang="en-GB"/>
           </a:p>
@@ -1741,7 +1741,7 @@
           <a:p>
             <a:fld id="{3F5A1AD9-98D0-4926-A662-690A33481C0C}" type="datetimeFigureOut">
               <a:rPr lang="en-GB" smtClean="0"/>
-              <a:t>22/01/2021</a:t>
+              <a:t>29/01/2021</a:t>
             </a:fld>
             <a:endParaRPr lang="en-GB"/>
           </a:p>
@@ -1836,7 +1836,7 @@
           <a:p>
             <a:fld id="{3F5A1AD9-98D0-4926-A662-690A33481C0C}" type="datetimeFigureOut">
               <a:rPr lang="en-GB" smtClean="0"/>
-              <a:t>22/01/2021</a:t>
+              <a:t>29/01/2021</a:t>
             </a:fld>
             <a:endParaRPr lang="en-GB"/>
           </a:p>
@@ -2113,7 +2113,7 @@
           <a:p>
             <a:fld id="{3F5A1AD9-98D0-4926-A662-690A33481C0C}" type="datetimeFigureOut">
               <a:rPr lang="en-GB" smtClean="0"/>
-              <a:t>22/01/2021</a:t>
+              <a:t>29/01/2021</a:t>
             </a:fld>
             <a:endParaRPr lang="en-GB"/>
           </a:p>
@@ -2366,7 +2366,7 @@
           <a:p>
             <a:fld id="{3F5A1AD9-98D0-4926-A662-690A33481C0C}" type="datetimeFigureOut">
               <a:rPr lang="en-GB" smtClean="0"/>
-              <a:t>22/01/2021</a:t>
+              <a:t>29/01/2021</a:t>
             </a:fld>
             <a:endParaRPr lang="en-GB"/>
           </a:p>
@@ -2579,7 +2579,7 @@
           <a:p>
             <a:fld id="{3F5A1AD9-98D0-4926-A662-690A33481C0C}" type="datetimeFigureOut">
               <a:rPr lang="en-GB" smtClean="0"/>
-              <a:t>22/01/2021</a:t>
+              <a:t>29/01/2021</a:t>
             </a:fld>
             <a:endParaRPr lang="en-GB"/>
           </a:p>
@@ -19431,6 +19431,36 @@
           </a:p>
         </p:txBody>
       </p:sp>
+      <p:cxnSp>
+        <p:nvCxnSpPr>
+          <p:cNvPr id="5" name="Straight Connector 4"/>
+          <p:cNvCxnSpPr/>
+          <p:nvPr/>
+        </p:nvCxnSpPr>
+        <p:spPr>
+          <a:xfrm>
+            <a:off x="10632452" y="3458031"/>
+            <a:ext cx="25631" cy="1017688"/>
+          </a:xfrm>
+          <a:prstGeom prst="line">
+            <a:avLst/>
+          </a:prstGeom>
+        </p:spPr>
+        <p:style>
+          <a:lnRef idx="1">
+            <a:schemeClr val="accent1"/>
+          </a:lnRef>
+          <a:fillRef idx="0">
+            <a:schemeClr val="accent1"/>
+          </a:fillRef>
+          <a:effectRef idx="0">
+            <a:schemeClr val="accent1"/>
+          </a:effectRef>
+          <a:fontRef idx="minor">
+            <a:schemeClr val="tx1"/>
+          </a:fontRef>
+        </p:style>
+      </p:cxnSp>
     </p:spTree>
     <p:extLst>
       <p:ext uri="{BB962C8B-B14F-4D97-AF65-F5344CB8AC3E}">
@@ -30262,11 +30292,7 @@
             <a:pPr algn="ctr"/>
             <a:r>
               <a:rPr lang="en-GB" dirty="0" err="1" smtClean="0"/>
-              <a:t>pix</a:t>
-            </a:r>
-            <a:r>
-              <a:rPr lang="en-GB" dirty="0" err="1" smtClean="0"/>
-              <a:t>_controller</a:t>
+              <a:t>pix_controller</a:t>
             </a:r>
             <a:r>
               <a:rPr lang="en-GB" dirty="0" smtClean="0"/>
@@ -30711,7 +30737,7 @@
         </p:nvSpPr>
         <p:spPr>
           <a:xfrm>
-            <a:off x="5016524" y="1321356"/>
+            <a:off x="5201850" y="1328376"/>
             <a:ext cx="6894217" cy="3693319"/>
           </a:xfrm>
           <a:prstGeom prst="rect">
@@ -30862,7 +30888,7 @@
           <a:p>
             <a:r>
               <a:rPr lang="en-GB" dirty="0" err="1" smtClean="0"/>
-              <a:t>npix_contributed</a:t>
+              <a:t>ind_pix_contributed</a:t>
             </a:r>
             <a:r>
               <a:rPr lang="en-GB" dirty="0" smtClean="0"/>
@@ -30884,6 +30910,7 @@
               <a:rPr lang="en-GB" dirty="0" smtClean="0"/>
               <a:t>)</a:t>
             </a:r>
+            <a:endParaRPr lang="en-GB" dirty="0" smtClean="0"/>
           </a:p>
           <a:p>
             <a:endParaRPr lang="en-GB" dirty="0"/>
